--- a/2-Apresentação-PI-4-Semestre.pptx
+++ b/2-Apresentação-PI-4-Semestre.pptx
@@ -26,33 +26,31 @@
     <p:sldId id="271" r:id="rId21"/>
     <p:sldId id="272" r:id="rId22"/>
     <p:sldId id="273" r:id="rId23"/>
-    <p:sldId id="274" r:id="rId24"/>
-    <p:sldId id="275" r:id="rId25"/>
   </p:sldIdLst>
   <p:sldSz cy="10287000" cx="18288000"/>
   <p:notesSz cx="6858000" cy="9144000"/>
   <p:embeddedFontLst>
     <p:embeddedFont>
       <p:font typeface="Raleway"/>
-      <p:regular r:id="rId26"/>
-      <p:bold r:id="rId27"/>
-      <p:italic r:id="rId28"/>
-      <p:boldItalic r:id="rId29"/>
+      <p:regular r:id="rId24"/>
+      <p:bold r:id="rId25"/>
+      <p:italic r:id="rId26"/>
+      <p:boldItalic r:id="rId27"/>
     </p:embeddedFont>
     <p:embeddedFont>
       <p:font typeface="Proxima Nova"/>
-      <p:regular r:id="rId30"/>
-      <p:bold r:id="rId31"/>
-      <p:italic r:id="rId32"/>
-      <p:boldItalic r:id="rId33"/>
+      <p:regular r:id="rId28"/>
+      <p:bold r:id="rId29"/>
+      <p:italic r:id="rId30"/>
+      <p:boldItalic r:id="rId31"/>
     </p:embeddedFont>
     <p:embeddedFont>
       <p:font typeface="Proxima Nova Extrabold"/>
-      <p:bold r:id="rId34"/>
+      <p:bold r:id="rId32"/>
     </p:embeddedFont>
     <p:embeddedFont>
       <p:font typeface="Bree Serif"/>
-      <p:regular r:id="rId35"/>
+      <p:regular r:id="rId33"/>
     </p:embeddedFont>
   </p:embeddedFontLst>
   <p:defaultTextStyle>
@@ -300,7 +298,7 @@
       </p15:sldGuideLst>
     </p:ext>
     <p:ext uri="GoogleSlidesCustomDataVersion2">
-      <go:slidesCustomData xmlns:go="http://customooxmlschemas.google.com/" r:id="rId36" roundtripDataSignature="AMtx7miNUKqkIdL++6tcEczKr899iE3hZQ=="/>
+      <go:slidesCustomData xmlns:go="http://customooxmlschemas.google.com/" r:id="rId34" roundtripDataSignature="AMtx7mgeA7zvDawf2VkLdWR9ztcDxbID2Q=="/>
     </p:ext>
   </p:extLst>
 </p:presentation>
@@ -1237,7 +1235,7 @@
       </p:grpSpPr>
       <p:sp>
         <p:nvSpPr>
-          <p:cNvPr id="244" name="Google Shape;244;p17:notes"/>
+          <p:cNvPr id="244" name="Google Shape;244;g39fbb9a373c_0_60:notes"/>
           <p:cNvSpPr txBox="1"/>
           <p:nvPr>
             <p:ph idx="1" type="body"/>
@@ -1284,7 +1282,7 @@
       </p:sp>
       <p:sp>
         <p:nvSpPr>
-          <p:cNvPr id="245" name="Google Shape;245;p17:notes"/>
+          <p:cNvPr id="245" name="Google Shape;245;g39fbb9a373c_0_60:notes"/>
           <p:cNvSpPr/>
           <p:nvPr>
             <p:ph idx="2" type="sldImg"/>
@@ -1340,7 +1338,7 @@
   <p:cSld>
     <p:spTree>
       <p:nvGrpSpPr>
-        <p:cNvPr id="257" name="Shape 257"/>
+        <p:cNvPr id="258" name="Shape 258"/>
         <p:cNvGrpSpPr/>
         <p:nvPr/>
       </p:nvGrpSpPr>
@@ -1354,7 +1352,7 @@
       </p:grpSpPr>
       <p:sp>
         <p:nvSpPr>
-          <p:cNvPr id="258" name="Google Shape;258;p18:notes"/>
+          <p:cNvPr id="259" name="Google Shape;259;g39fbb9a373c_0_45:notes"/>
           <p:cNvSpPr txBox="1"/>
           <p:nvPr>
             <p:ph idx="1" type="body"/>
@@ -1401,7 +1399,7 @@
       </p:sp>
       <p:sp>
         <p:nvSpPr>
-          <p:cNvPr id="259" name="Google Shape;259;p18:notes"/>
+          <p:cNvPr id="260" name="Google Shape;260;g39fbb9a373c_0_45:notes"/>
           <p:cNvSpPr/>
           <p:nvPr>
             <p:ph idx="2" type="sldImg"/>
@@ -1410,7 +1408,7 @@
         <p:spPr>
           <a:xfrm>
             <a:off x="1143225" y="685800"/>
-            <a:ext cx="4572225" cy="3429000"/>
+            <a:ext cx="4572300" cy="3429000"/>
           </a:xfrm>
           <a:custGeom>
             <a:rect b="b" l="l" r="r" t="t"/>
@@ -1457,7 +1455,7 @@
   <p:cSld>
     <p:spTree>
       <p:nvGrpSpPr>
-        <p:cNvPr id="278" name="Shape 278"/>
+        <p:cNvPr id="273" name="Shape 273"/>
         <p:cNvGrpSpPr/>
         <p:nvPr/>
       </p:nvGrpSpPr>
@@ -1471,7 +1469,7 @@
       </p:grpSpPr>
       <p:sp>
         <p:nvSpPr>
-          <p:cNvPr id="279" name="Google Shape;279;g39fbb9a373c_0_24:notes"/>
+          <p:cNvPr id="274" name="Google Shape;274;p20:notes"/>
           <p:cNvSpPr txBox="1"/>
           <p:nvPr>
             <p:ph idx="1" type="body"/>
@@ -1518,7 +1516,7 @@
       </p:sp>
       <p:sp>
         <p:nvSpPr>
-          <p:cNvPr id="280" name="Google Shape;280;g39fbb9a373c_0_24:notes"/>
+          <p:cNvPr id="275" name="Google Shape;275;p20:notes"/>
           <p:cNvSpPr/>
           <p:nvPr>
             <p:ph idx="2" type="sldImg"/>
@@ -1574,7 +1572,7 @@
   <p:cSld>
     <p:spTree>
       <p:nvGrpSpPr>
-        <p:cNvPr id="292" name="Shape 292"/>
+        <p:cNvPr id="286" name="Shape 286"/>
         <p:cNvGrpSpPr/>
         <p:nvPr/>
       </p:nvGrpSpPr>
@@ -1588,7 +1586,7 @@
       </p:grpSpPr>
       <p:sp>
         <p:nvSpPr>
-          <p:cNvPr id="293" name="Google Shape;293;p20:notes"/>
+          <p:cNvPr id="287" name="Google Shape;287;p17:notes"/>
           <p:cNvSpPr txBox="1"/>
           <p:nvPr>
             <p:ph idx="1" type="body"/>
@@ -1635,7 +1633,7 @@
       </p:sp>
       <p:sp>
         <p:nvSpPr>
-          <p:cNvPr id="294" name="Google Shape;294;p20:notes"/>
+          <p:cNvPr id="288" name="Google Shape;288;p17:notes"/>
           <p:cNvSpPr/>
           <p:nvPr>
             <p:ph idx="2" type="sldImg"/>
@@ -1691,7 +1689,7 @@
   <p:cSld>
     <p:spTree>
       <p:nvGrpSpPr>
-        <p:cNvPr id="307" name="Shape 307"/>
+        <p:cNvPr id="300" name="Shape 300"/>
         <p:cNvGrpSpPr/>
         <p:nvPr/>
       </p:nvGrpSpPr>
@@ -1705,7 +1703,7 @@
       </p:grpSpPr>
       <p:sp>
         <p:nvSpPr>
-          <p:cNvPr id="308" name="Google Shape;308;p21:notes"/>
+          <p:cNvPr id="301" name="Google Shape;301;p18:notes"/>
           <p:cNvSpPr txBox="1"/>
           <p:nvPr>
             <p:ph idx="1" type="body"/>
@@ -1752,7 +1750,7 @@
       </p:sp>
       <p:sp>
         <p:nvSpPr>
-          <p:cNvPr id="309" name="Google Shape;309;p21:notes"/>
+          <p:cNvPr id="302" name="Google Shape;302;p18:notes"/>
           <p:cNvSpPr/>
           <p:nvPr>
             <p:ph idx="2" type="sldImg"/>
@@ -1761,7 +1759,7 @@
         <p:spPr>
           <a:xfrm>
             <a:off x="1143225" y="685800"/>
-            <a:ext cx="4572300" cy="3429000"/>
+            <a:ext cx="4572225" cy="3429000"/>
           </a:xfrm>
           <a:custGeom>
             <a:rect b="b" l="l" r="r" t="t"/>
@@ -1822,7 +1820,7 @@
       </p:grpSpPr>
       <p:sp>
         <p:nvSpPr>
-          <p:cNvPr id="322" name="Google Shape;322;p22:notes"/>
+          <p:cNvPr id="322" name="Google Shape;322;g39fbb9a373c_0_24:notes"/>
           <p:cNvSpPr txBox="1"/>
           <p:nvPr>
             <p:ph idx="1" type="body"/>
@@ -1869,7 +1867,7 @@
       </p:sp>
       <p:sp>
         <p:nvSpPr>
-          <p:cNvPr id="323" name="Google Shape;323;p22:notes"/>
+          <p:cNvPr id="323" name="Google Shape;323;g39fbb9a373c_0_24:notes"/>
           <p:cNvSpPr/>
           <p:nvPr>
             <p:ph idx="2" type="sldImg"/>
@@ -1925,7 +1923,7 @@
   <p:cSld>
     <p:spTree>
       <p:nvGrpSpPr>
-        <p:cNvPr id="336" name="Shape 336"/>
+        <p:cNvPr id="335" name="Shape 335"/>
         <p:cNvGrpSpPr/>
         <p:nvPr/>
       </p:nvGrpSpPr>
@@ -1939,7 +1937,7 @@
       </p:grpSpPr>
       <p:sp>
         <p:nvSpPr>
-          <p:cNvPr id="337" name="Google Shape;337;p23:notes"/>
+          <p:cNvPr id="336" name="Google Shape;336;p25:notes"/>
           <p:cNvSpPr txBox="1"/>
           <p:nvPr>
             <p:ph idx="1" type="body"/>
@@ -1986,124 +1984,7 @@
       </p:sp>
       <p:sp>
         <p:nvSpPr>
-          <p:cNvPr id="338" name="Google Shape;338;p23:notes"/>
-          <p:cNvSpPr/>
-          <p:nvPr>
-            <p:ph idx="2" type="sldImg"/>
-          </p:nvPr>
-        </p:nvSpPr>
-        <p:spPr>
-          <a:xfrm>
-            <a:off x="1143225" y="685800"/>
-            <a:ext cx="4572300" cy="3429000"/>
-          </a:xfrm>
-          <a:custGeom>
-            <a:rect b="b" l="l" r="r" t="t"/>
-            <a:pathLst>
-              <a:path extrusionOk="0" h="120000" w="120000">
-                <a:moveTo>
-                  <a:pt x="0" y="0"/>
-                </a:moveTo>
-                <a:lnTo>
-                  <a:pt x="120000" y="0"/>
-                </a:lnTo>
-                <a:lnTo>
-                  <a:pt x="120000" y="120000"/>
-                </a:lnTo>
-                <a:lnTo>
-                  <a:pt x="0" y="120000"/>
-                </a:lnTo>
-                <a:close/>
-              </a:path>
-            </a:pathLst>
-          </a:custGeom>
-          <a:noFill/>
-          <a:ln cap="flat" cmpd="sng" w="9525">
-            <a:solidFill>
-              <a:srgbClr val="000000"/>
-            </a:solidFill>
-            <a:prstDash val="solid"/>
-            <a:round/>
-            <a:headEnd len="sm" w="sm" type="none"/>
-            <a:tailEnd len="sm" w="sm" type="none"/>
-          </a:ln>
-        </p:spPr>
-      </p:sp>
-    </p:spTree>
-  </p:cSld>
-  <p:clrMapOvr>
-    <a:masterClrMapping/>
-  </p:clrMapOvr>
-</p:notes>
-</file>
-
-<file path=ppt/notesSlides/notesSlide19.xml><?xml version="1.0" encoding="utf-8"?>
-<p:notes xmlns:a="http://schemas.openxmlformats.org/drawingml/2006/main" xmlns:r="http://schemas.openxmlformats.org/officeDocument/2006/relationships" xmlns:mc="http://schemas.openxmlformats.org/markup-compatibility/2006" xmlns:mv="urn:schemas-microsoft-com:mac:vml" xmlns:p="http://schemas.openxmlformats.org/presentationml/2006/main" xmlns:c="http://schemas.openxmlformats.org/drawingml/2006/chart" xmlns:dgm="http://schemas.openxmlformats.org/drawingml/2006/diagram" xmlns:o="urn:schemas-microsoft-com:office:office" xmlns:v="urn:schemas-microsoft-com:vml" xmlns:pvml="urn:schemas-microsoft-com:office:powerpoint" xmlns:com="http://schemas.openxmlformats.org/drawingml/2006/compatibility" xmlns:p14="http://schemas.microsoft.com/office/powerpoint/2010/main" xmlns:p15="http://schemas.microsoft.com/office/powerpoint/2012/main" xmlns:ahyp="http://schemas.microsoft.com/office/drawing/2018/hyperlinkcolor" showMasterPhAnim="0" showMasterSp="0">
-  <p:cSld>
-    <p:spTree>
-      <p:nvGrpSpPr>
-        <p:cNvPr id="352" name="Shape 352"/>
-        <p:cNvGrpSpPr/>
-        <p:nvPr/>
-      </p:nvGrpSpPr>
-      <p:grpSpPr>
-        <a:xfrm>
-          <a:off x="0" y="0"/>
-          <a:ext cx="0" cy="0"/>
-          <a:chOff x="0" y="0"/>
-          <a:chExt cx="0" cy="0"/>
-        </a:xfrm>
-      </p:grpSpPr>
-      <p:sp>
-        <p:nvSpPr>
-          <p:cNvPr id="353" name="Google Shape;353;p24:notes"/>
-          <p:cNvSpPr txBox="1"/>
-          <p:nvPr>
-            <p:ph idx="1" type="body"/>
-          </p:nvPr>
-        </p:nvSpPr>
-        <p:spPr>
-          <a:xfrm>
-            <a:off x="685800" y="4343400"/>
-            <a:ext cx="5486400" cy="4114800"/>
-          </a:xfrm>
-          <a:prstGeom prst="rect">
-            <a:avLst/>
-          </a:prstGeom>
-          <a:noFill/>
-          <a:ln>
-            <a:noFill/>
-          </a:ln>
-        </p:spPr>
-        <p:txBody>
-          <a:bodyPr anchorCtr="0" anchor="t" bIns="91425" lIns="91425" spcFirstLastPara="1" rIns="91425" wrap="square" tIns="91425">
-            <a:noAutofit/>
-          </a:bodyPr>
-          <a:lstStyle/>
-          <a:p>
-            <a:pPr indent="0" lvl="0" marL="0" rtl="0" algn="l">
-              <a:lnSpc>
-                <a:spcPct val="100000"/>
-              </a:lnSpc>
-              <a:spcBef>
-                <a:spcPts val="0"/>
-              </a:spcBef>
-              <a:spcAft>
-                <a:spcPts val="0"/>
-              </a:spcAft>
-              <a:buSzPts val="1100"/>
-              <a:buNone/>
-            </a:pPr>
-            <a:r>
-              <a:t/>
-            </a:r>
-            <a:endParaRPr/>
-          </a:p>
-        </p:txBody>
-      </p:sp>
-      <p:sp>
-        <p:nvSpPr>
-          <p:cNvPr id="354" name="Google Shape;354;p24:notes"/>
+          <p:cNvPr id="337" name="Google Shape;337;p25:notes"/>
           <p:cNvSpPr/>
           <p:nvPr>
             <p:ph idx="2" type="sldImg"/>
@@ -2221,123 +2102,6 @@
       <p:sp>
         <p:nvSpPr>
           <p:cNvPr id="99" name="Google Shape;99;p2:notes"/>
-          <p:cNvSpPr/>
-          <p:nvPr>
-            <p:ph idx="2" type="sldImg"/>
-          </p:nvPr>
-        </p:nvSpPr>
-        <p:spPr>
-          <a:xfrm>
-            <a:off x="1143225" y="685800"/>
-            <a:ext cx="4572300" cy="3429000"/>
-          </a:xfrm>
-          <a:custGeom>
-            <a:rect b="b" l="l" r="r" t="t"/>
-            <a:pathLst>
-              <a:path extrusionOk="0" h="120000" w="120000">
-                <a:moveTo>
-                  <a:pt x="0" y="0"/>
-                </a:moveTo>
-                <a:lnTo>
-                  <a:pt x="120000" y="0"/>
-                </a:lnTo>
-                <a:lnTo>
-                  <a:pt x="120000" y="120000"/>
-                </a:lnTo>
-                <a:lnTo>
-                  <a:pt x="0" y="120000"/>
-                </a:lnTo>
-                <a:close/>
-              </a:path>
-            </a:pathLst>
-          </a:custGeom>
-          <a:noFill/>
-          <a:ln cap="flat" cmpd="sng" w="9525">
-            <a:solidFill>
-              <a:srgbClr val="000000"/>
-            </a:solidFill>
-            <a:prstDash val="solid"/>
-            <a:round/>
-            <a:headEnd len="sm" w="sm" type="none"/>
-            <a:tailEnd len="sm" w="sm" type="none"/>
-          </a:ln>
-        </p:spPr>
-      </p:sp>
-    </p:spTree>
-  </p:cSld>
-  <p:clrMapOvr>
-    <a:masterClrMapping/>
-  </p:clrMapOvr>
-</p:notes>
-</file>
-
-<file path=ppt/notesSlides/notesSlide20.xml><?xml version="1.0" encoding="utf-8"?>
-<p:notes xmlns:a="http://schemas.openxmlformats.org/drawingml/2006/main" xmlns:r="http://schemas.openxmlformats.org/officeDocument/2006/relationships" xmlns:mc="http://schemas.openxmlformats.org/markup-compatibility/2006" xmlns:mv="urn:schemas-microsoft-com:mac:vml" xmlns:p="http://schemas.openxmlformats.org/presentationml/2006/main" xmlns:c="http://schemas.openxmlformats.org/drawingml/2006/chart" xmlns:dgm="http://schemas.openxmlformats.org/drawingml/2006/diagram" xmlns:o="urn:schemas-microsoft-com:office:office" xmlns:v="urn:schemas-microsoft-com:vml" xmlns:pvml="urn:schemas-microsoft-com:office:powerpoint" xmlns:com="http://schemas.openxmlformats.org/drawingml/2006/compatibility" xmlns:p14="http://schemas.microsoft.com/office/powerpoint/2010/main" xmlns:p15="http://schemas.microsoft.com/office/powerpoint/2012/main" xmlns:ahyp="http://schemas.microsoft.com/office/drawing/2018/hyperlinkcolor" showMasterPhAnim="0" showMasterSp="0">
-  <p:cSld>
-    <p:spTree>
-      <p:nvGrpSpPr>
-        <p:cNvPr id="372" name="Shape 372"/>
-        <p:cNvGrpSpPr/>
-        <p:nvPr/>
-      </p:nvGrpSpPr>
-      <p:grpSpPr>
-        <a:xfrm>
-          <a:off x="0" y="0"/>
-          <a:ext cx="0" cy="0"/>
-          <a:chOff x="0" y="0"/>
-          <a:chExt cx="0" cy="0"/>
-        </a:xfrm>
-      </p:grpSpPr>
-      <p:sp>
-        <p:nvSpPr>
-          <p:cNvPr id="373" name="Google Shape;373;p25:notes"/>
-          <p:cNvSpPr txBox="1"/>
-          <p:nvPr>
-            <p:ph idx="1" type="body"/>
-          </p:nvPr>
-        </p:nvSpPr>
-        <p:spPr>
-          <a:xfrm>
-            <a:off x="685800" y="4343400"/>
-            <a:ext cx="5486400" cy="4114800"/>
-          </a:xfrm>
-          <a:prstGeom prst="rect">
-            <a:avLst/>
-          </a:prstGeom>
-          <a:noFill/>
-          <a:ln>
-            <a:noFill/>
-          </a:ln>
-        </p:spPr>
-        <p:txBody>
-          <a:bodyPr anchorCtr="0" anchor="t" bIns="91425" lIns="91425" spcFirstLastPara="1" rIns="91425" wrap="square" tIns="91425">
-            <a:noAutofit/>
-          </a:bodyPr>
-          <a:lstStyle/>
-          <a:p>
-            <a:pPr indent="0" lvl="0" marL="0" rtl="0" algn="l">
-              <a:lnSpc>
-                <a:spcPct val="100000"/>
-              </a:lnSpc>
-              <a:spcBef>
-                <a:spcPts val="0"/>
-              </a:spcBef>
-              <a:spcAft>
-                <a:spcPts val="0"/>
-              </a:spcAft>
-              <a:buSzPts val="1100"/>
-              <a:buNone/>
-            </a:pPr>
-            <a:r>
-              <a:t/>
-            </a:r>
-            <a:endParaRPr/>
-          </a:p>
-        </p:txBody>
-      </p:sp>
-      <p:sp>
-        <p:nvSpPr>
-          <p:cNvPr id="374" name="Google Shape;374;p25:notes"/>
           <p:cNvSpPr/>
           <p:nvPr>
             <p:ph idx="2" type="sldImg"/>
@@ -19455,7 +19219,3764 @@
       </p:grpSpPr>
       <p:sp>
         <p:nvSpPr>
-          <p:cNvPr id="247" name="Google Shape;247;p17"/>
+          <p:cNvPr id="247" name="Google Shape;247;g39fbb9a373c_0_60"/>
+          <p:cNvSpPr/>
+          <p:nvPr/>
+        </p:nvSpPr>
+        <p:spPr>
+          <a:xfrm>
+            <a:off x="13248423" y="6490324"/>
+            <a:ext cx="9023924" cy="4754183"/>
+          </a:xfrm>
+          <a:custGeom>
+            <a:rect b="b" l="l" r="r" t="t"/>
+            <a:pathLst>
+              <a:path extrusionOk="0" h="7858154" w="11873584">
+                <a:moveTo>
+                  <a:pt x="0" y="0"/>
+                </a:moveTo>
+                <a:lnTo>
+                  <a:pt x="11873584" y="0"/>
+                </a:lnTo>
+                <a:lnTo>
+                  <a:pt x="11873584" y="7858154"/>
+                </a:lnTo>
+                <a:lnTo>
+                  <a:pt x="0" y="7858154"/>
+                </a:lnTo>
+                <a:lnTo>
+                  <a:pt x="0" y="0"/>
+                </a:lnTo>
+                <a:close/>
+              </a:path>
+            </a:pathLst>
+          </a:custGeom>
+          <a:blipFill rotWithShape="1">
+            <a:blip r:embed="rId3">
+              <a:alphaModFix/>
+            </a:blip>
+            <a:stretch>
+              <a:fillRect b="0" l="0" r="0" t="0"/>
+            </a:stretch>
+          </a:blipFill>
+          <a:ln>
+            <a:noFill/>
+          </a:ln>
+        </p:spPr>
+      </p:sp>
+      <p:grpSp>
+        <p:nvGrpSpPr>
+          <p:cNvPr id="248" name="Google Shape;248;g39fbb9a373c_0_60"/>
+          <p:cNvGrpSpPr/>
+          <p:nvPr/>
+        </p:nvGrpSpPr>
+        <p:grpSpPr>
+          <a:xfrm>
+            <a:off x="919199" y="-915527"/>
+            <a:ext cx="1660787" cy="1650512"/>
+            <a:chOff x="0" y="-47625"/>
+            <a:chExt cx="437406" cy="434700"/>
+          </a:xfrm>
+        </p:grpSpPr>
+        <p:sp>
+          <p:nvSpPr>
+            <p:cNvPr id="249" name="Google Shape;249;g39fbb9a373c_0_60"/>
+            <p:cNvSpPr/>
+            <p:nvPr/>
+          </p:nvSpPr>
+          <p:spPr>
+            <a:xfrm>
+              <a:off x="0" y="0"/>
+              <a:ext cx="437406" cy="387002"/>
+            </a:xfrm>
+            <a:custGeom>
+              <a:rect b="b" l="l" r="r" t="t"/>
+              <a:pathLst>
+                <a:path extrusionOk="0" h="387002" w="437406">
+                  <a:moveTo>
+                    <a:pt x="0" y="0"/>
+                  </a:moveTo>
+                  <a:lnTo>
+                    <a:pt x="437406" y="0"/>
+                  </a:lnTo>
+                  <a:lnTo>
+                    <a:pt x="437406" y="387002"/>
+                  </a:lnTo>
+                  <a:lnTo>
+                    <a:pt x="0" y="387002"/>
+                  </a:lnTo>
+                  <a:close/>
+                </a:path>
+              </a:pathLst>
+            </a:custGeom>
+            <a:solidFill>
+              <a:srgbClr val="7ED957"/>
+            </a:solidFill>
+            <a:ln>
+              <a:noFill/>
+            </a:ln>
+          </p:spPr>
+        </p:sp>
+        <p:sp>
+          <p:nvSpPr>
+            <p:cNvPr id="250" name="Google Shape;250;g39fbb9a373c_0_60"/>
+            <p:cNvSpPr txBox="1"/>
+            <p:nvPr/>
+          </p:nvSpPr>
+          <p:spPr>
+            <a:xfrm>
+              <a:off x="0" y="-47625"/>
+              <a:ext cx="437400" cy="434700"/>
+            </a:xfrm>
+            <a:prstGeom prst="rect">
+              <a:avLst/>
+            </a:prstGeom>
+            <a:noFill/>
+            <a:ln>
+              <a:noFill/>
+            </a:ln>
+          </p:spPr>
+          <p:txBody>
+            <a:bodyPr anchorCtr="0" anchor="ctr" bIns="50800" lIns="50800" spcFirstLastPara="1" rIns="50800" wrap="square" tIns="50800">
+              <a:noAutofit/>
+            </a:bodyPr>
+            <a:lstStyle/>
+            <a:p>
+              <a:pPr indent="0" lvl="0" marL="0" marR="0" rtl="0" algn="ctr">
+                <a:lnSpc>
+                  <a:spcPct val="147722"/>
+                </a:lnSpc>
+                <a:spcBef>
+                  <a:spcPts val="0"/>
+                </a:spcBef>
+                <a:spcAft>
+                  <a:spcPts val="0"/>
+                </a:spcAft>
+                <a:buClr>
+                  <a:srgbClr val="000000"/>
+                </a:buClr>
+                <a:buSzPts val="1800"/>
+                <a:buFont typeface="Arial"/>
+                <a:buNone/>
+              </a:pPr>
+              <a:r>
+                <a:t/>
+              </a:r>
+              <a:endParaRPr b="0" i="0" sz="1800" u="none" cap="none" strike="noStrike">
+                <a:solidFill>
+                  <a:schemeClr val="dk1"/>
+                </a:solidFill>
+                <a:latin typeface="Calibri"/>
+                <a:ea typeface="Calibri"/>
+                <a:cs typeface="Calibri"/>
+                <a:sym typeface="Calibri"/>
+              </a:endParaRPr>
+            </a:p>
+          </p:txBody>
+        </p:sp>
+      </p:grpSp>
+      <p:grpSp>
+        <p:nvGrpSpPr>
+          <p:cNvPr id="251" name="Google Shape;251;g39fbb9a373c_0_60"/>
+          <p:cNvGrpSpPr/>
+          <p:nvPr/>
+        </p:nvGrpSpPr>
+        <p:grpSpPr>
+          <a:xfrm>
+            <a:off x="2664518" y="-915527"/>
+            <a:ext cx="489800" cy="1650512"/>
+            <a:chOff x="0" y="-47625"/>
+            <a:chExt cx="129000" cy="434700"/>
+          </a:xfrm>
+        </p:grpSpPr>
+        <p:sp>
+          <p:nvSpPr>
+            <p:cNvPr id="252" name="Google Shape;252;g39fbb9a373c_0_60"/>
+            <p:cNvSpPr/>
+            <p:nvPr/>
+          </p:nvSpPr>
+          <p:spPr>
+            <a:xfrm>
+              <a:off x="0" y="0"/>
+              <a:ext cx="128975" cy="387002"/>
+            </a:xfrm>
+            <a:custGeom>
+              <a:rect b="b" l="l" r="r" t="t"/>
+              <a:pathLst>
+                <a:path extrusionOk="0" h="387002" w="128975">
+                  <a:moveTo>
+                    <a:pt x="0" y="0"/>
+                  </a:moveTo>
+                  <a:lnTo>
+                    <a:pt x="128975" y="0"/>
+                  </a:lnTo>
+                  <a:lnTo>
+                    <a:pt x="128975" y="387002"/>
+                  </a:lnTo>
+                  <a:lnTo>
+                    <a:pt x="0" y="387002"/>
+                  </a:lnTo>
+                  <a:close/>
+                </a:path>
+              </a:pathLst>
+            </a:custGeom>
+            <a:solidFill>
+              <a:srgbClr val="00BF63"/>
+            </a:solidFill>
+            <a:ln>
+              <a:noFill/>
+            </a:ln>
+          </p:spPr>
+        </p:sp>
+        <p:sp>
+          <p:nvSpPr>
+            <p:cNvPr id="253" name="Google Shape;253;g39fbb9a373c_0_60"/>
+            <p:cNvSpPr txBox="1"/>
+            <p:nvPr/>
+          </p:nvSpPr>
+          <p:spPr>
+            <a:xfrm>
+              <a:off x="0" y="-47625"/>
+              <a:ext cx="129000" cy="434700"/>
+            </a:xfrm>
+            <a:prstGeom prst="rect">
+              <a:avLst/>
+            </a:prstGeom>
+            <a:noFill/>
+            <a:ln>
+              <a:noFill/>
+            </a:ln>
+          </p:spPr>
+          <p:txBody>
+            <a:bodyPr anchorCtr="0" anchor="ctr" bIns="50800" lIns="50800" spcFirstLastPara="1" rIns="50800" wrap="square" tIns="50800">
+              <a:noAutofit/>
+            </a:bodyPr>
+            <a:lstStyle/>
+            <a:p>
+              <a:pPr indent="0" lvl="0" marL="0" marR="0" rtl="0" algn="ctr">
+                <a:lnSpc>
+                  <a:spcPct val="147722"/>
+                </a:lnSpc>
+                <a:spcBef>
+                  <a:spcPts val="0"/>
+                </a:spcBef>
+                <a:spcAft>
+                  <a:spcPts val="0"/>
+                </a:spcAft>
+                <a:buClr>
+                  <a:srgbClr val="000000"/>
+                </a:buClr>
+                <a:buSzPts val="1800"/>
+                <a:buFont typeface="Arial"/>
+                <a:buNone/>
+              </a:pPr>
+              <a:r>
+                <a:t/>
+              </a:r>
+              <a:endParaRPr b="0" i="0" sz="1800" u="none" cap="none" strike="noStrike">
+                <a:solidFill>
+                  <a:schemeClr val="dk1"/>
+                </a:solidFill>
+                <a:latin typeface="Calibri"/>
+                <a:ea typeface="Calibri"/>
+                <a:cs typeface="Calibri"/>
+                <a:sym typeface="Calibri"/>
+              </a:endParaRPr>
+            </a:p>
+          </p:txBody>
+        </p:sp>
+      </p:grpSp>
+      <p:sp>
+        <p:nvSpPr>
+          <p:cNvPr id="254" name="Google Shape;254;g39fbb9a373c_0_60"/>
+          <p:cNvSpPr txBox="1"/>
+          <p:nvPr/>
+        </p:nvSpPr>
+        <p:spPr>
+          <a:xfrm>
+            <a:off x="6686850" y="198575"/>
+            <a:ext cx="4914300" cy="793500"/>
+          </a:xfrm>
+          <a:prstGeom prst="rect">
+            <a:avLst/>
+          </a:prstGeom>
+          <a:noFill/>
+          <a:ln>
+            <a:noFill/>
+          </a:ln>
+        </p:spPr>
+        <p:txBody>
+          <a:bodyPr anchorCtr="0" anchor="t" bIns="0" lIns="0" spcFirstLastPara="1" rIns="0" wrap="square" tIns="0">
+            <a:spAutoFit/>
+          </a:bodyPr>
+          <a:lstStyle/>
+          <a:p>
+            <a:pPr indent="0" lvl="0" marL="0" marR="0" rtl="0" algn="l">
+              <a:lnSpc>
+                <a:spcPct val="105004"/>
+              </a:lnSpc>
+              <a:spcBef>
+                <a:spcPts val="0"/>
+              </a:spcBef>
+              <a:spcAft>
+                <a:spcPts val="0"/>
+              </a:spcAft>
+              <a:buClr>
+                <a:srgbClr val="000000"/>
+              </a:buClr>
+              <a:buSzPts val="5156"/>
+              <a:buFont typeface="Arial"/>
+              <a:buNone/>
+            </a:pPr>
+            <a:r>
+              <a:rPr b="1" lang="en-US" sz="5156">
+                <a:solidFill>
+                  <a:srgbClr val="7ED957"/>
+                </a:solidFill>
+                <a:latin typeface="Proxima Nova"/>
+                <a:ea typeface="Proxima Nova"/>
+                <a:cs typeface="Proxima Nova"/>
+                <a:sym typeface="Proxima Nova"/>
+              </a:rPr>
+              <a:t>WEB</a:t>
+            </a:r>
+            <a:r>
+              <a:rPr b="1" i="0" lang="en-US" sz="5156" u="none" cap="none" strike="noStrike">
+                <a:solidFill>
+                  <a:srgbClr val="7ED957"/>
+                </a:solidFill>
+                <a:latin typeface="Proxima Nova"/>
+                <a:ea typeface="Proxima Nova"/>
+                <a:cs typeface="Proxima Nova"/>
+                <a:sym typeface="Proxima Nova"/>
+              </a:rPr>
+              <a:t> - Estrutura</a:t>
+            </a:r>
+            <a:endParaRPr b="0" i="0" sz="2100" u="none" cap="none" strike="noStrike">
+              <a:solidFill>
+                <a:srgbClr val="000000"/>
+              </a:solidFill>
+              <a:latin typeface="Arial"/>
+              <a:ea typeface="Arial"/>
+              <a:cs typeface="Arial"/>
+              <a:sym typeface="Arial"/>
+            </a:endParaRPr>
+          </a:p>
+        </p:txBody>
+      </p:sp>
+      <p:sp>
+        <p:nvSpPr>
+          <p:cNvPr id="255" name="Google Shape;255;g39fbb9a373c_0_60"/>
+          <p:cNvSpPr txBox="1"/>
+          <p:nvPr/>
+        </p:nvSpPr>
+        <p:spPr>
+          <a:xfrm>
+            <a:off x="919198" y="1206047"/>
+            <a:ext cx="6123600" cy="8712600"/>
+          </a:xfrm>
+          <a:prstGeom prst="rect">
+            <a:avLst/>
+          </a:prstGeom>
+          <a:noFill/>
+          <a:ln>
+            <a:noFill/>
+          </a:ln>
+        </p:spPr>
+        <p:txBody>
+          <a:bodyPr anchorCtr="0" anchor="t" bIns="0" lIns="0" spcFirstLastPara="1" rIns="0" wrap="square" tIns="0">
+            <a:spAutoFit/>
+          </a:bodyPr>
+          <a:lstStyle/>
+          <a:p>
+            <a:pPr indent="0" lvl="0" marL="0" marR="0" rtl="0" algn="l">
+              <a:lnSpc>
+                <a:spcPct val="105008"/>
+              </a:lnSpc>
+              <a:spcBef>
+                <a:spcPts val="0"/>
+              </a:spcBef>
+              <a:spcAft>
+                <a:spcPts val="0"/>
+              </a:spcAft>
+              <a:buClr>
+                <a:schemeClr val="dk1"/>
+              </a:buClr>
+              <a:buSzPts val="1100"/>
+              <a:buFont typeface="Arial"/>
+              <a:buNone/>
+            </a:pPr>
+            <a:r>
+              <a:rPr b="1" i="0" lang="en-US" sz="2000" u="none" cap="none" strike="noStrike">
+                <a:solidFill>
+                  <a:srgbClr val="00BF63"/>
+                </a:solidFill>
+                <a:latin typeface="Raleway"/>
+                <a:ea typeface="Raleway"/>
+                <a:cs typeface="Raleway"/>
+                <a:sym typeface="Raleway"/>
+              </a:rPr>
+              <a:t>DSM-G06-PI4-2025-2/</a:t>
+            </a:r>
+            <a:endParaRPr b="1" i="0" sz="2000" u="none" cap="none" strike="noStrike">
+              <a:solidFill>
+                <a:srgbClr val="00BF63"/>
+              </a:solidFill>
+              <a:latin typeface="Raleway"/>
+              <a:ea typeface="Raleway"/>
+              <a:cs typeface="Raleway"/>
+              <a:sym typeface="Raleway"/>
+            </a:endParaRPr>
+          </a:p>
+          <a:p>
+            <a:pPr indent="0" lvl="0" marL="0" marR="0" rtl="0" algn="l">
+              <a:lnSpc>
+                <a:spcPct val="105008"/>
+              </a:lnSpc>
+              <a:spcBef>
+                <a:spcPts val="0"/>
+              </a:spcBef>
+              <a:spcAft>
+                <a:spcPts val="0"/>
+              </a:spcAft>
+              <a:buClr>
+                <a:schemeClr val="dk1"/>
+              </a:buClr>
+              <a:buSzPts val="1100"/>
+              <a:buFont typeface="Arial"/>
+              <a:buNone/>
+            </a:pPr>
+            <a:r>
+              <a:rPr b="1" i="0" lang="en-US" sz="2000" u="none" cap="none" strike="noStrike">
+                <a:solidFill>
+                  <a:srgbClr val="00BF63"/>
+                </a:solidFill>
+                <a:latin typeface="Raleway"/>
+                <a:ea typeface="Raleway"/>
+                <a:cs typeface="Raleway"/>
+                <a:sym typeface="Raleway"/>
+              </a:rPr>
+              <a:t>├── API/</a:t>
+            </a:r>
+            <a:endParaRPr b="1" i="0" sz="2000" u="none" cap="none" strike="noStrike">
+              <a:solidFill>
+                <a:srgbClr val="00BF63"/>
+              </a:solidFill>
+              <a:latin typeface="Raleway"/>
+              <a:ea typeface="Raleway"/>
+              <a:cs typeface="Raleway"/>
+              <a:sym typeface="Raleway"/>
+            </a:endParaRPr>
+          </a:p>
+          <a:p>
+            <a:pPr indent="0" lvl="0" marL="0" marR="0" rtl="0" algn="l">
+              <a:lnSpc>
+                <a:spcPct val="105008"/>
+              </a:lnSpc>
+              <a:spcBef>
+                <a:spcPts val="0"/>
+              </a:spcBef>
+              <a:spcAft>
+                <a:spcPts val="0"/>
+              </a:spcAft>
+              <a:buClr>
+                <a:schemeClr val="dk1"/>
+              </a:buClr>
+              <a:buSzPts val="1100"/>
+              <a:buFont typeface="Arial"/>
+              <a:buNone/>
+            </a:pPr>
+            <a:r>
+              <a:rPr b="1" i="0" lang="en-US" sz="2000" u="none" cap="none" strike="noStrike">
+                <a:solidFill>
+                  <a:srgbClr val="00BF63"/>
+                </a:solidFill>
+                <a:latin typeface="Raleway"/>
+                <a:ea typeface="Raleway"/>
+                <a:cs typeface="Raleway"/>
+                <a:sym typeface="Raleway"/>
+              </a:rPr>
+              <a:t>│   ├── prisma/</a:t>
+            </a:r>
+            <a:endParaRPr b="1" i="0" sz="2000" u="none" cap="none" strike="noStrike">
+              <a:solidFill>
+                <a:srgbClr val="00BF63"/>
+              </a:solidFill>
+              <a:latin typeface="Raleway"/>
+              <a:ea typeface="Raleway"/>
+              <a:cs typeface="Raleway"/>
+              <a:sym typeface="Raleway"/>
+            </a:endParaRPr>
+          </a:p>
+          <a:p>
+            <a:pPr indent="0" lvl="0" marL="0" marR="0" rtl="0" algn="l">
+              <a:lnSpc>
+                <a:spcPct val="105008"/>
+              </a:lnSpc>
+              <a:spcBef>
+                <a:spcPts val="0"/>
+              </a:spcBef>
+              <a:spcAft>
+                <a:spcPts val="0"/>
+              </a:spcAft>
+              <a:buClr>
+                <a:schemeClr val="dk1"/>
+              </a:buClr>
+              <a:buSzPts val="1100"/>
+              <a:buFont typeface="Arial"/>
+              <a:buNone/>
+            </a:pPr>
+            <a:r>
+              <a:rPr b="1" i="0" lang="en-US" sz="2000" u="none" cap="none" strike="noStrike">
+                <a:solidFill>
+                  <a:srgbClr val="00BF63"/>
+                </a:solidFill>
+                <a:latin typeface="Raleway"/>
+                <a:ea typeface="Raleway"/>
+                <a:cs typeface="Raleway"/>
+                <a:sym typeface="Raleway"/>
+              </a:rPr>
+              <a:t>│   │   ├── migrations/</a:t>
+            </a:r>
+            <a:endParaRPr b="1" i="0" sz="2000" u="none" cap="none" strike="noStrike">
+              <a:solidFill>
+                <a:srgbClr val="00BF63"/>
+              </a:solidFill>
+              <a:latin typeface="Raleway"/>
+              <a:ea typeface="Raleway"/>
+              <a:cs typeface="Raleway"/>
+              <a:sym typeface="Raleway"/>
+            </a:endParaRPr>
+          </a:p>
+          <a:p>
+            <a:pPr indent="0" lvl="0" marL="0" marR="0" rtl="0" algn="l">
+              <a:lnSpc>
+                <a:spcPct val="105008"/>
+              </a:lnSpc>
+              <a:spcBef>
+                <a:spcPts val="0"/>
+              </a:spcBef>
+              <a:spcAft>
+                <a:spcPts val="0"/>
+              </a:spcAft>
+              <a:buClr>
+                <a:schemeClr val="dk1"/>
+              </a:buClr>
+              <a:buSzPts val="1100"/>
+              <a:buFont typeface="Arial"/>
+              <a:buNone/>
+            </a:pPr>
+            <a:r>
+              <a:rPr b="1" i="0" lang="en-US" sz="2000" u="none" cap="none" strike="noStrike">
+                <a:solidFill>
+                  <a:srgbClr val="00BF63"/>
+                </a:solidFill>
+                <a:latin typeface="Raleway"/>
+                <a:ea typeface="Raleway"/>
+                <a:cs typeface="Raleway"/>
+                <a:sym typeface="Raleway"/>
+              </a:rPr>
+              <a:t>│   │   └── schema.prisma</a:t>
+            </a:r>
+            <a:endParaRPr b="1" i="0" sz="2000" u="none" cap="none" strike="noStrike">
+              <a:solidFill>
+                <a:srgbClr val="00BF63"/>
+              </a:solidFill>
+              <a:latin typeface="Raleway"/>
+              <a:ea typeface="Raleway"/>
+              <a:cs typeface="Raleway"/>
+              <a:sym typeface="Raleway"/>
+            </a:endParaRPr>
+          </a:p>
+          <a:p>
+            <a:pPr indent="0" lvl="0" marL="0" marR="0" rtl="0" algn="l">
+              <a:lnSpc>
+                <a:spcPct val="105008"/>
+              </a:lnSpc>
+              <a:spcBef>
+                <a:spcPts val="0"/>
+              </a:spcBef>
+              <a:spcAft>
+                <a:spcPts val="0"/>
+              </a:spcAft>
+              <a:buClr>
+                <a:schemeClr val="dk1"/>
+              </a:buClr>
+              <a:buSzPts val="1100"/>
+              <a:buFont typeface="Arial"/>
+              <a:buNone/>
+            </a:pPr>
+            <a:r>
+              <a:rPr b="1" i="0" lang="en-US" sz="2000" u="none" cap="none" strike="noStrike">
+                <a:solidFill>
+                  <a:srgbClr val="00BF63"/>
+                </a:solidFill>
+                <a:latin typeface="Raleway"/>
+                <a:ea typeface="Raleway"/>
+                <a:cs typeface="Raleway"/>
+                <a:sym typeface="Raleway"/>
+              </a:rPr>
+              <a:t>│   └── src/</a:t>
+            </a:r>
+            <a:endParaRPr b="1" i="0" sz="2000" u="none" cap="none" strike="noStrike">
+              <a:solidFill>
+                <a:srgbClr val="00BF63"/>
+              </a:solidFill>
+              <a:latin typeface="Raleway"/>
+              <a:ea typeface="Raleway"/>
+              <a:cs typeface="Raleway"/>
+              <a:sym typeface="Raleway"/>
+            </a:endParaRPr>
+          </a:p>
+          <a:p>
+            <a:pPr indent="0" lvl="0" marL="0" marR="0" rtl="0" algn="l">
+              <a:lnSpc>
+                <a:spcPct val="105008"/>
+              </a:lnSpc>
+              <a:spcBef>
+                <a:spcPts val="0"/>
+              </a:spcBef>
+              <a:spcAft>
+                <a:spcPts val="0"/>
+              </a:spcAft>
+              <a:buClr>
+                <a:schemeClr val="dk1"/>
+              </a:buClr>
+              <a:buSzPts val="1100"/>
+              <a:buFont typeface="Arial"/>
+              <a:buNone/>
+            </a:pPr>
+            <a:r>
+              <a:rPr b="1" i="0" lang="en-US" sz="2000" u="none" cap="none" strike="noStrike">
+                <a:solidFill>
+                  <a:srgbClr val="00BF63"/>
+                </a:solidFill>
+                <a:latin typeface="Raleway"/>
+                <a:ea typeface="Raleway"/>
+                <a:cs typeface="Raleway"/>
+                <a:sym typeface="Raleway"/>
+              </a:rPr>
+              <a:t>│       ├── controllers/</a:t>
+            </a:r>
+            <a:endParaRPr b="1" i="0" sz="2000" u="none" cap="none" strike="noStrike">
+              <a:solidFill>
+                <a:srgbClr val="00BF63"/>
+              </a:solidFill>
+              <a:latin typeface="Raleway"/>
+              <a:ea typeface="Raleway"/>
+              <a:cs typeface="Raleway"/>
+              <a:sym typeface="Raleway"/>
+            </a:endParaRPr>
+          </a:p>
+          <a:p>
+            <a:pPr indent="0" lvl="0" marL="0" marR="0" rtl="0" algn="l">
+              <a:lnSpc>
+                <a:spcPct val="105008"/>
+              </a:lnSpc>
+              <a:spcBef>
+                <a:spcPts val="0"/>
+              </a:spcBef>
+              <a:spcAft>
+                <a:spcPts val="0"/>
+              </a:spcAft>
+              <a:buClr>
+                <a:schemeClr val="dk1"/>
+              </a:buClr>
+              <a:buSzPts val="1100"/>
+              <a:buFont typeface="Arial"/>
+              <a:buNone/>
+            </a:pPr>
+            <a:r>
+              <a:rPr b="1" i="0" lang="en-US" sz="2000" u="none" cap="none" strike="noStrike">
+                <a:solidFill>
+                  <a:srgbClr val="00BF63"/>
+                </a:solidFill>
+                <a:latin typeface="Raleway"/>
+                <a:ea typeface="Raleway"/>
+                <a:cs typeface="Raleway"/>
+                <a:sym typeface="Raleway"/>
+              </a:rPr>
+              <a:t>│       │   ├── alertas.js</a:t>
+            </a:r>
+            <a:endParaRPr b="1" i="0" sz="2000" u="none" cap="none" strike="noStrike">
+              <a:solidFill>
+                <a:srgbClr val="00BF63"/>
+              </a:solidFill>
+              <a:latin typeface="Raleway"/>
+              <a:ea typeface="Raleway"/>
+              <a:cs typeface="Raleway"/>
+              <a:sym typeface="Raleway"/>
+            </a:endParaRPr>
+          </a:p>
+          <a:p>
+            <a:pPr indent="0" lvl="0" marL="0" marR="0" rtl="0" algn="l">
+              <a:lnSpc>
+                <a:spcPct val="105008"/>
+              </a:lnSpc>
+              <a:spcBef>
+                <a:spcPts val="0"/>
+              </a:spcBef>
+              <a:spcAft>
+                <a:spcPts val="0"/>
+              </a:spcAft>
+              <a:buClr>
+                <a:schemeClr val="dk1"/>
+              </a:buClr>
+              <a:buSzPts val="1100"/>
+              <a:buFont typeface="Arial"/>
+              <a:buNone/>
+            </a:pPr>
+            <a:r>
+              <a:rPr b="1" i="0" lang="en-US" sz="2000" u="none" cap="none" strike="noStrike">
+                <a:solidFill>
+                  <a:srgbClr val="00BF63"/>
+                </a:solidFill>
+                <a:latin typeface="Raleway"/>
+                <a:ea typeface="Raleway"/>
+                <a:cs typeface="Raleway"/>
+                <a:sym typeface="Raleway"/>
+              </a:rPr>
+              <a:t>│       │   ├── medicoes.js</a:t>
+            </a:r>
+            <a:endParaRPr b="1" i="0" sz="2000" u="none" cap="none" strike="noStrike">
+              <a:solidFill>
+                <a:srgbClr val="00BF63"/>
+              </a:solidFill>
+              <a:latin typeface="Raleway"/>
+              <a:ea typeface="Raleway"/>
+              <a:cs typeface="Raleway"/>
+              <a:sym typeface="Raleway"/>
+            </a:endParaRPr>
+          </a:p>
+          <a:p>
+            <a:pPr indent="0" lvl="0" marL="0" marR="0" rtl="0" algn="l">
+              <a:lnSpc>
+                <a:spcPct val="105008"/>
+              </a:lnSpc>
+              <a:spcBef>
+                <a:spcPts val="0"/>
+              </a:spcBef>
+              <a:spcAft>
+                <a:spcPts val="0"/>
+              </a:spcAft>
+              <a:buClr>
+                <a:schemeClr val="dk1"/>
+              </a:buClr>
+              <a:buSzPts val="1100"/>
+              <a:buFont typeface="Arial"/>
+              <a:buNone/>
+            </a:pPr>
+            <a:r>
+              <a:rPr b="1" i="0" lang="en-US" sz="2000" u="none" cap="none" strike="noStrike">
+                <a:solidFill>
+                  <a:srgbClr val="00BF63"/>
+                </a:solidFill>
+                <a:latin typeface="Raleway"/>
+                <a:ea typeface="Raleway"/>
+                <a:cs typeface="Raleway"/>
+                <a:sym typeface="Raleway"/>
+              </a:rPr>
+              <a:t>│       │   ├── mochilas.js</a:t>
+            </a:r>
+            <a:endParaRPr b="1" i="0" sz="2000" u="none" cap="none" strike="noStrike">
+              <a:solidFill>
+                <a:srgbClr val="00BF63"/>
+              </a:solidFill>
+              <a:latin typeface="Raleway"/>
+              <a:ea typeface="Raleway"/>
+              <a:cs typeface="Raleway"/>
+              <a:sym typeface="Raleway"/>
+            </a:endParaRPr>
+          </a:p>
+          <a:p>
+            <a:pPr indent="0" lvl="0" marL="0" marR="0" rtl="0" algn="l">
+              <a:lnSpc>
+                <a:spcPct val="105008"/>
+              </a:lnSpc>
+              <a:spcBef>
+                <a:spcPts val="0"/>
+              </a:spcBef>
+              <a:spcAft>
+                <a:spcPts val="0"/>
+              </a:spcAft>
+              <a:buClr>
+                <a:schemeClr val="dk1"/>
+              </a:buClr>
+              <a:buSzPts val="1100"/>
+              <a:buFont typeface="Arial"/>
+              <a:buNone/>
+            </a:pPr>
+            <a:r>
+              <a:rPr b="1" i="0" lang="en-US" sz="2000" u="none" cap="none" strike="noStrike">
+                <a:solidFill>
+                  <a:srgbClr val="00BF63"/>
+                </a:solidFill>
+                <a:latin typeface="Raleway"/>
+                <a:ea typeface="Raleway"/>
+                <a:cs typeface="Raleway"/>
+                <a:sym typeface="Raleway"/>
+              </a:rPr>
+              <a:t>│       │   ├── tokenJWT.js</a:t>
+            </a:r>
+            <a:endParaRPr b="1" i="0" sz="2000" u="none" cap="none" strike="noStrike">
+              <a:solidFill>
+                <a:srgbClr val="00BF63"/>
+              </a:solidFill>
+              <a:latin typeface="Raleway"/>
+              <a:ea typeface="Raleway"/>
+              <a:cs typeface="Raleway"/>
+              <a:sym typeface="Raleway"/>
+            </a:endParaRPr>
+          </a:p>
+          <a:p>
+            <a:pPr indent="0" lvl="0" marL="0" marR="0" rtl="0" algn="l">
+              <a:lnSpc>
+                <a:spcPct val="105008"/>
+              </a:lnSpc>
+              <a:spcBef>
+                <a:spcPts val="0"/>
+              </a:spcBef>
+              <a:spcAft>
+                <a:spcPts val="0"/>
+              </a:spcAft>
+              <a:buClr>
+                <a:schemeClr val="dk1"/>
+              </a:buClr>
+              <a:buSzPts val="1100"/>
+              <a:buFont typeface="Arial"/>
+              <a:buNone/>
+            </a:pPr>
+            <a:r>
+              <a:rPr b="1" i="0" lang="en-US" sz="2000" u="none" cap="none" strike="noStrike">
+                <a:solidFill>
+                  <a:srgbClr val="00BF63"/>
+                </a:solidFill>
+                <a:latin typeface="Raleway"/>
+                <a:ea typeface="Raleway"/>
+                <a:cs typeface="Raleway"/>
+                <a:sym typeface="Raleway"/>
+              </a:rPr>
+              <a:t>│       │   ├── usuarios.js</a:t>
+            </a:r>
+            <a:endParaRPr b="1" i="0" sz="2000" u="none" cap="none" strike="noStrike">
+              <a:solidFill>
+                <a:srgbClr val="00BF63"/>
+              </a:solidFill>
+              <a:latin typeface="Raleway"/>
+              <a:ea typeface="Raleway"/>
+              <a:cs typeface="Raleway"/>
+              <a:sym typeface="Raleway"/>
+            </a:endParaRPr>
+          </a:p>
+          <a:p>
+            <a:pPr indent="0" lvl="0" marL="0" marR="0" rtl="0" algn="l">
+              <a:lnSpc>
+                <a:spcPct val="105008"/>
+              </a:lnSpc>
+              <a:spcBef>
+                <a:spcPts val="0"/>
+              </a:spcBef>
+              <a:spcAft>
+                <a:spcPts val="0"/>
+              </a:spcAft>
+              <a:buClr>
+                <a:schemeClr val="dk1"/>
+              </a:buClr>
+              <a:buSzPts val="1100"/>
+              <a:buFont typeface="Arial"/>
+              <a:buNone/>
+            </a:pPr>
+            <a:r>
+              <a:rPr b="1" i="0" lang="en-US" sz="2000" u="none" cap="none" strike="noStrike">
+                <a:solidFill>
+                  <a:srgbClr val="00BF63"/>
+                </a:solidFill>
+                <a:latin typeface="Raleway"/>
+                <a:ea typeface="Raleway"/>
+                <a:cs typeface="Raleway"/>
+                <a:sym typeface="Raleway"/>
+              </a:rPr>
+              <a:t>│       │   └── usuariosMochilas.js</a:t>
+            </a:r>
+            <a:endParaRPr b="1" i="0" sz="2000" u="none" cap="none" strike="noStrike">
+              <a:solidFill>
+                <a:srgbClr val="00BF63"/>
+              </a:solidFill>
+              <a:latin typeface="Raleway"/>
+              <a:ea typeface="Raleway"/>
+              <a:cs typeface="Raleway"/>
+              <a:sym typeface="Raleway"/>
+            </a:endParaRPr>
+          </a:p>
+          <a:p>
+            <a:pPr indent="0" lvl="0" marL="0" marR="0" rtl="0" algn="l">
+              <a:lnSpc>
+                <a:spcPct val="105008"/>
+              </a:lnSpc>
+              <a:spcBef>
+                <a:spcPts val="0"/>
+              </a:spcBef>
+              <a:spcAft>
+                <a:spcPts val="0"/>
+              </a:spcAft>
+              <a:buClr>
+                <a:schemeClr val="dk1"/>
+              </a:buClr>
+              <a:buSzPts val="1100"/>
+              <a:buFont typeface="Arial"/>
+              <a:buNone/>
+            </a:pPr>
+            <a:r>
+              <a:rPr b="1" i="0" lang="en-US" sz="2000" u="none" cap="none" strike="noStrike">
+                <a:solidFill>
+                  <a:srgbClr val="00BF63"/>
+                </a:solidFill>
+                <a:latin typeface="Raleway"/>
+                <a:ea typeface="Raleway"/>
+                <a:cs typeface="Raleway"/>
+                <a:sym typeface="Raleway"/>
+              </a:rPr>
+              <a:t>│       ├── middlewares/</a:t>
+            </a:r>
+            <a:endParaRPr b="1" i="0" sz="2000" u="none" cap="none" strike="noStrike">
+              <a:solidFill>
+                <a:srgbClr val="00BF63"/>
+              </a:solidFill>
+              <a:latin typeface="Raleway"/>
+              <a:ea typeface="Raleway"/>
+              <a:cs typeface="Raleway"/>
+              <a:sym typeface="Raleway"/>
+            </a:endParaRPr>
+          </a:p>
+          <a:p>
+            <a:pPr indent="0" lvl="0" marL="0" rtl="0" algn="l">
+              <a:lnSpc>
+                <a:spcPct val="105008"/>
+              </a:lnSpc>
+              <a:spcBef>
+                <a:spcPts val="0"/>
+              </a:spcBef>
+              <a:spcAft>
+                <a:spcPts val="0"/>
+              </a:spcAft>
+              <a:buClr>
+                <a:schemeClr val="dk1"/>
+              </a:buClr>
+              <a:buSzPts val="1100"/>
+              <a:buFont typeface="Arial"/>
+              <a:buNone/>
+            </a:pPr>
+            <a:r>
+              <a:rPr b="1" lang="en-US" sz="2000">
+                <a:solidFill>
+                  <a:srgbClr val="00BF63"/>
+                </a:solidFill>
+                <a:latin typeface="Raleway"/>
+                <a:ea typeface="Raleway"/>
+                <a:cs typeface="Raleway"/>
+                <a:sym typeface="Raleway"/>
+              </a:rPr>
+              <a:t>│       ├── public/</a:t>
+            </a:r>
+            <a:endParaRPr b="1" sz="2000">
+              <a:solidFill>
+                <a:srgbClr val="00BF63"/>
+              </a:solidFill>
+              <a:latin typeface="Raleway"/>
+              <a:ea typeface="Raleway"/>
+              <a:cs typeface="Raleway"/>
+              <a:sym typeface="Raleway"/>
+            </a:endParaRPr>
+          </a:p>
+          <a:p>
+            <a:pPr indent="0" lvl="0" marL="0" marR="0" rtl="0" algn="l">
+              <a:lnSpc>
+                <a:spcPct val="105008"/>
+              </a:lnSpc>
+              <a:spcBef>
+                <a:spcPts val="0"/>
+              </a:spcBef>
+              <a:spcAft>
+                <a:spcPts val="0"/>
+              </a:spcAft>
+              <a:buClr>
+                <a:schemeClr val="dk1"/>
+              </a:buClr>
+              <a:buSzPts val="1100"/>
+              <a:buFont typeface="Arial"/>
+              <a:buNone/>
+            </a:pPr>
+            <a:r>
+              <a:rPr b="1" i="0" lang="en-US" sz="2000" u="none" cap="none" strike="noStrike">
+                <a:solidFill>
+                  <a:srgbClr val="00BF63"/>
+                </a:solidFill>
+                <a:latin typeface="Raleway"/>
+                <a:ea typeface="Raleway"/>
+                <a:cs typeface="Raleway"/>
+                <a:sym typeface="Raleway"/>
+              </a:rPr>
+              <a:t>│       └── routes/</a:t>
+            </a:r>
+            <a:endParaRPr b="1" i="0" sz="2000" u="none" cap="none" strike="noStrike">
+              <a:solidFill>
+                <a:srgbClr val="00BF63"/>
+              </a:solidFill>
+              <a:latin typeface="Raleway"/>
+              <a:ea typeface="Raleway"/>
+              <a:cs typeface="Raleway"/>
+              <a:sym typeface="Raleway"/>
+            </a:endParaRPr>
+          </a:p>
+          <a:p>
+            <a:pPr indent="0" lvl="0" marL="0" marR="0" rtl="0" algn="l">
+              <a:lnSpc>
+                <a:spcPct val="105008"/>
+              </a:lnSpc>
+              <a:spcBef>
+                <a:spcPts val="0"/>
+              </a:spcBef>
+              <a:spcAft>
+                <a:spcPts val="0"/>
+              </a:spcAft>
+              <a:buClr>
+                <a:schemeClr val="dk1"/>
+              </a:buClr>
+              <a:buSzPts val="1100"/>
+              <a:buFont typeface="Arial"/>
+              <a:buNone/>
+            </a:pPr>
+            <a:r>
+              <a:rPr b="1" i="0" lang="en-US" sz="2000" u="none" cap="none" strike="noStrike">
+                <a:solidFill>
+                  <a:srgbClr val="00BF63"/>
+                </a:solidFill>
+                <a:latin typeface="Raleway"/>
+                <a:ea typeface="Raleway"/>
+                <a:cs typeface="Raleway"/>
+                <a:sym typeface="Raleway"/>
+              </a:rPr>
+              <a:t>│           ├── alertas.js</a:t>
+            </a:r>
+            <a:endParaRPr b="1" i="0" sz="2000" u="none" cap="none" strike="noStrike">
+              <a:solidFill>
+                <a:srgbClr val="00BF63"/>
+              </a:solidFill>
+              <a:latin typeface="Raleway"/>
+              <a:ea typeface="Raleway"/>
+              <a:cs typeface="Raleway"/>
+              <a:sym typeface="Raleway"/>
+            </a:endParaRPr>
+          </a:p>
+          <a:p>
+            <a:pPr indent="0" lvl="0" marL="0" marR="0" rtl="0" algn="l">
+              <a:lnSpc>
+                <a:spcPct val="105008"/>
+              </a:lnSpc>
+              <a:spcBef>
+                <a:spcPts val="0"/>
+              </a:spcBef>
+              <a:spcAft>
+                <a:spcPts val="0"/>
+              </a:spcAft>
+              <a:buClr>
+                <a:schemeClr val="dk1"/>
+              </a:buClr>
+              <a:buSzPts val="1100"/>
+              <a:buFont typeface="Arial"/>
+              <a:buNone/>
+            </a:pPr>
+            <a:r>
+              <a:rPr b="1" i="0" lang="en-US" sz="2000" u="none" cap="none" strike="noStrike">
+                <a:solidFill>
+                  <a:srgbClr val="00BF63"/>
+                </a:solidFill>
+                <a:latin typeface="Raleway"/>
+                <a:ea typeface="Raleway"/>
+                <a:cs typeface="Raleway"/>
+                <a:sym typeface="Raleway"/>
+              </a:rPr>
+              <a:t>│           ├── medicoes.js</a:t>
+            </a:r>
+            <a:endParaRPr b="1" i="0" sz="2000" u="none" cap="none" strike="noStrike">
+              <a:solidFill>
+                <a:srgbClr val="00BF63"/>
+              </a:solidFill>
+              <a:latin typeface="Raleway"/>
+              <a:ea typeface="Raleway"/>
+              <a:cs typeface="Raleway"/>
+              <a:sym typeface="Raleway"/>
+            </a:endParaRPr>
+          </a:p>
+          <a:p>
+            <a:pPr indent="0" lvl="0" marL="0" marR="0" rtl="0" algn="l">
+              <a:lnSpc>
+                <a:spcPct val="105008"/>
+              </a:lnSpc>
+              <a:spcBef>
+                <a:spcPts val="0"/>
+              </a:spcBef>
+              <a:spcAft>
+                <a:spcPts val="0"/>
+              </a:spcAft>
+              <a:buClr>
+                <a:schemeClr val="dk1"/>
+              </a:buClr>
+              <a:buSzPts val="1100"/>
+              <a:buFont typeface="Arial"/>
+              <a:buNone/>
+            </a:pPr>
+            <a:r>
+              <a:rPr b="1" i="0" lang="en-US" sz="2000" u="none" cap="none" strike="noStrike">
+                <a:solidFill>
+                  <a:srgbClr val="00BF63"/>
+                </a:solidFill>
+                <a:latin typeface="Raleway"/>
+                <a:ea typeface="Raleway"/>
+                <a:cs typeface="Raleway"/>
+                <a:sym typeface="Raleway"/>
+              </a:rPr>
+              <a:t>│           ├── mochilas.js</a:t>
+            </a:r>
+            <a:endParaRPr b="1" i="0" sz="2000" u="none" cap="none" strike="noStrike">
+              <a:solidFill>
+                <a:srgbClr val="00BF63"/>
+              </a:solidFill>
+              <a:latin typeface="Raleway"/>
+              <a:ea typeface="Raleway"/>
+              <a:cs typeface="Raleway"/>
+              <a:sym typeface="Raleway"/>
+            </a:endParaRPr>
+          </a:p>
+          <a:p>
+            <a:pPr indent="0" lvl="0" marL="0" marR="0" rtl="0" algn="l">
+              <a:lnSpc>
+                <a:spcPct val="105008"/>
+              </a:lnSpc>
+              <a:spcBef>
+                <a:spcPts val="0"/>
+              </a:spcBef>
+              <a:spcAft>
+                <a:spcPts val="0"/>
+              </a:spcAft>
+              <a:buClr>
+                <a:schemeClr val="dk1"/>
+              </a:buClr>
+              <a:buSzPts val="1100"/>
+              <a:buFont typeface="Arial"/>
+              <a:buNone/>
+            </a:pPr>
+            <a:r>
+              <a:rPr b="1" i="0" lang="en-US" sz="2000" u="none" cap="none" strike="noStrike">
+                <a:solidFill>
+                  <a:srgbClr val="00BF63"/>
+                </a:solidFill>
+                <a:latin typeface="Raleway"/>
+                <a:ea typeface="Raleway"/>
+                <a:cs typeface="Raleway"/>
+                <a:sym typeface="Raleway"/>
+              </a:rPr>
+              <a:t>│           ├── tokenJWT.js</a:t>
+            </a:r>
+            <a:endParaRPr b="1" i="0" sz="2000" u="none" cap="none" strike="noStrike">
+              <a:solidFill>
+                <a:srgbClr val="00BF63"/>
+              </a:solidFill>
+              <a:latin typeface="Raleway"/>
+              <a:ea typeface="Raleway"/>
+              <a:cs typeface="Raleway"/>
+              <a:sym typeface="Raleway"/>
+            </a:endParaRPr>
+          </a:p>
+          <a:p>
+            <a:pPr indent="0" lvl="0" marL="0" marR="0" rtl="0" algn="l">
+              <a:lnSpc>
+                <a:spcPct val="105008"/>
+              </a:lnSpc>
+              <a:spcBef>
+                <a:spcPts val="0"/>
+              </a:spcBef>
+              <a:spcAft>
+                <a:spcPts val="0"/>
+              </a:spcAft>
+              <a:buClr>
+                <a:schemeClr val="dk1"/>
+              </a:buClr>
+              <a:buSzPts val="1100"/>
+              <a:buFont typeface="Arial"/>
+              <a:buNone/>
+            </a:pPr>
+            <a:r>
+              <a:rPr b="1" i="0" lang="en-US" sz="2000" u="none" cap="none" strike="noStrike">
+                <a:solidFill>
+                  <a:srgbClr val="00BF63"/>
+                </a:solidFill>
+                <a:latin typeface="Raleway"/>
+                <a:ea typeface="Raleway"/>
+                <a:cs typeface="Raleway"/>
+                <a:sym typeface="Raleway"/>
+              </a:rPr>
+              <a:t>│           ├── usuarios.js</a:t>
+            </a:r>
+            <a:endParaRPr b="1" i="0" sz="2000" u="none" cap="none" strike="noStrike">
+              <a:solidFill>
+                <a:srgbClr val="00BF63"/>
+              </a:solidFill>
+              <a:latin typeface="Raleway"/>
+              <a:ea typeface="Raleway"/>
+              <a:cs typeface="Raleway"/>
+              <a:sym typeface="Raleway"/>
+            </a:endParaRPr>
+          </a:p>
+          <a:p>
+            <a:pPr indent="0" lvl="0" marL="0" marR="0" rtl="0" algn="l">
+              <a:lnSpc>
+                <a:spcPct val="105008"/>
+              </a:lnSpc>
+              <a:spcBef>
+                <a:spcPts val="0"/>
+              </a:spcBef>
+              <a:spcAft>
+                <a:spcPts val="0"/>
+              </a:spcAft>
+              <a:buClr>
+                <a:schemeClr val="dk1"/>
+              </a:buClr>
+              <a:buSzPts val="1100"/>
+              <a:buFont typeface="Arial"/>
+              <a:buNone/>
+            </a:pPr>
+            <a:r>
+              <a:rPr b="1" i="0" lang="en-US" sz="2000" u="none" cap="none" strike="noStrike">
+                <a:solidFill>
+                  <a:srgbClr val="00BF63"/>
+                </a:solidFill>
+                <a:latin typeface="Raleway"/>
+                <a:ea typeface="Raleway"/>
+                <a:cs typeface="Raleway"/>
+                <a:sym typeface="Raleway"/>
+              </a:rPr>
+              <a:t>│           └── usuariosMochilas.js</a:t>
+            </a:r>
+            <a:endParaRPr b="1" i="0" sz="2000" u="none" cap="none" strike="noStrike">
+              <a:solidFill>
+                <a:srgbClr val="00BF63"/>
+              </a:solidFill>
+              <a:latin typeface="Raleway"/>
+              <a:ea typeface="Raleway"/>
+              <a:cs typeface="Raleway"/>
+              <a:sym typeface="Raleway"/>
+            </a:endParaRPr>
+          </a:p>
+          <a:p>
+            <a:pPr indent="0" lvl="0" marL="0" rtl="0" algn="l">
+              <a:lnSpc>
+                <a:spcPct val="105008"/>
+              </a:lnSpc>
+              <a:spcBef>
+                <a:spcPts val="0"/>
+              </a:spcBef>
+              <a:spcAft>
+                <a:spcPts val="0"/>
+              </a:spcAft>
+              <a:buClr>
+                <a:schemeClr val="dk1"/>
+              </a:buClr>
+              <a:buSzPts val="1100"/>
+              <a:buFont typeface="Arial"/>
+              <a:buNone/>
+            </a:pPr>
+            <a:r>
+              <a:rPr b="1" lang="en-US" sz="2000">
+                <a:solidFill>
+                  <a:srgbClr val="00BF63"/>
+                </a:solidFill>
+                <a:latin typeface="Raleway"/>
+                <a:ea typeface="Raleway"/>
+                <a:cs typeface="Raleway"/>
+                <a:sym typeface="Raleway"/>
+              </a:rPr>
+              <a:t>│       ├── app.js</a:t>
+            </a:r>
+            <a:endParaRPr b="1" sz="2000">
+              <a:solidFill>
+                <a:srgbClr val="00BF63"/>
+              </a:solidFill>
+              <a:latin typeface="Raleway"/>
+              <a:ea typeface="Raleway"/>
+              <a:cs typeface="Raleway"/>
+              <a:sym typeface="Raleway"/>
+            </a:endParaRPr>
+          </a:p>
+          <a:p>
+            <a:pPr indent="0" lvl="0" marL="0" rtl="0" algn="l">
+              <a:lnSpc>
+                <a:spcPct val="105008"/>
+              </a:lnSpc>
+              <a:spcBef>
+                <a:spcPts val="0"/>
+              </a:spcBef>
+              <a:spcAft>
+                <a:spcPts val="0"/>
+              </a:spcAft>
+              <a:buClr>
+                <a:schemeClr val="dk1"/>
+              </a:buClr>
+              <a:buSzPts val="1100"/>
+              <a:buFont typeface="Arial"/>
+              <a:buNone/>
+            </a:pPr>
+            <a:r>
+              <a:rPr b="1" lang="en-US" sz="2000">
+                <a:solidFill>
+                  <a:srgbClr val="00BF63"/>
+                </a:solidFill>
+                <a:latin typeface="Raleway"/>
+                <a:ea typeface="Raleway"/>
+                <a:cs typeface="Raleway"/>
+                <a:sym typeface="Raleway"/>
+              </a:rPr>
+              <a:t>│       ├── prisma.js</a:t>
+            </a:r>
+            <a:endParaRPr b="1" sz="2000">
+              <a:solidFill>
+                <a:srgbClr val="00BF63"/>
+              </a:solidFill>
+              <a:latin typeface="Raleway"/>
+              <a:ea typeface="Raleway"/>
+              <a:cs typeface="Raleway"/>
+              <a:sym typeface="Raleway"/>
+            </a:endParaRPr>
+          </a:p>
+          <a:p>
+            <a:pPr indent="0" lvl="0" marL="0" rtl="0" algn="l">
+              <a:lnSpc>
+                <a:spcPct val="105008"/>
+              </a:lnSpc>
+              <a:spcBef>
+                <a:spcPts val="0"/>
+              </a:spcBef>
+              <a:spcAft>
+                <a:spcPts val="0"/>
+              </a:spcAft>
+              <a:buClr>
+                <a:schemeClr val="dk1"/>
+              </a:buClr>
+              <a:buSzPts val="1100"/>
+              <a:buFont typeface="Arial"/>
+              <a:buNone/>
+            </a:pPr>
+            <a:r>
+              <a:rPr b="1" lang="en-US" sz="2000">
+                <a:solidFill>
+                  <a:srgbClr val="00BF63"/>
+                </a:solidFill>
+                <a:latin typeface="Raleway"/>
+                <a:ea typeface="Raleway"/>
+                <a:cs typeface="Raleway"/>
+                <a:sym typeface="Raleway"/>
+              </a:rPr>
+              <a:t>│       ├── server.js</a:t>
+            </a:r>
+            <a:endParaRPr b="1" sz="2000">
+              <a:solidFill>
+                <a:srgbClr val="00BF63"/>
+              </a:solidFill>
+              <a:latin typeface="Raleway"/>
+              <a:ea typeface="Raleway"/>
+              <a:cs typeface="Raleway"/>
+              <a:sym typeface="Raleway"/>
+            </a:endParaRPr>
+          </a:p>
+          <a:p>
+            <a:pPr indent="0" lvl="0" marL="0" rtl="0" algn="l">
+              <a:lnSpc>
+                <a:spcPct val="105008"/>
+              </a:lnSpc>
+              <a:spcBef>
+                <a:spcPts val="0"/>
+              </a:spcBef>
+              <a:spcAft>
+                <a:spcPts val="0"/>
+              </a:spcAft>
+              <a:buClr>
+                <a:schemeClr val="dk1"/>
+              </a:buClr>
+              <a:buSzPts val="1100"/>
+              <a:buFont typeface="Arial"/>
+              <a:buNone/>
+            </a:pPr>
+            <a:r>
+              <a:rPr b="1" lang="en-US" sz="2000">
+                <a:solidFill>
+                  <a:srgbClr val="00BF63"/>
+                </a:solidFill>
+                <a:latin typeface="Raleway"/>
+                <a:ea typeface="Raleway"/>
+                <a:cs typeface="Raleway"/>
+                <a:sym typeface="Raleway"/>
+              </a:rPr>
+              <a:t>│       ├── utils.js</a:t>
+            </a:r>
+            <a:endParaRPr b="1" sz="2000">
+              <a:solidFill>
+                <a:srgbClr val="00BF63"/>
+              </a:solidFill>
+              <a:latin typeface="Raleway"/>
+              <a:ea typeface="Raleway"/>
+              <a:cs typeface="Raleway"/>
+              <a:sym typeface="Raleway"/>
+            </a:endParaRPr>
+          </a:p>
+          <a:p>
+            <a:pPr indent="0" lvl="0" marL="0" rtl="0" algn="l">
+              <a:lnSpc>
+                <a:spcPct val="105008"/>
+              </a:lnSpc>
+              <a:spcBef>
+                <a:spcPts val="0"/>
+              </a:spcBef>
+              <a:spcAft>
+                <a:spcPts val="0"/>
+              </a:spcAft>
+              <a:buClr>
+                <a:schemeClr val="dk1"/>
+              </a:buClr>
+              <a:buSzPts val="1100"/>
+              <a:buFont typeface="Arial"/>
+              <a:buNone/>
+            </a:pPr>
+            <a:r>
+              <a:rPr b="1" lang="en-US" sz="2000">
+                <a:solidFill>
+                  <a:srgbClr val="00BF63"/>
+                </a:solidFill>
+                <a:latin typeface="Raleway"/>
+                <a:ea typeface="Raleway"/>
+                <a:cs typeface="Raleway"/>
+                <a:sym typeface="Raleway"/>
+              </a:rPr>
+              <a:t>│       ├── .env</a:t>
+            </a:r>
+            <a:endParaRPr b="1" sz="2000">
+              <a:solidFill>
+                <a:srgbClr val="00BF63"/>
+              </a:solidFill>
+              <a:latin typeface="Raleway"/>
+              <a:ea typeface="Raleway"/>
+              <a:cs typeface="Raleway"/>
+              <a:sym typeface="Raleway"/>
+            </a:endParaRPr>
+          </a:p>
+        </p:txBody>
+      </p:sp>
+      <p:pic>
+        <p:nvPicPr>
+          <p:cNvPr id="256" name="Google Shape;256;g39fbb9a373c_0_60"/>
+          <p:cNvPicPr preferRelativeResize="0"/>
+          <p:nvPr/>
+        </p:nvPicPr>
+        <p:blipFill rotWithShape="1">
+          <a:blip r:embed="rId4">
+            <a:alphaModFix/>
+          </a:blip>
+          <a:srcRect b="11260" l="19519" r="19501" t="9775"/>
+          <a:stretch/>
+        </p:blipFill>
+        <p:spPr>
+          <a:xfrm>
+            <a:off x="16461200" y="198575"/>
+            <a:ext cx="1532649" cy="1984625"/>
+          </a:xfrm>
+          <a:prstGeom prst="rect">
+            <a:avLst/>
+          </a:prstGeom>
+          <a:noFill/>
+          <a:ln>
+            <a:noFill/>
+          </a:ln>
+        </p:spPr>
+      </p:pic>
+      <p:pic>
+        <p:nvPicPr>
+          <p:cNvPr id="257" name="Google Shape;257;g39fbb9a373c_0_60"/>
+          <p:cNvPicPr preferRelativeResize="0"/>
+          <p:nvPr/>
+        </p:nvPicPr>
+        <p:blipFill>
+          <a:blip r:embed="rId5">
+            <a:alphaModFix/>
+          </a:blip>
+          <a:stretch>
+            <a:fillRect/>
+          </a:stretch>
+        </p:blipFill>
+        <p:spPr>
+          <a:xfrm>
+            <a:off x="8278051" y="1266205"/>
+            <a:ext cx="4581000" cy="8604445"/>
+          </a:xfrm>
+          <a:prstGeom prst="rect">
+            <a:avLst/>
+          </a:prstGeom>
+          <a:noFill/>
+          <a:ln>
+            <a:noFill/>
+          </a:ln>
+        </p:spPr>
+      </p:pic>
+    </p:spTree>
+  </p:cSld>
+  <p:clrMapOvr>
+    <a:masterClrMapping/>
+  </p:clrMapOvr>
+</p:sld>
+</file>
+
+<file path=ppt/slides/slide13.xml><?xml version="1.0" encoding="utf-8"?>
+<p:sld xmlns:a="http://schemas.openxmlformats.org/drawingml/2006/main" xmlns:r="http://schemas.openxmlformats.org/officeDocument/2006/relationships" xmlns:mc="http://schemas.openxmlformats.org/markup-compatibility/2006" xmlns:mv="urn:schemas-microsoft-com:mac:vml" xmlns:p="http://schemas.openxmlformats.org/presentationml/2006/main" xmlns:c="http://schemas.openxmlformats.org/drawingml/2006/chart" xmlns:dgm="http://schemas.openxmlformats.org/drawingml/2006/diagram" xmlns:o="urn:schemas-microsoft-com:office:office" xmlns:v="urn:schemas-microsoft-com:vml" xmlns:pvml="urn:schemas-microsoft-com:office:powerpoint" xmlns:com="http://schemas.openxmlformats.org/drawingml/2006/compatibility" xmlns:p14="http://schemas.microsoft.com/office/powerpoint/2010/main" xmlns:p15="http://schemas.microsoft.com/office/powerpoint/2012/main" xmlns:ahyp="http://schemas.microsoft.com/office/drawing/2018/hyperlinkcolor">
+  <p:cSld>
+    <p:spTree>
+      <p:nvGrpSpPr>
+        <p:cNvPr id="261" name="Shape 261"/>
+        <p:cNvGrpSpPr/>
+        <p:nvPr/>
+      </p:nvGrpSpPr>
+      <p:grpSpPr>
+        <a:xfrm>
+          <a:off x="0" y="0"/>
+          <a:ext cx="0" cy="0"/>
+          <a:chOff x="0" y="0"/>
+          <a:chExt cx="0" cy="0"/>
+        </a:xfrm>
+      </p:grpSpPr>
+      <p:sp>
+        <p:nvSpPr>
+          <p:cNvPr id="262" name="Google Shape;262;g39fbb9a373c_0_45"/>
+          <p:cNvSpPr/>
+          <p:nvPr/>
+        </p:nvSpPr>
+        <p:spPr>
+          <a:xfrm>
+            <a:off x="13248423" y="6490324"/>
+            <a:ext cx="9023924" cy="4754183"/>
+          </a:xfrm>
+          <a:custGeom>
+            <a:rect b="b" l="l" r="r" t="t"/>
+            <a:pathLst>
+              <a:path extrusionOk="0" h="7858154" w="11873584">
+                <a:moveTo>
+                  <a:pt x="0" y="0"/>
+                </a:moveTo>
+                <a:lnTo>
+                  <a:pt x="11873584" y="0"/>
+                </a:lnTo>
+                <a:lnTo>
+                  <a:pt x="11873584" y="7858154"/>
+                </a:lnTo>
+                <a:lnTo>
+                  <a:pt x="0" y="7858154"/>
+                </a:lnTo>
+                <a:lnTo>
+                  <a:pt x="0" y="0"/>
+                </a:lnTo>
+                <a:close/>
+              </a:path>
+            </a:pathLst>
+          </a:custGeom>
+          <a:blipFill rotWithShape="1">
+            <a:blip r:embed="rId3">
+              <a:alphaModFix/>
+            </a:blip>
+            <a:stretch>
+              <a:fillRect b="0" l="0" r="0" t="0"/>
+            </a:stretch>
+          </a:blipFill>
+          <a:ln>
+            <a:noFill/>
+          </a:ln>
+        </p:spPr>
+      </p:sp>
+      <p:grpSp>
+        <p:nvGrpSpPr>
+          <p:cNvPr id="263" name="Google Shape;263;g39fbb9a373c_0_45"/>
+          <p:cNvGrpSpPr/>
+          <p:nvPr/>
+        </p:nvGrpSpPr>
+        <p:grpSpPr>
+          <a:xfrm>
+            <a:off x="919199" y="-915527"/>
+            <a:ext cx="1660787" cy="1650512"/>
+            <a:chOff x="0" y="-47625"/>
+            <a:chExt cx="437406" cy="434700"/>
+          </a:xfrm>
+        </p:grpSpPr>
+        <p:sp>
+          <p:nvSpPr>
+            <p:cNvPr id="264" name="Google Shape;264;g39fbb9a373c_0_45"/>
+            <p:cNvSpPr/>
+            <p:nvPr/>
+          </p:nvSpPr>
+          <p:spPr>
+            <a:xfrm>
+              <a:off x="0" y="0"/>
+              <a:ext cx="437406" cy="387002"/>
+            </a:xfrm>
+            <a:custGeom>
+              <a:rect b="b" l="l" r="r" t="t"/>
+              <a:pathLst>
+                <a:path extrusionOk="0" h="387002" w="437406">
+                  <a:moveTo>
+                    <a:pt x="0" y="0"/>
+                  </a:moveTo>
+                  <a:lnTo>
+                    <a:pt x="437406" y="0"/>
+                  </a:lnTo>
+                  <a:lnTo>
+                    <a:pt x="437406" y="387002"/>
+                  </a:lnTo>
+                  <a:lnTo>
+                    <a:pt x="0" y="387002"/>
+                  </a:lnTo>
+                  <a:close/>
+                </a:path>
+              </a:pathLst>
+            </a:custGeom>
+            <a:solidFill>
+              <a:srgbClr val="7ED957"/>
+            </a:solidFill>
+            <a:ln>
+              <a:noFill/>
+            </a:ln>
+          </p:spPr>
+        </p:sp>
+        <p:sp>
+          <p:nvSpPr>
+            <p:cNvPr id="265" name="Google Shape;265;g39fbb9a373c_0_45"/>
+            <p:cNvSpPr txBox="1"/>
+            <p:nvPr/>
+          </p:nvSpPr>
+          <p:spPr>
+            <a:xfrm>
+              <a:off x="0" y="-47625"/>
+              <a:ext cx="437400" cy="434700"/>
+            </a:xfrm>
+            <a:prstGeom prst="rect">
+              <a:avLst/>
+            </a:prstGeom>
+            <a:noFill/>
+            <a:ln>
+              <a:noFill/>
+            </a:ln>
+          </p:spPr>
+          <p:txBody>
+            <a:bodyPr anchorCtr="0" anchor="ctr" bIns="50800" lIns="50800" spcFirstLastPara="1" rIns="50800" wrap="square" tIns="50800">
+              <a:noAutofit/>
+            </a:bodyPr>
+            <a:lstStyle/>
+            <a:p>
+              <a:pPr indent="0" lvl="0" marL="0" marR="0" rtl="0" algn="ctr">
+                <a:lnSpc>
+                  <a:spcPct val="147722"/>
+                </a:lnSpc>
+                <a:spcBef>
+                  <a:spcPts val="0"/>
+                </a:spcBef>
+                <a:spcAft>
+                  <a:spcPts val="0"/>
+                </a:spcAft>
+                <a:buClr>
+                  <a:srgbClr val="000000"/>
+                </a:buClr>
+                <a:buSzPts val="1800"/>
+                <a:buFont typeface="Arial"/>
+                <a:buNone/>
+              </a:pPr>
+              <a:r>
+                <a:t/>
+              </a:r>
+              <a:endParaRPr b="0" i="0" sz="1800" u="none" cap="none" strike="noStrike">
+                <a:solidFill>
+                  <a:schemeClr val="dk1"/>
+                </a:solidFill>
+                <a:latin typeface="Calibri"/>
+                <a:ea typeface="Calibri"/>
+                <a:cs typeface="Calibri"/>
+                <a:sym typeface="Calibri"/>
+              </a:endParaRPr>
+            </a:p>
+          </p:txBody>
+        </p:sp>
+      </p:grpSp>
+      <p:grpSp>
+        <p:nvGrpSpPr>
+          <p:cNvPr id="266" name="Google Shape;266;g39fbb9a373c_0_45"/>
+          <p:cNvGrpSpPr/>
+          <p:nvPr/>
+        </p:nvGrpSpPr>
+        <p:grpSpPr>
+          <a:xfrm>
+            <a:off x="2664518" y="-915527"/>
+            <a:ext cx="489800" cy="1650512"/>
+            <a:chOff x="0" y="-47625"/>
+            <a:chExt cx="129000" cy="434700"/>
+          </a:xfrm>
+        </p:grpSpPr>
+        <p:sp>
+          <p:nvSpPr>
+            <p:cNvPr id="267" name="Google Shape;267;g39fbb9a373c_0_45"/>
+            <p:cNvSpPr/>
+            <p:nvPr/>
+          </p:nvSpPr>
+          <p:spPr>
+            <a:xfrm>
+              <a:off x="0" y="0"/>
+              <a:ext cx="128975" cy="387002"/>
+            </a:xfrm>
+            <a:custGeom>
+              <a:rect b="b" l="l" r="r" t="t"/>
+              <a:pathLst>
+                <a:path extrusionOk="0" h="387002" w="128975">
+                  <a:moveTo>
+                    <a:pt x="0" y="0"/>
+                  </a:moveTo>
+                  <a:lnTo>
+                    <a:pt x="128975" y="0"/>
+                  </a:lnTo>
+                  <a:lnTo>
+                    <a:pt x="128975" y="387002"/>
+                  </a:lnTo>
+                  <a:lnTo>
+                    <a:pt x="0" y="387002"/>
+                  </a:lnTo>
+                  <a:close/>
+                </a:path>
+              </a:pathLst>
+            </a:custGeom>
+            <a:solidFill>
+              <a:srgbClr val="00BF63"/>
+            </a:solidFill>
+            <a:ln>
+              <a:noFill/>
+            </a:ln>
+          </p:spPr>
+        </p:sp>
+        <p:sp>
+          <p:nvSpPr>
+            <p:cNvPr id="268" name="Google Shape;268;g39fbb9a373c_0_45"/>
+            <p:cNvSpPr txBox="1"/>
+            <p:nvPr/>
+          </p:nvSpPr>
+          <p:spPr>
+            <a:xfrm>
+              <a:off x="0" y="-47625"/>
+              <a:ext cx="129000" cy="434700"/>
+            </a:xfrm>
+            <a:prstGeom prst="rect">
+              <a:avLst/>
+            </a:prstGeom>
+            <a:noFill/>
+            <a:ln>
+              <a:noFill/>
+            </a:ln>
+          </p:spPr>
+          <p:txBody>
+            <a:bodyPr anchorCtr="0" anchor="ctr" bIns="50800" lIns="50800" spcFirstLastPara="1" rIns="50800" wrap="square" tIns="50800">
+              <a:noAutofit/>
+            </a:bodyPr>
+            <a:lstStyle/>
+            <a:p>
+              <a:pPr indent="0" lvl="0" marL="0" marR="0" rtl="0" algn="ctr">
+                <a:lnSpc>
+                  <a:spcPct val="147722"/>
+                </a:lnSpc>
+                <a:spcBef>
+                  <a:spcPts val="0"/>
+                </a:spcBef>
+                <a:spcAft>
+                  <a:spcPts val="0"/>
+                </a:spcAft>
+                <a:buClr>
+                  <a:srgbClr val="000000"/>
+                </a:buClr>
+                <a:buSzPts val="1800"/>
+                <a:buFont typeface="Arial"/>
+                <a:buNone/>
+              </a:pPr>
+              <a:r>
+                <a:t/>
+              </a:r>
+              <a:endParaRPr b="0" i="0" sz="1800" u="none" cap="none" strike="noStrike">
+                <a:solidFill>
+                  <a:schemeClr val="dk1"/>
+                </a:solidFill>
+                <a:latin typeface="Calibri"/>
+                <a:ea typeface="Calibri"/>
+                <a:cs typeface="Calibri"/>
+                <a:sym typeface="Calibri"/>
+              </a:endParaRPr>
+            </a:p>
+          </p:txBody>
+        </p:sp>
+      </p:grpSp>
+      <p:sp>
+        <p:nvSpPr>
+          <p:cNvPr id="269" name="Google Shape;269;g39fbb9a373c_0_45"/>
+          <p:cNvSpPr txBox="1"/>
+          <p:nvPr/>
+        </p:nvSpPr>
+        <p:spPr>
+          <a:xfrm>
+            <a:off x="6305100" y="235200"/>
+            <a:ext cx="6123600" cy="793500"/>
+          </a:xfrm>
+          <a:prstGeom prst="rect">
+            <a:avLst/>
+          </a:prstGeom>
+          <a:noFill/>
+          <a:ln>
+            <a:noFill/>
+          </a:ln>
+        </p:spPr>
+        <p:txBody>
+          <a:bodyPr anchorCtr="0" anchor="t" bIns="0" lIns="0" spcFirstLastPara="1" rIns="0" wrap="square" tIns="0">
+            <a:spAutoFit/>
+          </a:bodyPr>
+          <a:lstStyle/>
+          <a:p>
+            <a:pPr indent="0" lvl="0" marL="0" marR="0" rtl="0" algn="l">
+              <a:lnSpc>
+                <a:spcPct val="105004"/>
+              </a:lnSpc>
+              <a:spcBef>
+                <a:spcPts val="0"/>
+              </a:spcBef>
+              <a:spcAft>
+                <a:spcPts val="0"/>
+              </a:spcAft>
+              <a:buClr>
+                <a:srgbClr val="000000"/>
+              </a:buClr>
+              <a:buSzPts val="5156"/>
+              <a:buFont typeface="Arial"/>
+              <a:buNone/>
+            </a:pPr>
+            <a:r>
+              <a:rPr b="1" lang="en-US" sz="5156">
+                <a:solidFill>
+                  <a:srgbClr val="7ED957"/>
+                </a:solidFill>
+                <a:latin typeface="Proxima Nova"/>
+                <a:ea typeface="Proxima Nova"/>
+                <a:cs typeface="Proxima Nova"/>
+                <a:sym typeface="Proxima Nova"/>
+              </a:rPr>
+              <a:t>MOBILE</a:t>
+            </a:r>
+            <a:r>
+              <a:rPr b="1" i="0" lang="en-US" sz="5156" u="none" cap="none" strike="noStrike">
+                <a:solidFill>
+                  <a:srgbClr val="7ED957"/>
+                </a:solidFill>
+                <a:latin typeface="Proxima Nova"/>
+                <a:ea typeface="Proxima Nova"/>
+                <a:cs typeface="Proxima Nova"/>
+                <a:sym typeface="Proxima Nova"/>
+              </a:rPr>
+              <a:t> - Estrutura</a:t>
+            </a:r>
+            <a:endParaRPr b="0" i="0" sz="2100" u="none" cap="none" strike="noStrike">
+              <a:solidFill>
+                <a:srgbClr val="000000"/>
+              </a:solidFill>
+              <a:latin typeface="Arial"/>
+              <a:ea typeface="Arial"/>
+              <a:cs typeface="Arial"/>
+              <a:sym typeface="Arial"/>
+            </a:endParaRPr>
+          </a:p>
+        </p:txBody>
+      </p:sp>
+      <p:sp>
+        <p:nvSpPr>
+          <p:cNvPr id="270" name="Google Shape;270;g39fbb9a373c_0_45"/>
+          <p:cNvSpPr txBox="1"/>
+          <p:nvPr/>
+        </p:nvSpPr>
+        <p:spPr>
+          <a:xfrm>
+            <a:off x="919198" y="1206047"/>
+            <a:ext cx="6123600" cy="9036000"/>
+          </a:xfrm>
+          <a:prstGeom prst="rect">
+            <a:avLst/>
+          </a:prstGeom>
+          <a:noFill/>
+          <a:ln>
+            <a:noFill/>
+          </a:ln>
+        </p:spPr>
+        <p:txBody>
+          <a:bodyPr anchorCtr="0" anchor="t" bIns="0" lIns="0" spcFirstLastPara="1" rIns="0" wrap="square" tIns="0">
+            <a:spAutoFit/>
+          </a:bodyPr>
+          <a:lstStyle/>
+          <a:p>
+            <a:pPr indent="0" lvl="0" marL="0" marR="0" rtl="0" algn="l">
+              <a:lnSpc>
+                <a:spcPct val="105008"/>
+              </a:lnSpc>
+              <a:spcBef>
+                <a:spcPts val="0"/>
+              </a:spcBef>
+              <a:spcAft>
+                <a:spcPts val="0"/>
+              </a:spcAft>
+              <a:buClr>
+                <a:schemeClr val="dk1"/>
+              </a:buClr>
+              <a:buSzPts val="1100"/>
+              <a:buFont typeface="Arial"/>
+              <a:buNone/>
+            </a:pPr>
+            <a:r>
+              <a:rPr b="1" i="0" lang="en-US" sz="2000" u="none" cap="none" strike="noStrike">
+                <a:solidFill>
+                  <a:srgbClr val="00BF63"/>
+                </a:solidFill>
+                <a:latin typeface="Raleway"/>
+                <a:ea typeface="Raleway"/>
+                <a:cs typeface="Raleway"/>
+                <a:sym typeface="Raleway"/>
+              </a:rPr>
+              <a:t>DSM-G06-PI4-2025-2/</a:t>
+            </a:r>
+            <a:endParaRPr b="1" i="0" sz="2000" u="none" cap="none" strike="noStrike">
+              <a:solidFill>
+                <a:srgbClr val="00BF63"/>
+              </a:solidFill>
+              <a:latin typeface="Raleway"/>
+              <a:ea typeface="Raleway"/>
+              <a:cs typeface="Raleway"/>
+              <a:sym typeface="Raleway"/>
+            </a:endParaRPr>
+          </a:p>
+          <a:p>
+            <a:pPr indent="0" lvl="0" marL="0" marR="0" rtl="0" algn="l">
+              <a:lnSpc>
+                <a:spcPct val="105008"/>
+              </a:lnSpc>
+              <a:spcBef>
+                <a:spcPts val="0"/>
+              </a:spcBef>
+              <a:spcAft>
+                <a:spcPts val="0"/>
+              </a:spcAft>
+              <a:buClr>
+                <a:schemeClr val="dk1"/>
+              </a:buClr>
+              <a:buSzPts val="1100"/>
+              <a:buFont typeface="Arial"/>
+              <a:buNone/>
+            </a:pPr>
+            <a:r>
+              <a:rPr b="1" i="0" lang="en-US" sz="2000" u="none" cap="none" strike="noStrike">
+                <a:solidFill>
+                  <a:srgbClr val="00BF63"/>
+                </a:solidFill>
+                <a:latin typeface="Raleway"/>
+                <a:ea typeface="Raleway"/>
+                <a:cs typeface="Raleway"/>
+                <a:sym typeface="Raleway"/>
+              </a:rPr>
+              <a:t>├── API/</a:t>
+            </a:r>
+            <a:endParaRPr b="1" i="0" sz="2000" u="none" cap="none" strike="noStrike">
+              <a:solidFill>
+                <a:srgbClr val="00BF63"/>
+              </a:solidFill>
+              <a:latin typeface="Raleway"/>
+              <a:ea typeface="Raleway"/>
+              <a:cs typeface="Raleway"/>
+              <a:sym typeface="Raleway"/>
+            </a:endParaRPr>
+          </a:p>
+          <a:p>
+            <a:pPr indent="0" lvl="0" marL="0" marR="0" rtl="0" algn="l">
+              <a:lnSpc>
+                <a:spcPct val="105008"/>
+              </a:lnSpc>
+              <a:spcBef>
+                <a:spcPts val="0"/>
+              </a:spcBef>
+              <a:spcAft>
+                <a:spcPts val="0"/>
+              </a:spcAft>
+              <a:buClr>
+                <a:schemeClr val="dk1"/>
+              </a:buClr>
+              <a:buSzPts val="1100"/>
+              <a:buFont typeface="Arial"/>
+              <a:buNone/>
+            </a:pPr>
+            <a:r>
+              <a:rPr b="1" i="0" lang="en-US" sz="2000" u="none" cap="none" strike="noStrike">
+                <a:solidFill>
+                  <a:srgbClr val="00BF63"/>
+                </a:solidFill>
+                <a:latin typeface="Raleway"/>
+                <a:ea typeface="Raleway"/>
+                <a:cs typeface="Raleway"/>
+                <a:sym typeface="Raleway"/>
+              </a:rPr>
+              <a:t>│   ├── </a:t>
+            </a:r>
+            <a:r>
+              <a:rPr b="1" lang="en-US" sz="2000">
+                <a:solidFill>
+                  <a:srgbClr val="00BF63"/>
+                </a:solidFill>
+                <a:latin typeface="Raleway"/>
+                <a:ea typeface="Raleway"/>
+                <a:cs typeface="Raleway"/>
+                <a:sym typeface="Raleway"/>
+              </a:rPr>
+              <a:t>.expo</a:t>
+            </a:r>
+            <a:r>
+              <a:rPr b="1" i="0" lang="en-US" sz="2000" u="none" cap="none" strike="noStrike">
+                <a:solidFill>
+                  <a:srgbClr val="00BF63"/>
+                </a:solidFill>
+                <a:latin typeface="Raleway"/>
+                <a:ea typeface="Raleway"/>
+                <a:cs typeface="Raleway"/>
+                <a:sym typeface="Raleway"/>
+              </a:rPr>
+              <a:t>/</a:t>
+            </a:r>
+            <a:endParaRPr b="1" i="0" sz="2000" u="none" cap="none" strike="noStrike">
+              <a:solidFill>
+                <a:srgbClr val="00BF63"/>
+              </a:solidFill>
+              <a:latin typeface="Raleway"/>
+              <a:ea typeface="Raleway"/>
+              <a:cs typeface="Raleway"/>
+              <a:sym typeface="Raleway"/>
+            </a:endParaRPr>
+          </a:p>
+          <a:p>
+            <a:pPr indent="0" lvl="0" marL="0" rtl="0" algn="l">
+              <a:lnSpc>
+                <a:spcPct val="105008"/>
+              </a:lnSpc>
+              <a:spcBef>
+                <a:spcPts val="0"/>
+              </a:spcBef>
+              <a:spcAft>
+                <a:spcPts val="0"/>
+              </a:spcAft>
+              <a:buClr>
+                <a:schemeClr val="dk1"/>
+              </a:buClr>
+              <a:buSzPts val="1100"/>
+              <a:buFont typeface="Arial"/>
+              <a:buNone/>
+            </a:pPr>
+            <a:r>
+              <a:rPr b="1" lang="en-US" sz="2000">
+                <a:solidFill>
+                  <a:srgbClr val="00BF63"/>
+                </a:solidFill>
+                <a:latin typeface="Raleway"/>
+                <a:ea typeface="Raleway"/>
+                <a:cs typeface="Raleway"/>
+                <a:sym typeface="Raleway"/>
+              </a:rPr>
+              <a:t>│   ├── assets/</a:t>
+            </a:r>
+            <a:endParaRPr b="1" sz="2000">
+              <a:solidFill>
+                <a:srgbClr val="00BF63"/>
+              </a:solidFill>
+              <a:latin typeface="Raleway"/>
+              <a:ea typeface="Raleway"/>
+              <a:cs typeface="Raleway"/>
+              <a:sym typeface="Raleway"/>
+            </a:endParaRPr>
+          </a:p>
+          <a:p>
+            <a:pPr indent="0" lvl="0" marL="0" rtl="0" algn="l">
+              <a:lnSpc>
+                <a:spcPct val="105008"/>
+              </a:lnSpc>
+              <a:spcBef>
+                <a:spcPts val="0"/>
+              </a:spcBef>
+              <a:spcAft>
+                <a:spcPts val="0"/>
+              </a:spcAft>
+              <a:buClr>
+                <a:schemeClr val="dk1"/>
+              </a:buClr>
+              <a:buSzPts val="1100"/>
+              <a:buFont typeface="Arial"/>
+              <a:buNone/>
+            </a:pPr>
+            <a:r>
+              <a:rPr b="1" lang="en-US" sz="2000">
+                <a:solidFill>
+                  <a:srgbClr val="00BF63"/>
+                </a:solidFill>
+                <a:latin typeface="Raleway"/>
+                <a:ea typeface="Raleway"/>
+                <a:cs typeface="Raleway"/>
+                <a:sym typeface="Raleway"/>
+              </a:rPr>
+              <a:t>│   ├── node_modules/</a:t>
+            </a:r>
+            <a:endParaRPr b="1" sz="2000">
+              <a:solidFill>
+                <a:srgbClr val="00BF63"/>
+              </a:solidFill>
+              <a:latin typeface="Raleway"/>
+              <a:ea typeface="Raleway"/>
+              <a:cs typeface="Raleway"/>
+              <a:sym typeface="Raleway"/>
+            </a:endParaRPr>
+          </a:p>
+          <a:p>
+            <a:pPr indent="0" lvl="0" marL="0" marR="0" rtl="0" algn="l">
+              <a:lnSpc>
+                <a:spcPct val="105008"/>
+              </a:lnSpc>
+              <a:spcBef>
+                <a:spcPts val="0"/>
+              </a:spcBef>
+              <a:spcAft>
+                <a:spcPts val="0"/>
+              </a:spcAft>
+              <a:buClr>
+                <a:schemeClr val="dk1"/>
+              </a:buClr>
+              <a:buSzPts val="1100"/>
+              <a:buFont typeface="Arial"/>
+              <a:buNone/>
+            </a:pPr>
+            <a:r>
+              <a:rPr b="1" i="0" lang="en-US" sz="2000" u="none" cap="none" strike="noStrike">
+                <a:solidFill>
+                  <a:srgbClr val="00BF63"/>
+                </a:solidFill>
+                <a:latin typeface="Raleway"/>
+                <a:ea typeface="Raleway"/>
+                <a:cs typeface="Raleway"/>
+                <a:sym typeface="Raleway"/>
+              </a:rPr>
+              <a:t>│   └── src/</a:t>
+            </a:r>
+            <a:endParaRPr b="1" i="0" sz="2000" u="none" cap="none" strike="noStrike">
+              <a:solidFill>
+                <a:srgbClr val="00BF63"/>
+              </a:solidFill>
+              <a:latin typeface="Raleway"/>
+              <a:ea typeface="Raleway"/>
+              <a:cs typeface="Raleway"/>
+              <a:sym typeface="Raleway"/>
+            </a:endParaRPr>
+          </a:p>
+          <a:p>
+            <a:pPr indent="0" lvl="0" marL="0" rtl="0" algn="l">
+              <a:lnSpc>
+                <a:spcPct val="105008"/>
+              </a:lnSpc>
+              <a:spcBef>
+                <a:spcPts val="0"/>
+              </a:spcBef>
+              <a:spcAft>
+                <a:spcPts val="0"/>
+              </a:spcAft>
+              <a:buClr>
+                <a:schemeClr val="dk1"/>
+              </a:buClr>
+              <a:buSzPts val="1100"/>
+              <a:buFont typeface="Arial"/>
+              <a:buNone/>
+            </a:pPr>
+            <a:r>
+              <a:rPr b="1" lang="en-US" sz="2000">
+                <a:solidFill>
+                  <a:srgbClr val="00BF63"/>
+                </a:solidFill>
+                <a:latin typeface="Raleway"/>
+                <a:ea typeface="Raleway"/>
+                <a:cs typeface="Raleway"/>
+                <a:sym typeface="Raleway"/>
+              </a:rPr>
+              <a:t>│       ├── assets/</a:t>
+            </a:r>
+            <a:endParaRPr b="1" sz="2000">
+              <a:solidFill>
+                <a:srgbClr val="00BF63"/>
+              </a:solidFill>
+              <a:latin typeface="Raleway"/>
+              <a:ea typeface="Raleway"/>
+              <a:cs typeface="Raleway"/>
+              <a:sym typeface="Raleway"/>
+            </a:endParaRPr>
+          </a:p>
+          <a:p>
+            <a:pPr indent="0" lvl="0" marL="0" rtl="0" algn="l">
+              <a:lnSpc>
+                <a:spcPct val="105008"/>
+              </a:lnSpc>
+              <a:spcBef>
+                <a:spcPts val="0"/>
+              </a:spcBef>
+              <a:spcAft>
+                <a:spcPts val="0"/>
+              </a:spcAft>
+              <a:buClr>
+                <a:schemeClr val="dk1"/>
+              </a:buClr>
+              <a:buSzPts val="1100"/>
+              <a:buFont typeface="Arial"/>
+              <a:buNone/>
+            </a:pPr>
+            <a:r>
+              <a:rPr b="1" lang="en-US" sz="2000">
+                <a:solidFill>
+                  <a:srgbClr val="00BF63"/>
+                </a:solidFill>
+                <a:latin typeface="Raleway"/>
+                <a:ea typeface="Raleway"/>
+                <a:cs typeface="Raleway"/>
+                <a:sym typeface="Raleway"/>
+              </a:rPr>
+              <a:t>│       ├── components/</a:t>
+            </a:r>
+            <a:endParaRPr b="1" sz="2000">
+              <a:solidFill>
+                <a:srgbClr val="00BF63"/>
+              </a:solidFill>
+              <a:latin typeface="Raleway"/>
+              <a:ea typeface="Raleway"/>
+              <a:cs typeface="Raleway"/>
+              <a:sym typeface="Raleway"/>
+            </a:endParaRPr>
+          </a:p>
+          <a:p>
+            <a:pPr indent="0" lvl="0" marL="0" rtl="0" algn="l">
+              <a:lnSpc>
+                <a:spcPct val="105008"/>
+              </a:lnSpc>
+              <a:spcBef>
+                <a:spcPts val="0"/>
+              </a:spcBef>
+              <a:spcAft>
+                <a:spcPts val="0"/>
+              </a:spcAft>
+              <a:buClr>
+                <a:schemeClr val="dk1"/>
+              </a:buClr>
+              <a:buSzPts val="1100"/>
+              <a:buFont typeface="Arial"/>
+              <a:buNone/>
+            </a:pPr>
+            <a:r>
+              <a:rPr b="1" lang="en-US" sz="2000">
+                <a:solidFill>
+                  <a:srgbClr val="00BF63"/>
+                </a:solidFill>
+                <a:latin typeface="Raleway"/>
+                <a:ea typeface="Raleway"/>
+                <a:cs typeface="Raleway"/>
+                <a:sym typeface="Raleway"/>
+              </a:rPr>
+              <a:t>│       │   ├── BottomNav.js</a:t>
+            </a:r>
+            <a:endParaRPr b="1" sz="2000">
+              <a:solidFill>
+                <a:srgbClr val="00BF63"/>
+              </a:solidFill>
+              <a:latin typeface="Raleway"/>
+              <a:ea typeface="Raleway"/>
+              <a:cs typeface="Raleway"/>
+              <a:sym typeface="Raleway"/>
+            </a:endParaRPr>
+          </a:p>
+          <a:p>
+            <a:pPr indent="0" lvl="0" marL="0" rtl="0" algn="l">
+              <a:lnSpc>
+                <a:spcPct val="105008"/>
+              </a:lnSpc>
+              <a:spcBef>
+                <a:spcPts val="0"/>
+              </a:spcBef>
+              <a:spcAft>
+                <a:spcPts val="0"/>
+              </a:spcAft>
+              <a:buClr>
+                <a:schemeClr val="dk1"/>
+              </a:buClr>
+              <a:buSzPts val="1100"/>
+              <a:buFont typeface="Arial"/>
+              <a:buNone/>
+            </a:pPr>
+            <a:r>
+              <a:rPr b="1" lang="en-US" sz="2000">
+                <a:solidFill>
+                  <a:srgbClr val="00BF63"/>
+                </a:solidFill>
+                <a:latin typeface="Raleway"/>
+                <a:ea typeface="Raleway"/>
+                <a:cs typeface="Raleway"/>
+                <a:sym typeface="Raleway"/>
+              </a:rPr>
+              <a:t>│       │   └── SettingsModal.js</a:t>
+            </a:r>
+            <a:endParaRPr b="1" sz="2000">
+              <a:solidFill>
+                <a:srgbClr val="00BF63"/>
+              </a:solidFill>
+              <a:latin typeface="Raleway"/>
+              <a:ea typeface="Raleway"/>
+              <a:cs typeface="Raleway"/>
+              <a:sym typeface="Raleway"/>
+            </a:endParaRPr>
+          </a:p>
+          <a:p>
+            <a:pPr indent="0" lvl="0" marL="0" marR="0" rtl="0" algn="l">
+              <a:lnSpc>
+                <a:spcPct val="105008"/>
+              </a:lnSpc>
+              <a:spcBef>
+                <a:spcPts val="0"/>
+              </a:spcBef>
+              <a:spcAft>
+                <a:spcPts val="0"/>
+              </a:spcAft>
+              <a:buClr>
+                <a:schemeClr val="dk1"/>
+              </a:buClr>
+              <a:buSzPts val="1100"/>
+              <a:buFont typeface="Arial"/>
+              <a:buNone/>
+            </a:pPr>
+            <a:r>
+              <a:rPr b="1" i="0" lang="en-US" sz="2000" u="none" cap="none" strike="noStrike">
+                <a:solidFill>
+                  <a:srgbClr val="00BF63"/>
+                </a:solidFill>
+                <a:latin typeface="Raleway"/>
+                <a:ea typeface="Raleway"/>
+                <a:cs typeface="Raleway"/>
+                <a:sym typeface="Raleway"/>
+              </a:rPr>
+              <a:t>│       ├── </a:t>
+            </a:r>
+            <a:r>
+              <a:rPr b="1" lang="en-US" sz="2000">
+                <a:solidFill>
+                  <a:srgbClr val="00BF63"/>
+                </a:solidFill>
+                <a:latin typeface="Raleway"/>
+                <a:ea typeface="Raleway"/>
+                <a:cs typeface="Raleway"/>
+                <a:sym typeface="Raleway"/>
+              </a:rPr>
+              <a:t>pages</a:t>
+            </a:r>
+            <a:r>
+              <a:rPr b="1" i="0" lang="en-US" sz="2000" u="none" cap="none" strike="noStrike">
+                <a:solidFill>
+                  <a:srgbClr val="00BF63"/>
+                </a:solidFill>
+                <a:latin typeface="Raleway"/>
+                <a:ea typeface="Raleway"/>
+                <a:cs typeface="Raleway"/>
+                <a:sym typeface="Raleway"/>
+              </a:rPr>
+              <a:t>/</a:t>
+            </a:r>
+            <a:endParaRPr b="1" i="0" sz="2000" u="none" cap="none" strike="noStrike">
+              <a:solidFill>
+                <a:srgbClr val="00BF63"/>
+              </a:solidFill>
+              <a:latin typeface="Raleway"/>
+              <a:ea typeface="Raleway"/>
+              <a:cs typeface="Raleway"/>
+              <a:sym typeface="Raleway"/>
+            </a:endParaRPr>
+          </a:p>
+          <a:p>
+            <a:pPr indent="0" lvl="0" marL="0" marR="0" rtl="0" algn="l">
+              <a:lnSpc>
+                <a:spcPct val="105008"/>
+              </a:lnSpc>
+              <a:spcBef>
+                <a:spcPts val="0"/>
+              </a:spcBef>
+              <a:spcAft>
+                <a:spcPts val="0"/>
+              </a:spcAft>
+              <a:buClr>
+                <a:schemeClr val="dk1"/>
+              </a:buClr>
+              <a:buSzPts val="1100"/>
+              <a:buFont typeface="Arial"/>
+              <a:buNone/>
+            </a:pPr>
+            <a:r>
+              <a:rPr b="1" i="0" lang="en-US" sz="2000" u="none" cap="none" strike="noStrike">
+                <a:solidFill>
+                  <a:srgbClr val="00BF63"/>
+                </a:solidFill>
+                <a:latin typeface="Raleway"/>
+                <a:ea typeface="Raleway"/>
+                <a:cs typeface="Raleway"/>
+                <a:sym typeface="Raleway"/>
+              </a:rPr>
+              <a:t>│       │   ├── </a:t>
+            </a:r>
+            <a:r>
+              <a:rPr b="1" lang="en-US" sz="2000">
+                <a:solidFill>
+                  <a:srgbClr val="00BF63"/>
+                </a:solidFill>
+                <a:latin typeface="Raleway"/>
+                <a:ea typeface="Raleway"/>
+                <a:cs typeface="Raleway"/>
+                <a:sym typeface="Raleway"/>
+              </a:rPr>
+              <a:t>annualReport</a:t>
+            </a:r>
+            <a:r>
+              <a:rPr b="1" i="0" lang="en-US" sz="2000" u="none" cap="none" strike="noStrike">
+                <a:solidFill>
+                  <a:srgbClr val="00BF63"/>
+                </a:solidFill>
+                <a:latin typeface="Raleway"/>
+                <a:ea typeface="Raleway"/>
+                <a:cs typeface="Raleway"/>
+                <a:sym typeface="Raleway"/>
+              </a:rPr>
+              <a:t>.js</a:t>
+            </a:r>
+            <a:endParaRPr b="1" i="0" sz="2000" u="none" cap="none" strike="noStrike">
+              <a:solidFill>
+                <a:srgbClr val="00BF63"/>
+              </a:solidFill>
+              <a:latin typeface="Raleway"/>
+              <a:ea typeface="Raleway"/>
+              <a:cs typeface="Raleway"/>
+              <a:sym typeface="Raleway"/>
+            </a:endParaRPr>
+          </a:p>
+          <a:p>
+            <a:pPr indent="0" lvl="0" marL="0" marR="0" rtl="0" algn="l">
+              <a:lnSpc>
+                <a:spcPct val="105008"/>
+              </a:lnSpc>
+              <a:spcBef>
+                <a:spcPts val="0"/>
+              </a:spcBef>
+              <a:spcAft>
+                <a:spcPts val="0"/>
+              </a:spcAft>
+              <a:buClr>
+                <a:schemeClr val="dk1"/>
+              </a:buClr>
+              <a:buSzPts val="1100"/>
+              <a:buFont typeface="Arial"/>
+              <a:buNone/>
+            </a:pPr>
+            <a:r>
+              <a:rPr b="1" i="0" lang="en-US" sz="2000" u="none" cap="none" strike="noStrike">
+                <a:solidFill>
+                  <a:srgbClr val="00BF63"/>
+                </a:solidFill>
+                <a:latin typeface="Raleway"/>
+                <a:ea typeface="Raleway"/>
+                <a:cs typeface="Raleway"/>
+                <a:sym typeface="Raleway"/>
+              </a:rPr>
+              <a:t>│       │   ├── </a:t>
+            </a:r>
+            <a:r>
+              <a:rPr b="1" lang="en-US" sz="2000">
+                <a:solidFill>
+                  <a:srgbClr val="00BF63"/>
+                </a:solidFill>
+                <a:latin typeface="Raleway"/>
+                <a:ea typeface="Raleway"/>
+                <a:cs typeface="Raleway"/>
+                <a:sym typeface="Raleway"/>
+              </a:rPr>
+              <a:t>backpack</a:t>
+            </a:r>
+            <a:r>
+              <a:rPr b="1" i="0" lang="en-US" sz="2000" u="none" cap="none" strike="noStrike">
+                <a:solidFill>
+                  <a:srgbClr val="00BF63"/>
+                </a:solidFill>
+                <a:latin typeface="Raleway"/>
+                <a:ea typeface="Raleway"/>
+                <a:cs typeface="Raleway"/>
+                <a:sym typeface="Raleway"/>
+              </a:rPr>
+              <a:t>.js</a:t>
+            </a:r>
+            <a:endParaRPr b="1" i="0" sz="2000" u="none" cap="none" strike="noStrike">
+              <a:solidFill>
+                <a:srgbClr val="00BF63"/>
+              </a:solidFill>
+              <a:latin typeface="Raleway"/>
+              <a:ea typeface="Raleway"/>
+              <a:cs typeface="Raleway"/>
+              <a:sym typeface="Raleway"/>
+            </a:endParaRPr>
+          </a:p>
+          <a:p>
+            <a:pPr indent="0" lvl="0" marL="0" marR="0" rtl="0" algn="l">
+              <a:lnSpc>
+                <a:spcPct val="105008"/>
+              </a:lnSpc>
+              <a:spcBef>
+                <a:spcPts val="0"/>
+              </a:spcBef>
+              <a:spcAft>
+                <a:spcPts val="0"/>
+              </a:spcAft>
+              <a:buClr>
+                <a:schemeClr val="dk1"/>
+              </a:buClr>
+              <a:buSzPts val="1100"/>
+              <a:buFont typeface="Arial"/>
+              <a:buNone/>
+            </a:pPr>
+            <a:r>
+              <a:rPr b="1" i="0" lang="en-US" sz="2000" u="none" cap="none" strike="noStrike">
+                <a:solidFill>
+                  <a:srgbClr val="00BF63"/>
+                </a:solidFill>
+                <a:latin typeface="Raleway"/>
+                <a:ea typeface="Raleway"/>
+                <a:cs typeface="Raleway"/>
+                <a:sym typeface="Raleway"/>
+              </a:rPr>
+              <a:t>│       │   ├── </a:t>
+            </a:r>
+            <a:r>
+              <a:rPr b="1" lang="en-US" sz="2000">
+                <a:solidFill>
+                  <a:srgbClr val="00BF63"/>
+                </a:solidFill>
+                <a:latin typeface="Raleway"/>
+                <a:ea typeface="Raleway"/>
+                <a:cs typeface="Raleway"/>
+                <a:sym typeface="Raleway"/>
+              </a:rPr>
+              <a:t>dailyReport</a:t>
+            </a:r>
+            <a:r>
+              <a:rPr b="1" i="0" lang="en-US" sz="2000" u="none" cap="none" strike="noStrike">
+                <a:solidFill>
+                  <a:srgbClr val="00BF63"/>
+                </a:solidFill>
+                <a:latin typeface="Raleway"/>
+                <a:ea typeface="Raleway"/>
+                <a:cs typeface="Raleway"/>
+                <a:sym typeface="Raleway"/>
+              </a:rPr>
+              <a:t>.js</a:t>
+            </a:r>
+            <a:endParaRPr b="1" i="0" sz="2000" u="none" cap="none" strike="noStrike">
+              <a:solidFill>
+                <a:srgbClr val="00BF63"/>
+              </a:solidFill>
+              <a:latin typeface="Raleway"/>
+              <a:ea typeface="Raleway"/>
+              <a:cs typeface="Raleway"/>
+              <a:sym typeface="Raleway"/>
+            </a:endParaRPr>
+          </a:p>
+          <a:p>
+            <a:pPr indent="0" lvl="0" marL="0" marR="0" rtl="0" algn="l">
+              <a:lnSpc>
+                <a:spcPct val="105008"/>
+              </a:lnSpc>
+              <a:spcBef>
+                <a:spcPts val="0"/>
+              </a:spcBef>
+              <a:spcAft>
+                <a:spcPts val="0"/>
+              </a:spcAft>
+              <a:buClr>
+                <a:schemeClr val="dk1"/>
+              </a:buClr>
+              <a:buSzPts val="1100"/>
+              <a:buFont typeface="Arial"/>
+              <a:buNone/>
+            </a:pPr>
+            <a:r>
+              <a:rPr b="1" i="0" lang="en-US" sz="2000" u="none" cap="none" strike="noStrike">
+                <a:solidFill>
+                  <a:srgbClr val="00BF63"/>
+                </a:solidFill>
+                <a:latin typeface="Raleway"/>
+                <a:ea typeface="Raleway"/>
+                <a:cs typeface="Raleway"/>
+                <a:sym typeface="Raleway"/>
+              </a:rPr>
+              <a:t>│       │   ├── </a:t>
+            </a:r>
+            <a:r>
+              <a:rPr b="1" lang="en-US" sz="2000">
+                <a:solidFill>
+                  <a:srgbClr val="00BF63"/>
+                </a:solidFill>
+                <a:latin typeface="Raleway"/>
+                <a:ea typeface="Raleway"/>
+                <a:cs typeface="Raleway"/>
+                <a:sym typeface="Raleway"/>
+              </a:rPr>
+              <a:t>deleteAccount</a:t>
+            </a:r>
+            <a:r>
+              <a:rPr b="1" i="0" lang="en-US" sz="2000" u="none" cap="none" strike="noStrike">
+                <a:solidFill>
+                  <a:srgbClr val="00BF63"/>
+                </a:solidFill>
+                <a:latin typeface="Raleway"/>
+                <a:ea typeface="Raleway"/>
+                <a:cs typeface="Raleway"/>
+                <a:sym typeface="Raleway"/>
+              </a:rPr>
+              <a:t>.js</a:t>
+            </a:r>
+            <a:endParaRPr b="1" i="0" sz="2000" u="none" cap="none" strike="noStrike">
+              <a:solidFill>
+                <a:srgbClr val="00BF63"/>
+              </a:solidFill>
+              <a:latin typeface="Raleway"/>
+              <a:ea typeface="Raleway"/>
+              <a:cs typeface="Raleway"/>
+              <a:sym typeface="Raleway"/>
+            </a:endParaRPr>
+          </a:p>
+          <a:p>
+            <a:pPr indent="0" lvl="0" marL="0" marR="0" rtl="0" algn="l">
+              <a:lnSpc>
+                <a:spcPct val="105008"/>
+              </a:lnSpc>
+              <a:spcBef>
+                <a:spcPts val="0"/>
+              </a:spcBef>
+              <a:spcAft>
+                <a:spcPts val="0"/>
+              </a:spcAft>
+              <a:buClr>
+                <a:schemeClr val="dk1"/>
+              </a:buClr>
+              <a:buSzPts val="1100"/>
+              <a:buFont typeface="Arial"/>
+              <a:buNone/>
+            </a:pPr>
+            <a:r>
+              <a:rPr b="1" i="0" lang="en-US" sz="2000" u="none" cap="none" strike="noStrike">
+                <a:solidFill>
+                  <a:srgbClr val="00BF63"/>
+                </a:solidFill>
+                <a:latin typeface="Raleway"/>
+                <a:ea typeface="Raleway"/>
+                <a:cs typeface="Raleway"/>
+                <a:sym typeface="Raleway"/>
+              </a:rPr>
+              <a:t>│       │   ├── </a:t>
+            </a:r>
+            <a:r>
+              <a:rPr b="1" lang="en-US" sz="2000">
+                <a:solidFill>
+                  <a:srgbClr val="00BF63"/>
+                </a:solidFill>
+                <a:latin typeface="Raleway"/>
+                <a:ea typeface="Raleway"/>
+                <a:cs typeface="Raleway"/>
+                <a:sym typeface="Raleway"/>
+              </a:rPr>
+              <a:t>futurePrediction</a:t>
+            </a:r>
+            <a:r>
+              <a:rPr b="1" i="0" lang="en-US" sz="2000" u="none" cap="none" strike="noStrike">
+                <a:solidFill>
+                  <a:srgbClr val="00BF63"/>
+                </a:solidFill>
+                <a:latin typeface="Raleway"/>
+                <a:ea typeface="Raleway"/>
+                <a:cs typeface="Raleway"/>
+                <a:sym typeface="Raleway"/>
+              </a:rPr>
+              <a:t>.js</a:t>
+            </a:r>
+            <a:endParaRPr b="1" i="0" sz="2000" u="none" cap="none" strike="noStrike">
+              <a:solidFill>
+                <a:srgbClr val="00BF63"/>
+              </a:solidFill>
+              <a:latin typeface="Raleway"/>
+              <a:ea typeface="Raleway"/>
+              <a:cs typeface="Raleway"/>
+              <a:sym typeface="Raleway"/>
+            </a:endParaRPr>
+          </a:p>
+          <a:p>
+            <a:pPr indent="0" lvl="0" marL="0" marR="0" rtl="0" algn="l">
+              <a:lnSpc>
+                <a:spcPct val="105008"/>
+              </a:lnSpc>
+              <a:spcBef>
+                <a:spcPts val="0"/>
+              </a:spcBef>
+              <a:spcAft>
+                <a:spcPts val="0"/>
+              </a:spcAft>
+              <a:buClr>
+                <a:schemeClr val="dk1"/>
+              </a:buClr>
+              <a:buSzPts val="1100"/>
+              <a:buFont typeface="Arial"/>
+              <a:buNone/>
+            </a:pPr>
+            <a:r>
+              <a:rPr b="1" i="0" lang="en-US" sz="2000" u="none" cap="none" strike="noStrike">
+                <a:solidFill>
+                  <a:srgbClr val="00BF63"/>
+                </a:solidFill>
+                <a:latin typeface="Raleway"/>
+                <a:ea typeface="Raleway"/>
+                <a:cs typeface="Raleway"/>
+                <a:sym typeface="Raleway"/>
+              </a:rPr>
+              <a:t>│       │   </a:t>
+            </a:r>
+            <a:r>
+              <a:rPr b="1" lang="en-US" sz="2000">
+                <a:solidFill>
+                  <a:srgbClr val="00BF63"/>
+                </a:solidFill>
+                <a:latin typeface="Raleway"/>
+                <a:ea typeface="Raleway"/>
+                <a:cs typeface="Raleway"/>
+                <a:sym typeface="Raleway"/>
+              </a:rPr>
+              <a:t>├</a:t>
+            </a:r>
+            <a:r>
+              <a:rPr b="1" i="0" lang="en-US" sz="2000" u="none" cap="none" strike="noStrike">
+                <a:solidFill>
+                  <a:srgbClr val="00BF63"/>
+                </a:solidFill>
+                <a:latin typeface="Raleway"/>
+                <a:ea typeface="Raleway"/>
+                <a:cs typeface="Raleway"/>
+                <a:sym typeface="Raleway"/>
+              </a:rPr>
+              <a:t>── </a:t>
+            </a:r>
+            <a:r>
+              <a:rPr b="1" lang="en-US" sz="2000">
+                <a:solidFill>
+                  <a:srgbClr val="00BF63"/>
+                </a:solidFill>
+                <a:latin typeface="Raleway"/>
+                <a:ea typeface="Raleway"/>
+                <a:cs typeface="Raleway"/>
+                <a:sym typeface="Raleway"/>
+              </a:rPr>
+              <a:t>home</a:t>
+            </a:r>
+            <a:r>
+              <a:rPr b="1" i="0" lang="en-US" sz="2000" cap="none" strike="noStrike">
+                <a:solidFill>
+                  <a:srgbClr val="00BF63"/>
+                </a:solidFill>
+                <a:latin typeface="Raleway"/>
+                <a:ea typeface="Raleway"/>
+                <a:cs typeface="Raleway"/>
+                <a:sym typeface="Raleway"/>
+              </a:rPr>
+              <a:t>.js</a:t>
+            </a:r>
+            <a:endParaRPr b="1" i="0" sz="2000" u="none" cap="none" strike="noStrike">
+              <a:solidFill>
+                <a:srgbClr val="00BF63"/>
+              </a:solidFill>
+              <a:latin typeface="Raleway"/>
+              <a:ea typeface="Raleway"/>
+              <a:cs typeface="Raleway"/>
+              <a:sym typeface="Raleway"/>
+            </a:endParaRPr>
+          </a:p>
+          <a:p>
+            <a:pPr indent="0" lvl="0" marL="0" rtl="0" algn="l">
+              <a:lnSpc>
+                <a:spcPct val="105008"/>
+              </a:lnSpc>
+              <a:spcBef>
+                <a:spcPts val="0"/>
+              </a:spcBef>
+              <a:spcAft>
+                <a:spcPts val="0"/>
+              </a:spcAft>
+              <a:buClr>
+                <a:schemeClr val="dk1"/>
+              </a:buClr>
+              <a:buSzPts val="1100"/>
+              <a:buFont typeface="Arial"/>
+              <a:buNone/>
+            </a:pPr>
+            <a:r>
+              <a:rPr b="1" lang="en-US" sz="2000">
+                <a:solidFill>
+                  <a:srgbClr val="00BF63"/>
+                </a:solidFill>
+                <a:latin typeface="Raleway"/>
+                <a:ea typeface="Raleway"/>
+                <a:cs typeface="Raleway"/>
+                <a:sym typeface="Raleway"/>
+              </a:rPr>
+              <a:t>│       │   ├── main.js</a:t>
+            </a:r>
+            <a:endParaRPr b="1" sz="2000">
+              <a:solidFill>
+                <a:srgbClr val="00BF63"/>
+              </a:solidFill>
+              <a:latin typeface="Raleway"/>
+              <a:ea typeface="Raleway"/>
+              <a:cs typeface="Raleway"/>
+              <a:sym typeface="Raleway"/>
+            </a:endParaRPr>
+          </a:p>
+          <a:p>
+            <a:pPr indent="0" lvl="0" marL="0" rtl="0" algn="l">
+              <a:lnSpc>
+                <a:spcPct val="105008"/>
+              </a:lnSpc>
+              <a:spcBef>
+                <a:spcPts val="0"/>
+              </a:spcBef>
+              <a:spcAft>
+                <a:spcPts val="0"/>
+              </a:spcAft>
+              <a:buClr>
+                <a:schemeClr val="dk1"/>
+              </a:buClr>
+              <a:buSzPts val="1100"/>
+              <a:buFont typeface="Arial"/>
+              <a:buNone/>
+            </a:pPr>
+            <a:r>
+              <a:rPr b="1" lang="en-US" sz="2000">
+                <a:solidFill>
+                  <a:srgbClr val="00BF63"/>
+                </a:solidFill>
+                <a:latin typeface="Raleway"/>
+                <a:ea typeface="Raleway"/>
+                <a:cs typeface="Raleway"/>
+                <a:sym typeface="Raleway"/>
+              </a:rPr>
+              <a:t>│       │   ├── monthlyReport.js</a:t>
+            </a:r>
+            <a:endParaRPr b="1" sz="2000">
+              <a:solidFill>
+                <a:srgbClr val="00BF63"/>
+              </a:solidFill>
+              <a:latin typeface="Raleway"/>
+              <a:ea typeface="Raleway"/>
+              <a:cs typeface="Raleway"/>
+              <a:sym typeface="Raleway"/>
+            </a:endParaRPr>
+          </a:p>
+          <a:p>
+            <a:pPr indent="0" lvl="0" marL="0" rtl="0" algn="l">
+              <a:lnSpc>
+                <a:spcPct val="105008"/>
+              </a:lnSpc>
+              <a:spcBef>
+                <a:spcPts val="0"/>
+              </a:spcBef>
+              <a:spcAft>
+                <a:spcPts val="0"/>
+              </a:spcAft>
+              <a:buClr>
+                <a:schemeClr val="dk1"/>
+              </a:buClr>
+              <a:buSzPts val="1100"/>
+              <a:buFont typeface="Arial"/>
+              <a:buNone/>
+            </a:pPr>
+            <a:r>
+              <a:rPr b="1" lang="en-US" sz="2000">
+                <a:solidFill>
+                  <a:srgbClr val="00BF63"/>
+                </a:solidFill>
+                <a:latin typeface="Raleway"/>
+                <a:ea typeface="Raleway"/>
+                <a:cs typeface="Raleway"/>
+                <a:sym typeface="Raleway"/>
+              </a:rPr>
+              <a:t>│       │   ├── profile.js</a:t>
+            </a:r>
+            <a:endParaRPr b="1" sz="2000">
+              <a:solidFill>
+                <a:srgbClr val="00BF63"/>
+              </a:solidFill>
+              <a:latin typeface="Raleway"/>
+              <a:ea typeface="Raleway"/>
+              <a:cs typeface="Raleway"/>
+              <a:sym typeface="Raleway"/>
+            </a:endParaRPr>
+          </a:p>
+          <a:p>
+            <a:pPr indent="0" lvl="0" marL="0" rtl="0" algn="l">
+              <a:lnSpc>
+                <a:spcPct val="105008"/>
+              </a:lnSpc>
+              <a:spcBef>
+                <a:spcPts val="0"/>
+              </a:spcBef>
+              <a:spcAft>
+                <a:spcPts val="0"/>
+              </a:spcAft>
+              <a:buClr>
+                <a:schemeClr val="dk1"/>
+              </a:buClr>
+              <a:buSzPts val="1100"/>
+              <a:buFont typeface="Arial"/>
+              <a:buNone/>
+            </a:pPr>
+            <a:r>
+              <a:rPr b="1" lang="en-US" sz="2000">
+                <a:solidFill>
+                  <a:srgbClr val="00BF63"/>
+                </a:solidFill>
+                <a:latin typeface="Raleway"/>
+                <a:ea typeface="Raleway"/>
+                <a:cs typeface="Raleway"/>
+                <a:sym typeface="Raleway"/>
+              </a:rPr>
+              <a:t>│       │   ├── reportingOptions.js</a:t>
+            </a:r>
+            <a:endParaRPr b="1" sz="2000">
+              <a:solidFill>
+                <a:srgbClr val="00BF63"/>
+              </a:solidFill>
+              <a:latin typeface="Raleway"/>
+              <a:ea typeface="Raleway"/>
+              <a:cs typeface="Raleway"/>
+              <a:sym typeface="Raleway"/>
+            </a:endParaRPr>
+          </a:p>
+          <a:p>
+            <a:pPr indent="0" lvl="0" marL="0" rtl="0" algn="l">
+              <a:lnSpc>
+                <a:spcPct val="105008"/>
+              </a:lnSpc>
+              <a:spcBef>
+                <a:spcPts val="0"/>
+              </a:spcBef>
+              <a:spcAft>
+                <a:spcPts val="0"/>
+              </a:spcAft>
+              <a:buClr>
+                <a:schemeClr val="dk1"/>
+              </a:buClr>
+              <a:buSzPts val="1100"/>
+              <a:buFont typeface="Arial"/>
+              <a:buNone/>
+            </a:pPr>
+            <a:r>
+              <a:rPr b="1" lang="en-US" sz="2000">
+                <a:solidFill>
+                  <a:srgbClr val="00BF63"/>
+                </a:solidFill>
+                <a:latin typeface="Raleway"/>
+                <a:ea typeface="Raleway"/>
+                <a:cs typeface="Raleway"/>
+                <a:sym typeface="Raleway"/>
+              </a:rPr>
+              <a:t>│       │   ├── reports.js</a:t>
+            </a:r>
+            <a:endParaRPr b="1" sz="2000">
+              <a:solidFill>
+                <a:srgbClr val="00BF63"/>
+              </a:solidFill>
+              <a:latin typeface="Raleway"/>
+              <a:ea typeface="Raleway"/>
+              <a:cs typeface="Raleway"/>
+              <a:sym typeface="Raleway"/>
+            </a:endParaRPr>
+          </a:p>
+          <a:p>
+            <a:pPr indent="0" lvl="0" marL="0" rtl="0" algn="l">
+              <a:lnSpc>
+                <a:spcPct val="105008"/>
+              </a:lnSpc>
+              <a:spcBef>
+                <a:spcPts val="0"/>
+              </a:spcBef>
+              <a:spcAft>
+                <a:spcPts val="0"/>
+              </a:spcAft>
+              <a:buClr>
+                <a:schemeClr val="dk1"/>
+              </a:buClr>
+              <a:buSzPts val="1100"/>
+              <a:buFont typeface="Arial"/>
+              <a:buNone/>
+            </a:pPr>
+            <a:r>
+              <a:rPr b="1" lang="en-US" sz="2000">
+                <a:solidFill>
+                  <a:srgbClr val="00BF63"/>
+                </a:solidFill>
+                <a:latin typeface="Raleway"/>
+                <a:ea typeface="Raleway"/>
+                <a:cs typeface="Raleway"/>
+                <a:sym typeface="Raleway"/>
+              </a:rPr>
+              <a:t>│       │   └── weeklyReport.js</a:t>
+            </a:r>
+            <a:endParaRPr b="1" sz="2000">
+              <a:solidFill>
+                <a:srgbClr val="00BF63"/>
+              </a:solidFill>
+              <a:latin typeface="Raleway"/>
+              <a:ea typeface="Raleway"/>
+              <a:cs typeface="Raleway"/>
+              <a:sym typeface="Raleway"/>
+            </a:endParaRPr>
+          </a:p>
+          <a:p>
+            <a:pPr indent="0" lvl="0" marL="0" marR="0" rtl="0" algn="l">
+              <a:lnSpc>
+                <a:spcPct val="105008"/>
+              </a:lnSpc>
+              <a:spcBef>
+                <a:spcPts val="0"/>
+              </a:spcBef>
+              <a:spcAft>
+                <a:spcPts val="0"/>
+              </a:spcAft>
+              <a:buClr>
+                <a:schemeClr val="dk1"/>
+              </a:buClr>
+              <a:buSzPts val="1100"/>
+              <a:buFont typeface="Arial"/>
+              <a:buNone/>
+            </a:pPr>
+            <a:r>
+              <a:rPr b="1" i="0" lang="en-US" sz="2000" u="none" cap="none" strike="noStrike">
+                <a:solidFill>
+                  <a:srgbClr val="00BF63"/>
+                </a:solidFill>
+                <a:latin typeface="Raleway"/>
+                <a:ea typeface="Raleway"/>
+                <a:cs typeface="Raleway"/>
+                <a:sym typeface="Raleway"/>
+              </a:rPr>
+              <a:t>│       ├── </a:t>
+            </a:r>
+            <a:r>
+              <a:rPr b="1" lang="en-US" sz="2000">
+                <a:solidFill>
+                  <a:srgbClr val="00BF63"/>
+                </a:solidFill>
+                <a:latin typeface="Raleway"/>
+                <a:ea typeface="Raleway"/>
+                <a:cs typeface="Raleway"/>
+                <a:sym typeface="Raleway"/>
+              </a:rPr>
+              <a:t>tasks</a:t>
+            </a:r>
+            <a:r>
+              <a:rPr b="1" i="0" lang="en-US" sz="2000" u="none" cap="none" strike="noStrike">
+                <a:solidFill>
+                  <a:srgbClr val="00BF63"/>
+                </a:solidFill>
+                <a:latin typeface="Raleway"/>
+                <a:ea typeface="Raleway"/>
+                <a:cs typeface="Raleway"/>
+                <a:sym typeface="Raleway"/>
+              </a:rPr>
+              <a:t>/</a:t>
+            </a:r>
+            <a:endParaRPr b="1" i="0" sz="2000" u="none" cap="none" strike="noStrike">
+              <a:solidFill>
+                <a:srgbClr val="00BF63"/>
+              </a:solidFill>
+              <a:latin typeface="Raleway"/>
+              <a:ea typeface="Raleway"/>
+              <a:cs typeface="Raleway"/>
+              <a:sym typeface="Raleway"/>
+            </a:endParaRPr>
+          </a:p>
+          <a:p>
+            <a:pPr indent="0" lvl="0" marL="0" rtl="0" algn="l">
+              <a:lnSpc>
+                <a:spcPct val="105008"/>
+              </a:lnSpc>
+              <a:spcBef>
+                <a:spcPts val="0"/>
+              </a:spcBef>
+              <a:spcAft>
+                <a:spcPts val="0"/>
+              </a:spcAft>
+              <a:buClr>
+                <a:schemeClr val="dk1"/>
+              </a:buClr>
+              <a:buSzPts val="1100"/>
+              <a:buFont typeface="Arial"/>
+              <a:buNone/>
+            </a:pPr>
+            <a:r>
+              <a:rPr b="1" lang="en-US" sz="2000">
+                <a:solidFill>
+                  <a:srgbClr val="00BF63"/>
+                </a:solidFill>
+                <a:latin typeface="Raleway"/>
+                <a:ea typeface="Raleway"/>
+                <a:cs typeface="Raleway"/>
+                <a:sym typeface="Raleway"/>
+              </a:rPr>
+              <a:t>│       ├── utils/</a:t>
+            </a:r>
+            <a:endParaRPr b="1" sz="2000">
+              <a:solidFill>
+                <a:srgbClr val="00BF63"/>
+              </a:solidFill>
+              <a:latin typeface="Raleway"/>
+              <a:ea typeface="Raleway"/>
+              <a:cs typeface="Raleway"/>
+              <a:sym typeface="Raleway"/>
+            </a:endParaRPr>
+          </a:p>
+          <a:p>
+            <a:pPr indent="0" lvl="0" marL="0" rtl="0" algn="l">
+              <a:lnSpc>
+                <a:spcPct val="105008"/>
+              </a:lnSpc>
+              <a:spcBef>
+                <a:spcPts val="0"/>
+              </a:spcBef>
+              <a:spcAft>
+                <a:spcPts val="0"/>
+              </a:spcAft>
+              <a:buClr>
+                <a:schemeClr val="dk1"/>
+              </a:buClr>
+              <a:buSzPts val="1100"/>
+              <a:buFont typeface="Arial"/>
+              <a:buNone/>
+            </a:pPr>
+            <a:r>
+              <a:rPr b="1" lang="en-US" sz="2000">
+                <a:solidFill>
+                  <a:srgbClr val="00BF63"/>
+                </a:solidFill>
+                <a:latin typeface="Raleway"/>
+                <a:ea typeface="Raleway"/>
+                <a:cs typeface="Raleway"/>
+                <a:sym typeface="Raleway"/>
+              </a:rPr>
+              <a:t>│       │   ├── backgroundTask.js</a:t>
+            </a:r>
+            <a:endParaRPr b="1" sz="2000">
+              <a:solidFill>
+                <a:srgbClr val="00BF63"/>
+              </a:solidFill>
+              <a:latin typeface="Raleway"/>
+              <a:ea typeface="Raleway"/>
+              <a:cs typeface="Raleway"/>
+              <a:sym typeface="Raleway"/>
+            </a:endParaRPr>
+          </a:p>
+          <a:p>
+            <a:pPr indent="0" lvl="0" marL="0" rtl="0" algn="l">
+              <a:lnSpc>
+                <a:spcPct val="105008"/>
+              </a:lnSpc>
+              <a:spcBef>
+                <a:spcPts val="0"/>
+              </a:spcBef>
+              <a:spcAft>
+                <a:spcPts val="0"/>
+              </a:spcAft>
+              <a:buClr>
+                <a:schemeClr val="dk1"/>
+              </a:buClr>
+              <a:buSzPts val="1100"/>
+              <a:buFont typeface="Arial"/>
+              <a:buNone/>
+            </a:pPr>
+            <a:r>
+              <a:rPr b="1" lang="en-US" sz="2000">
+                <a:solidFill>
+                  <a:srgbClr val="00BF63"/>
+                </a:solidFill>
+                <a:latin typeface="Raleway"/>
+                <a:ea typeface="Raleway"/>
+                <a:cs typeface="Raleway"/>
+                <a:sym typeface="Raleway"/>
+              </a:rPr>
+              <a:t>│       ├── routes.js</a:t>
+            </a:r>
+            <a:endParaRPr b="1" sz="2000">
+              <a:solidFill>
+                <a:srgbClr val="00BF63"/>
+              </a:solidFill>
+              <a:latin typeface="Raleway"/>
+              <a:ea typeface="Raleway"/>
+              <a:cs typeface="Raleway"/>
+              <a:sym typeface="Raleway"/>
+            </a:endParaRPr>
+          </a:p>
+          <a:p>
+            <a:pPr indent="0" lvl="0" marL="0" marR="0" rtl="0" algn="l">
+              <a:lnSpc>
+                <a:spcPct val="105008"/>
+              </a:lnSpc>
+              <a:spcBef>
+                <a:spcPts val="0"/>
+              </a:spcBef>
+              <a:spcAft>
+                <a:spcPts val="0"/>
+              </a:spcAft>
+              <a:buClr>
+                <a:schemeClr val="dk1"/>
+              </a:buClr>
+              <a:buSzPts val="1100"/>
+              <a:buFont typeface="Arial"/>
+              <a:buNone/>
+            </a:pPr>
+            <a:r>
+              <a:rPr b="1" i="0" lang="en-US" sz="2000" u="none" cap="none" strike="noStrike">
+                <a:solidFill>
+                  <a:srgbClr val="00BF63"/>
+                </a:solidFill>
+                <a:latin typeface="Raleway"/>
+                <a:ea typeface="Raleway"/>
+                <a:cs typeface="Raleway"/>
+                <a:sym typeface="Raleway"/>
+              </a:rPr>
+              <a:t>│       └── </a:t>
+            </a:r>
+            <a:r>
+              <a:rPr b="1" lang="en-US" sz="2000">
+                <a:solidFill>
+                  <a:srgbClr val="00BF63"/>
+                </a:solidFill>
+                <a:latin typeface="Raleway"/>
+                <a:ea typeface="Raleway"/>
+                <a:cs typeface="Raleway"/>
+                <a:sym typeface="Raleway"/>
+              </a:rPr>
+              <a:t>styles.js</a:t>
+            </a:r>
+            <a:endParaRPr b="1" sz="2000">
+              <a:solidFill>
+                <a:srgbClr val="00BF63"/>
+              </a:solidFill>
+              <a:latin typeface="Raleway"/>
+              <a:ea typeface="Raleway"/>
+              <a:cs typeface="Raleway"/>
+              <a:sym typeface="Raleway"/>
+            </a:endParaRPr>
+          </a:p>
+        </p:txBody>
+      </p:sp>
+      <p:pic>
+        <p:nvPicPr>
+          <p:cNvPr id="271" name="Google Shape;271;g39fbb9a373c_0_45"/>
+          <p:cNvPicPr preferRelativeResize="0"/>
+          <p:nvPr/>
+        </p:nvPicPr>
+        <p:blipFill rotWithShape="1">
+          <a:blip r:embed="rId4">
+            <a:alphaModFix/>
+          </a:blip>
+          <a:srcRect b="11260" l="19519" r="19501" t="9775"/>
+          <a:stretch/>
+        </p:blipFill>
+        <p:spPr>
+          <a:xfrm>
+            <a:off x="16461200" y="198575"/>
+            <a:ext cx="1532649" cy="1984625"/>
+          </a:xfrm>
+          <a:prstGeom prst="rect">
+            <a:avLst/>
+          </a:prstGeom>
+          <a:noFill/>
+          <a:ln>
+            <a:noFill/>
+          </a:ln>
+        </p:spPr>
+      </p:pic>
+      <p:pic>
+        <p:nvPicPr>
+          <p:cNvPr id="272" name="Google Shape;272;g39fbb9a373c_0_45"/>
+          <p:cNvPicPr preferRelativeResize="0"/>
+          <p:nvPr/>
+        </p:nvPicPr>
+        <p:blipFill>
+          <a:blip r:embed="rId5">
+            <a:alphaModFix/>
+          </a:blip>
+          <a:stretch>
+            <a:fillRect/>
+          </a:stretch>
+        </p:blipFill>
+        <p:spPr>
+          <a:xfrm>
+            <a:off x="7882736" y="1211184"/>
+            <a:ext cx="4485800" cy="8806570"/>
+          </a:xfrm>
+          <a:prstGeom prst="rect">
+            <a:avLst/>
+          </a:prstGeom>
+          <a:noFill/>
+          <a:ln>
+            <a:noFill/>
+          </a:ln>
+        </p:spPr>
+      </p:pic>
+    </p:spTree>
+  </p:cSld>
+  <p:clrMapOvr>
+    <a:masterClrMapping/>
+  </p:clrMapOvr>
+</p:sld>
+</file>
+
+<file path=ppt/slides/slide14.xml><?xml version="1.0" encoding="utf-8"?>
+<p:sld xmlns:a="http://schemas.openxmlformats.org/drawingml/2006/main" xmlns:r="http://schemas.openxmlformats.org/officeDocument/2006/relationships" xmlns:mc="http://schemas.openxmlformats.org/markup-compatibility/2006" xmlns:mv="urn:schemas-microsoft-com:mac:vml" xmlns:p="http://schemas.openxmlformats.org/presentationml/2006/main" xmlns:c="http://schemas.openxmlformats.org/drawingml/2006/chart" xmlns:dgm="http://schemas.openxmlformats.org/drawingml/2006/diagram" xmlns:o="urn:schemas-microsoft-com:office:office" xmlns:v="urn:schemas-microsoft-com:vml" xmlns:pvml="urn:schemas-microsoft-com:office:powerpoint" xmlns:com="http://schemas.openxmlformats.org/drawingml/2006/compatibility" xmlns:p14="http://schemas.microsoft.com/office/powerpoint/2010/main" xmlns:p15="http://schemas.microsoft.com/office/powerpoint/2012/main" xmlns:ahyp="http://schemas.microsoft.com/office/drawing/2018/hyperlinkcolor">
+  <p:cSld>
+    <p:spTree>
+      <p:nvGrpSpPr>
+        <p:cNvPr id="276" name="Shape 276"/>
+        <p:cNvGrpSpPr/>
+        <p:nvPr/>
+      </p:nvGrpSpPr>
+      <p:grpSpPr>
+        <a:xfrm>
+          <a:off x="0" y="0"/>
+          <a:ext cx="0" cy="0"/>
+          <a:chOff x="0" y="0"/>
+          <a:chExt cx="0" cy="0"/>
+        </a:xfrm>
+      </p:grpSpPr>
+      <p:sp>
+        <p:nvSpPr>
+          <p:cNvPr id="277" name="Google Shape;277;p20"/>
+          <p:cNvSpPr/>
+          <p:nvPr/>
+        </p:nvSpPr>
+        <p:spPr>
+          <a:xfrm>
+            <a:off x="14268725" y="7309176"/>
+            <a:ext cx="8163089" cy="4223758"/>
+          </a:xfrm>
+          <a:custGeom>
+            <a:rect b="b" l="l" r="r" t="t"/>
+            <a:pathLst>
+              <a:path extrusionOk="0" h="7858154" w="11873584">
+                <a:moveTo>
+                  <a:pt x="0" y="0"/>
+                </a:moveTo>
+                <a:lnTo>
+                  <a:pt x="11873584" y="0"/>
+                </a:lnTo>
+                <a:lnTo>
+                  <a:pt x="11873584" y="7858154"/>
+                </a:lnTo>
+                <a:lnTo>
+                  <a:pt x="0" y="7858154"/>
+                </a:lnTo>
+                <a:lnTo>
+                  <a:pt x="0" y="0"/>
+                </a:lnTo>
+                <a:close/>
+              </a:path>
+            </a:pathLst>
+          </a:custGeom>
+          <a:blipFill rotWithShape="1">
+            <a:blip r:embed="rId3">
+              <a:alphaModFix/>
+            </a:blip>
+            <a:stretch>
+              <a:fillRect b="0" l="0" r="0" t="0"/>
+            </a:stretch>
+          </a:blipFill>
+          <a:ln>
+            <a:noFill/>
+          </a:ln>
+        </p:spPr>
+      </p:sp>
+      <p:grpSp>
+        <p:nvGrpSpPr>
+          <p:cNvPr id="278" name="Google Shape;278;p20"/>
+          <p:cNvGrpSpPr/>
+          <p:nvPr/>
+        </p:nvGrpSpPr>
+        <p:grpSpPr>
+          <a:xfrm>
+            <a:off x="919199" y="-915527"/>
+            <a:ext cx="1660787" cy="1650512"/>
+            <a:chOff x="0" y="-47625"/>
+            <a:chExt cx="437406" cy="434700"/>
+          </a:xfrm>
+        </p:grpSpPr>
+        <p:sp>
+          <p:nvSpPr>
+            <p:cNvPr id="279" name="Google Shape;279;p20"/>
+            <p:cNvSpPr/>
+            <p:nvPr/>
+          </p:nvSpPr>
+          <p:spPr>
+            <a:xfrm>
+              <a:off x="0" y="0"/>
+              <a:ext cx="437406" cy="387002"/>
+            </a:xfrm>
+            <a:custGeom>
+              <a:rect b="b" l="l" r="r" t="t"/>
+              <a:pathLst>
+                <a:path extrusionOk="0" h="387002" w="437406">
+                  <a:moveTo>
+                    <a:pt x="0" y="0"/>
+                  </a:moveTo>
+                  <a:lnTo>
+                    <a:pt x="437406" y="0"/>
+                  </a:lnTo>
+                  <a:lnTo>
+                    <a:pt x="437406" y="387002"/>
+                  </a:lnTo>
+                  <a:lnTo>
+                    <a:pt x="0" y="387002"/>
+                  </a:lnTo>
+                  <a:close/>
+                </a:path>
+              </a:pathLst>
+            </a:custGeom>
+            <a:solidFill>
+              <a:srgbClr val="7ED957"/>
+            </a:solidFill>
+            <a:ln>
+              <a:noFill/>
+            </a:ln>
+          </p:spPr>
+        </p:sp>
+        <p:sp>
+          <p:nvSpPr>
+            <p:cNvPr id="280" name="Google Shape;280;p20"/>
+            <p:cNvSpPr txBox="1"/>
+            <p:nvPr/>
+          </p:nvSpPr>
+          <p:spPr>
+            <a:xfrm>
+              <a:off x="0" y="-47625"/>
+              <a:ext cx="437400" cy="434700"/>
+            </a:xfrm>
+            <a:prstGeom prst="rect">
+              <a:avLst/>
+            </a:prstGeom>
+            <a:noFill/>
+            <a:ln>
+              <a:noFill/>
+            </a:ln>
+          </p:spPr>
+          <p:txBody>
+            <a:bodyPr anchorCtr="0" anchor="ctr" bIns="50800" lIns="50800" spcFirstLastPara="1" rIns="50800" wrap="square" tIns="50800">
+              <a:noAutofit/>
+            </a:bodyPr>
+            <a:lstStyle/>
+            <a:p>
+              <a:pPr indent="0" lvl="0" marL="0" marR="0" rtl="0" algn="ctr">
+                <a:lnSpc>
+                  <a:spcPct val="147722"/>
+                </a:lnSpc>
+                <a:spcBef>
+                  <a:spcPts val="0"/>
+                </a:spcBef>
+                <a:spcAft>
+                  <a:spcPts val="0"/>
+                </a:spcAft>
+                <a:buClr>
+                  <a:srgbClr val="000000"/>
+                </a:buClr>
+                <a:buSzPts val="1800"/>
+                <a:buFont typeface="Arial"/>
+                <a:buNone/>
+              </a:pPr>
+              <a:r>
+                <a:t/>
+              </a:r>
+              <a:endParaRPr b="0" i="0" sz="1800" u="none" cap="none" strike="noStrike">
+                <a:solidFill>
+                  <a:schemeClr val="dk1"/>
+                </a:solidFill>
+                <a:latin typeface="Calibri"/>
+                <a:ea typeface="Calibri"/>
+                <a:cs typeface="Calibri"/>
+                <a:sym typeface="Calibri"/>
+              </a:endParaRPr>
+            </a:p>
+          </p:txBody>
+        </p:sp>
+      </p:grpSp>
+      <p:grpSp>
+        <p:nvGrpSpPr>
+          <p:cNvPr id="281" name="Google Shape;281;p20"/>
+          <p:cNvGrpSpPr/>
+          <p:nvPr/>
+        </p:nvGrpSpPr>
+        <p:grpSpPr>
+          <a:xfrm>
+            <a:off x="2664518" y="-915527"/>
+            <a:ext cx="489800" cy="1650512"/>
+            <a:chOff x="0" y="-47625"/>
+            <a:chExt cx="129000" cy="434700"/>
+          </a:xfrm>
+        </p:grpSpPr>
+        <p:sp>
+          <p:nvSpPr>
+            <p:cNvPr id="282" name="Google Shape;282;p20"/>
+            <p:cNvSpPr/>
+            <p:nvPr/>
+          </p:nvSpPr>
+          <p:spPr>
+            <a:xfrm>
+              <a:off x="0" y="0"/>
+              <a:ext cx="128975" cy="387002"/>
+            </a:xfrm>
+            <a:custGeom>
+              <a:rect b="b" l="l" r="r" t="t"/>
+              <a:pathLst>
+                <a:path extrusionOk="0" h="387002" w="128975">
+                  <a:moveTo>
+                    <a:pt x="0" y="0"/>
+                  </a:moveTo>
+                  <a:lnTo>
+                    <a:pt x="128975" y="0"/>
+                  </a:lnTo>
+                  <a:lnTo>
+                    <a:pt x="128975" y="387002"/>
+                  </a:lnTo>
+                  <a:lnTo>
+                    <a:pt x="0" y="387002"/>
+                  </a:lnTo>
+                  <a:close/>
+                </a:path>
+              </a:pathLst>
+            </a:custGeom>
+            <a:solidFill>
+              <a:srgbClr val="00BF63"/>
+            </a:solidFill>
+            <a:ln>
+              <a:noFill/>
+            </a:ln>
+          </p:spPr>
+        </p:sp>
+        <p:sp>
+          <p:nvSpPr>
+            <p:cNvPr id="283" name="Google Shape;283;p20"/>
+            <p:cNvSpPr txBox="1"/>
+            <p:nvPr/>
+          </p:nvSpPr>
+          <p:spPr>
+            <a:xfrm>
+              <a:off x="0" y="-47625"/>
+              <a:ext cx="129000" cy="434700"/>
+            </a:xfrm>
+            <a:prstGeom prst="rect">
+              <a:avLst/>
+            </a:prstGeom>
+            <a:noFill/>
+            <a:ln>
+              <a:noFill/>
+            </a:ln>
+          </p:spPr>
+          <p:txBody>
+            <a:bodyPr anchorCtr="0" anchor="ctr" bIns="50800" lIns="50800" spcFirstLastPara="1" rIns="50800" wrap="square" tIns="50800">
+              <a:noAutofit/>
+            </a:bodyPr>
+            <a:lstStyle/>
+            <a:p>
+              <a:pPr indent="0" lvl="0" marL="0" marR="0" rtl="0" algn="ctr">
+                <a:lnSpc>
+                  <a:spcPct val="147722"/>
+                </a:lnSpc>
+                <a:spcBef>
+                  <a:spcPts val="0"/>
+                </a:spcBef>
+                <a:spcAft>
+                  <a:spcPts val="0"/>
+                </a:spcAft>
+                <a:buClr>
+                  <a:srgbClr val="000000"/>
+                </a:buClr>
+                <a:buSzPts val="1800"/>
+                <a:buFont typeface="Arial"/>
+                <a:buNone/>
+              </a:pPr>
+              <a:r>
+                <a:t/>
+              </a:r>
+              <a:endParaRPr b="0" i="0" sz="1800" u="none" cap="none" strike="noStrike">
+                <a:solidFill>
+                  <a:schemeClr val="dk1"/>
+                </a:solidFill>
+                <a:latin typeface="Calibri"/>
+                <a:ea typeface="Calibri"/>
+                <a:cs typeface="Calibri"/>
+                <a:sym typeface="Calibri"/>
+              </a:endParaRPr>
+            </a:p>
+          </p:txBody>
+        </p:sp>
+      </p:grpSp>
+      <p:sp>
+        <p:nvSpPr>
+          <p:cNvPr id="284" name="Google Shape;284;p20"/>
+          <p:cNvSpPr txBox="1"/>
+          <p:nvPr/>
+        </p:nvSpPr>
+        <p:spPr>
+          <a:xfrm>
+            <a:off x="3602927" y="468575"/>
+            <a:ext cx="11835300" cy="615600"/>
+          </a:xfrm>
+          <a:prstGeom prst="rect">
+            <a:avLst/>
+          </a:prstGeom>
+          <a:noFill/>
+          <a:ln>
+            <a:noFill/>
+          </a:ln>
+        </p:spPr>
+        <p:txBody>
+          <a:bodyPr anchorCtr="0" anchor="t" bIns="0" lIns="0" spcFirstLastPara="1" rIns="0" wrap="square" tIns="0">
+            <a:spAutoFit/>
+          </a:bodyPr>
+          <a:lstStyle/>
+          <a:p>
+            <a:pPr indent="0" lvl="0" marL="0" marR="0" rtl="0" algn="l">
+              <a:lnSpc>
+                <a:spcPct val="105004"/>
+              </a:lnSpc>
+              <a:spcBef>
+                <a:spcPts val="0"/>
+              </a:spcBef>
+              <a:spcAft>
+                <a:spcPts val="0"/>
+              </a:spcAft>
+              <a:buClr>
+                <a:srgbClr val="000000"/>
+              </a:buClr>
+              <a:buSzPts val="5300"/>
+              <a:buFont typeface="Arial"/>
+              <a:buNone/>
+            </a:pPr>
+            <a:r>
+              <a:rPr b="1" i="0" lang="en-US" sz="4000" u="none" cap="none" strike="noStrike">
+                <a:solidFill>
+                  <a:srgbClr val="7ED957"/>
+                </a:solidFill>
+                <a:latin typeface="Proxima Nova"/>
+                <a:ea typeface="Proxima Nova"/>
+                <a:cs typeface="Proxima Nova"/>
+                <a:sym typeface="Proxima Nova"/>
+              </a:rPr>
+              <a:t>MOBILE -  Telas (</a:t>
+            </a:r>
+            <a:r>
+              <a:rPr b="1" lang="en-US" sz="4000">
+                <a:solidFill>
+                  <a:srgbClr val="7ED957"/>
+                </a:solidFill>
+                <a:latin typeface="Proxima Nova"/>
+                <a:ea typeface="Proxima Nova"/>
+                <a:cs typeface="Proxima Nova"/>
+                <a:sym typeface="Proxima Nova"/>
+              </a:rPr>
+              <a:t>não aparecerão na apresentação)</a:t>
+            </a:r>
+            <a:endParaRPr b="0" i="0" sz="4000" u="none" cap="none" strike="noStrike">
+              <a:solidFill>
+                <a:srgbClr val="000000"/>
+              </a:solidFill>
+              <a:latin typeface="Arial"/>
+              <a:ea typeface="Arial"/>
+              <a:cs typeface="Arial"/>
+              <a:sym typeface="Arial"/>
+            </a:endParaRPr>
+          </a:p>
+        </p:txBody>
+      </p:sp>
+      <p:pic>
+        <p:nvPicPr>
+          <p:cNvPr id="285" name="Google Shape;285;p20"/>
+          <p:cNvPicPr preferRelativeResize="0"/>
+          <p:nvPr/>
+        </p:nvPicPr>
+        <p:blipFill rotWithShape="1">
+          <a:blip r:embed="rId4">
+            <a:alphaModFix/>
+          </a:blip>
+          <a:srcRect b="11260" l="19519" r="19501" t="9775"/>
+          <a:stretch/>
+        </p:blipFill>
+        <p:spPr>
+          <a:xfrm>
+            <a:off x="16461200" y="198575"/>
+            <a:ext cx="1532649" cy="1984625"/>
+          </a:xfrm>
+          <a:prstGeom prst="rect">
+            <a:avLst/>
+          </a:prstGeom>
+          <a:noFill/>
+          <a:ln>
+            <a:noFill/>
+          </a:ln>
+        </p:spPr>
+      </p:pic>
+    </p:spTree>
+  </p:cSld>
+  <p:clrMapOvr>
+    <a:masterClrMapping/>
+  </p:clrMapOvr>
+</p:sld>
+</file>
+
+<file path=ppt/slides/slide15.xml><?xml version="1.0" encoding="utf-8"?>
+<p:sld xmlns:a="http://schemas.openxmlformats.org/drawingml/2006/main" xmlns:r="http://schemas.openxmlformats.org/officeDocument/2006/relationships" xmlns:mc="http://schemas.openxmlformats.org/markup-compatibility/2006" xmlns:mv="urn:schemas-microsoft-com:mac:vml" xmlns:p="http://schemas.openxmlformats.org/presentationml/2006/main" xmlns:c="http://schemas.openxmlformats.org/drawingml/2006/chart" xmlns:dgm="http://schemas.openxmlformats.org/drawingml/2006/diagram" xmlns:o="urn:schemas-microsoft-com:office:office" xmlns:v="urn:schemas-microsoft-com:vml" xmlns:pvml="urn:schemas-microsoft-com:office:powerpoint" xmlns:com="http://schemas.openxmlformats.org/drawingml/2006/compatibility" xmlns:p14="http://schemas.microsoft.com/office/powerpoint/2010/main" xmlns:p15="http://schemas.microsoft.com/office/powerpoint/2012/main" xmlns:ahyp="http://schemas.microsoft.com/office/drawing/2018/hyperlinkcolor">
+  <p:cSld>
+    <p:spTree>
+      <p:nvGrpSpPr>
+        <p:cNvPr id="289" name="Shape 289"/>
+        <p:cNvGrpSpPr/>
+        <p:nvPr/>
+      </p:nvGrpSpPr>
+      <p:grpSpPr>
+        <a:xfrm>
+          <a:off x="0" y="0"/>
+          <a:ext cx="0" cy="0"/>
+          <a:chOff x="0" y="0"/>
+          <a:chExt cx="0" cy="0"/>
+        </a:xfrm>
+      </p:grpSpPr>
+      <p:sp>
+        <p:nvSpPr>
+          <p:cNvPr id="290" name="Google Shape;290;p17"/>
           <p:cNvSpPr/>
           <p:nvPr/>
         </p:nvSpPr>
@@ -19502,7 +23023,7 @@
       </p:sp>
       <p:sp>
         <p:nvSpPr>
-          <p:cNvPr id="248" name="Google Shape;248;p17"/>
+          <p:cNvPr id="291" name="Google Shape;291;p17"/>
           <p:cNvSpPr txBox="1"/>
           <p:nvPr/>
         </p:nvSpPr>
@@ -20180,7 +23701,7 @@
       </p:sp>
       <p:grpSp>
         <p:nvGrpSpPr>
-          <p:cNvPr id="249" name="Google Shape;249;p17"/>
+          <p:cNvPr id="292" name="Google Shape;292;p17"/>
           <p:cNvGrpSpPr/>
           <p:nvPr/>
         </p:nvGrpSpPr>
@@ -20194,7 +23715,7 @@
         </p:grpSpPr>
         <p:sp>
           <p:nvSpPr>
-            <p:cNvPr id="250" name="Google Shape;250;p17"/>
+            <p:cNvPr id="293" name="Google Shape;293;p17"/>
             <p:cNvSpPr/>
             <p:nvPr/>
           </p:nvSpPr>
@@ -20233,7 +23754,7 @@
         </p:sp>
         <p:sp>
           <p:nvSpPr>
-            <p:cNvPr id="251" name="Google Shape;251;p17"/>
+            <p:cNvPr id="294" name="Google Shape;294;p17"/>
             <p:cNvSpPr txBox="1"/>
             <p:nvPr/>
           </p:nvSpPr>
@@ -20291,7 +23812,7 @@
       </p:grpSp>
       <p:grpSp>
         <p:nvGrpSpPr>
-          <p:cNvPr id="252" name="Google Shape;252;p17"/>
+          <p:cNvPr id="295" name="Google Shape;295;p17"/>
           <p:cNvGrpSpPr/>
           <p:nvPr/>
         </p:nvGrpSpPr>
@@ -20305,7 +23826,7 @@
         </p:grpSpPr>
         <p:sp>
           <p:nvSpPr>
-            <p:cNvPr id="253" name="Google Shape;253;p17"/>
+            <p:cNvPr id="296" name="Google Shape;296;p17"/>
             <p:cNvSpPr/>
             <p:nvPr/>
           </p:nvSpPr>
@@ -20344,7 +23865,7 @@
         </p:sp>
         <p:sp>
           <p:nvSpPr>
-            <p:cNvPr id="254" name="Google Shape;254;p17"/>
+            <p:cNvPr id="297" name="Google Shape;297;p17"/>
             <p:cNvSpPr txBox="1"/>
             <p:nvPr/>
           </p:nvSpPr>
@@ -20402,7 +23923,7 @@
       </p:grpSp>
       <p:sp>
         <p:nvSpPr>
-          <p:cNvPr id="255" name="Google Shape;255;p17"/>
+          <p:cNvPr id="298" name="Google Shape;298;p17"/>
           <p:cNvSpPr txBox="1"/>
           <p:nvPr/>
         </p:nvSpPr>
@@ -20468,7 +23989,7 @@
       </p:sp>
       <p:pic>
         <p:nvPicPr>
-          <p:cNvPr id="256" name="Google Shape;256;p17"/>
+          <p:cNvPr id="299" name="Google Shape;299;p17"/>
           <p:cNvPicPr preferRelativeResize="0"/>
           <p:nvPr/>
         </p:nvPicPr>
@@ -20501,12 +24022,12 @@
 </p:sld>
 </file>
 
-<file path=ppt/slides/slide13.xml><?xml version="1.0" encoding="utf-8"?>
+<file path=ppt/slides/slide16.xml><?xml version="1.0" encoding="utf-8"?>
 <p:sld xmlns:a="http://schemas.openxmlformats.org/drawingml/2006/main" xmlns:r="http://schemas.openxmlformats.org/officeDocument/2006/relationships" xmlns:mc="http://schemas.openxmlformats.org/markup-compatibility/2006" xmlns:mv="urn:schemas-microsoft-com:mac:vml" xmlns:p="http://schemas.openxmlformats.org/presentationml/2006/main" xmlns:c="http://schemas.openxmlformats.org/drawingml/2006/chart" xmlns:dgm="http://schemas.openxmlformats.org/drawingml/2006/diagram" xmlns:o="urn:schemas-microsoft-com:office:office" xmlns:v="urn:schemas-microsoft-com:vml" xmlns:pvml="urn:schemas-microsoft-com:office:powerpoint" xmlns:com="http://schemas.openxmlformats.org/drawingml/2006/compatibility" xmlns:p14="http://schemas.microsoft.com/office/powerpoint/2010/main" xmlns:p15="http://schemas.microsoft.com/office/powerpoint/2012/main" xmlns:ahyp="http://schemas.microsoft.com/office/drawing/2018/hyperlinkcolor">
   <p:cSld>
     <p:spTree>
       <p:nvGrpSpPr>
-        <p:cNvPr id="260" name="Shape 260"/>
+        <p:cNvPr id="303" name="Shape 303"/>
         <p:cNvGrpSpPr/>
         <p:nvPr/>
       </p:nvGrpSpPr>
@@ -20520,7 +24041,7 @@
       </p:grpSpPr>
       <p:sp>
         <p:nvSpPr>
-          <p:cNvPr id="261" name="Google Shape;261;p18"/>
+          <p:cNvPr id="304" name="Google Shape;304;p18"/>
           <p:cNvSpPr/>
           <p:nvPr/>
         </p:nvSpPr>
@@ -20567,7 +24088,7 @@
       </p:sp>
       <p:grpSp>
         <p:nvGrpSpPr>
-          <p:cNvPr id="262" name="Google Shape;262;p18"/>
+          <p:cNvPr id="305" name="Google Shape;305;p18"/>
           <p:cNvGrpSpPr/>
           <p:nvPr/>
         </p:nvGrpSpPr>
@@ -20581,7 +24102,7 @@
         </p:grpSpPr>
         <p:sp>
           <p:nvSpPr>
-            <p:cNvPr id="263" name="Google Shape;263;p18"/>
+            <p:cNvPr id="306" name="Google Shape;306;p18"/>
             <p:cNvSpPr/>
             <p:nvPr/>
           </p:nvSpPr>
@@ -20620,7 +24141,7 @@
         </p:sp>
         <p:sp>
           <p:nvSpPr>
-            <p:cNvPr id="264" name="Google Shape;264;p18"/>
+            <p:cNvPr id="307" name="Google Shape;307;p18"/>
             <p:cNvSpPr txBox="1"/>
             <p:nvPr/>
           </p:nvSpPr>
@@ -20678,7 +24199,7 @@
       </p:grpSp>
       <p:grpSp>
         <p:nvGrpSpPr>
-          <p:cNvPr id="265" name="Google Shape;265;p18"/>
+          <p:cNvPr id="308" name="Google Shape;308;p18"/>
           <p:cNvGrpSpPr/>
           <p:nvPr/>
         </p:nvGrpSpPr>
@@ -20692,7 +24213,7 @@
         </p:grpSpPr>
         <p:sp>
           <p:nvSpPr>
-            <p:cNvPr id="266" name="Google Shape;266;p18"/>
+            <p:cNvPr id="309" name="Google Shape;309;p18"/>
             <p:cNvSpPr/>
             <p:nvPr/>
           </p:nvSpPr>
@@ -20731,7 +24252,7 @@
         </p:sp>
         <p:sp>
           <p:nvSpPr>
-            <p:cNvPr id="267" name="Google Shape;267;p18"/>
+            <p:cNvPr id="310" name="Google Shape;310;p18"/>
             <p:cNvSpPr txBox="1"/>
             <p:nvPr/>
           </p:nvSpPr>
@@ -20789,7 +24310,7 @@
       </p:grpSp>
       <p:pic>
         <p:nvPicPr>
-          <p:cNvPr id="268" name="Google Shape;268;p18"/>
+          <p:cNvPr id="311" name="Google Shape;311;p18"/>
           <p:cNvPicPr preferRelativeResize="0"/>
           <p:nvPr/>
         </p:nvPicPr>
@@ -20816,7 +24337,7 @@
       </p:pic>
       <p:pic>
         <p:nvPicPr>
-          <p:cNvPr id="269" name="Google Shape;269;p18"/>
+          <p:cNvPr id="312" name="Google Shape;312;p18"/>
           <p:cNvPicPr preferRelativeResize="0"/>
           <p:nvPr/>
         </p:nvPicPr>
@@ -20843,7 +24364,7 @@
       </p:pic>
       <p:pic>
         <p:nvPicPr>
-          <p:cNvPr id="270" name="Google Shape;270;p18"/>
+          <p:cNvPr id="313" name="Google Shape;313;p18"/>
           <p:cNvPicPr preferRelativeResize="0"/>
           <p:nvPr/>
         </p:nvPicPr>
@@ -20870,7 +24391,7 @@
       </p:pic>
       <p:pic>
         <p:nvPicPr>
-          <p:cNvPr id="271" name="Google Shape;271;p18"/>
+          <p:cNvPr id="314" name="Google Shape;314;p18"/>
           <p:cNvPicPr preferRelativeResize="0"/>
           <p:nvPr/>
         </p:nvPicPr>
@@ -20897,7 +24418,7 @@
       </p:pic>
       <p:sp>
         <p:nvSpPr>
-          <p:cNvPr id="272" name="Google Shape;272;p18"/>
+          <p:cNvPr id="315" name="Google Shape;315;p18"/>
           <p:cNvSpPr txBox="1"/>
           <p:nvPr/>
         </p:nvSpPr>
@@ -20963,7 +24484,7 @@
       </p:sp>
       <p:sp>
         <p:nvSpPr>
-          <p:cNvPr id="273" name="Google Shape;273;p18"/>
+          <p:cNvPr id="316" name="Google Shape;316;p18"/>
           <p:cNvSpPr txBox="1"/>
           <p:nvPr/>
         </p:nvSpPr>
@@ -21029,7 +24550,7 @@
       </p:sp>
       <p:sp>
         <p:nvSpPr>
-          <p:cNvPr id="274" name="Google Shape;274;p18"/>
+          <p:cNvPr id="317" name="Google Shape;317;p18"/>
           <p:cNvSpPr txBox="1"/>
           <p:nvPr/>
         </p:nvSpPr>
@@ -21095,14 +24616,14 @@
       </p:sp>
       <p:sp>
         <p:nvSpPr>
-          <p:cNvPr id="275" name="Google Shape;275;p18"/>
+          <p:cNvPr id="318" name="Google Shape;318;p18"/>
           <p:cNvSpPr txBox="1"/>
           <p:nvPr/>
         </p:nvSpPr>
         <p:spPr>
           <a:xfrm>
-            <a:off x="3914451" y="9089409"/>
-            <a:ext cx="3981600" cy="793500"/>
+            <a:off x="3914450" y="9089400"/>
+            <a:ext cx="4506600" cy="793500"/>
           </a:xfrm>
           <a:prstGeom prst="rect">
             <a:avLst/>
@@ -21145,7 +24666,43 @@
                 <a:cs typeface="Proxima Nova"/>
                 <a:sym typeface="Proxima Nova"/>
               </a:rPr>
-              <a:t>Power Bank</a:t>
+              <a:t>P</a:t>
+            </a:r>
+            <a:r>
+              <a:rPr b="1" lang="en-US" sz="5156">
+                <a:solidFill>
+                  <a:srgbClr val="7ED957"/>
+                </a:solidFill>
+                <a:latin typeface="Proxima Nova"/>
+                <a:ea typeface="Proxima Nova"/>
+                <a:cs typeface="Proxima Nova"/>
+                <a:sym typeface="Proxima Nova"/>
+              </a:rPr>
+              <a:t>OWER</a:t>
+            </a:r>
+            <a:r>
+              <a:rPr b="1" i="0" lang="en-US" sz="5156" u="none" cap="none" strike="noStrike">
+                <a:solidFill>
+                  <a:srgbClr val="7ED957"/>
+                </a:solidFill>
+                <a:latin typeface="Proxima Nova"/>
+                <a:ea typeface="Proxima Nova"/>
+                <a:cs typeface="Proxima Nova"/>
+                <a:sym typeface="Proxima Nova"/>
+              </a:rPr>
+              <a:t> B</a:t>
+            </a:r>
+            <a:r>
+              <a:rPr b="1" lang="en-US" sz="5156">
+                <a:solidFill>
+                  <a:srgbClr val="7ED957"/>
+                </a:solidFill>
+                <a:latin typeface="Proxima Nova"/>
+                <a:ea typeface="Proxima Nova"/>
+                <a:cs typeface="Proxima Nova"/>
+                <a:sym typeface="Proxima Nova"/>
+              </a:rPr>
+              <a:t>ANK</a:t>
             </a:r>
             <a:endParaRPr b="0" i="0" sz="2100" u="none" cap="none" strike="noStrike">
               <a:solidFill>
@@ -21161,7 +24718,7 @@
       </p:sp>
       <p:sp>
         <p:nvSpPr>
-          <p:cNvPr id="276" name="Google Shape;276;p18"/>
+          <p:cNvPr id="319" name="Google Shape;319;p18"/>
           <p:cNvSpPr txBox="1"/>
           <p:nvPr/>
         </p:nvSpPr>
@@ -21227,7 +24784,7 @@
       </p:sp>
       <p:pic>
         <p:nvPicPr>
-          <p:cNvPr id="277" name="Google Shape;277;p18"/>
+          <p:cNvPr id="320" name="Google Shape;320;p18"/>
           <p:cNvPicPr preferRelativeResize="0"/>
           <p:nvPr/>
         </p:nvPicPr>
@@ -21260,12 +24817,12 @@
 </p:sld>
 </file>
 
-<file path=ppt/slides/slide14.xml><?xml version="1.0" encoding="utf-8"?>
+<file path=ppt/slides/slide17.xml><?xml version="1.0" encoding="utf-8"?>
 <p:sld xmlns:a="http://schemas.openxmlformats.org/drawingml/2006/main" xmlns:r="http://schemas.openxmlformats.org/officeDocument/2006/relationships" xmlns:mc="http://schemas.openxmlformats.org/markup-compatibility/2006" xmlns:mv="urn:schemas-microsoft-com:mac:vml" xmlns:p="http://schemas.openxmlformats.org/presentationml/2006/main" xmlns:c="http://schemas.openxmlformats.org/drawingml/2006/chart" xmlns:dgm="http://schemas.openxmlformats.org/drawingml/2006/diagram" xmlns:o="urn:schemas-microsoft-com:office:office" xmlns:v="urn:schemas-microsoft-com:vml" xmlns:pvml="urn:schemas-microsoft-com:office:powerpoint" xmlns:com="http://schemas.openxmlformats.org/drawingml/2006/compatibility" xmlns:p14="http://schemas.microsoft.com/office/powerpoint/2010/main" xmlns:p15="http://schemas.microsoft.com/office/powerpoint/2012/main" xmlns:ahyp="http://schemas.microsoft.com/office/drawing/2018/hyperlinkcolor">
   <p:cSld>
     <p:spTree>
       <p:nvGrpSpPr>
-        <p:cNvPr id="281" name="Shape 281"/>
+        <p:cNvPr id="324" name="Shape 324"/>
         <p:cNvGrpSpPr/>
         <p:nvPr/>
       </p:nvGrpSpPr>
@@ -21279,7 +24836,7 @@
       </p:grpSpPr>
       <p:sp>
         <p:nvSpPr>
-          <p:cNvPr id="282" name="Google Shape;282;g39fbb9a373c_0_24"/>
+          <p:cNvPr id="325" name="Google Shape;325;g39fbb9a373c_0_24"/>
           <p:cNvSpPr/>
           <p:nvPr/>
         </p:nvSpPr>
@@ -21326,7 +24883,7 @@
       </p:sp>
       <p:grpSp>
         <p:nvGrpSpPr>
-          <p:cNvPr id="283" name="Google Shape;283;g39fbb9a373c_0_24"/>
+          <p:cNvPr id="326" name="Google Shape;326;g39fbb9a373c_0_24"/>
           <p:cNvGrpSpPr/>
           <p:nvPr/>
         </p:nvGrpSpPr>
@@ -21340,7 +24897,7 @@
         </p:grpSpPr>
         <p:sp>
           <p:nvSpPr>
-            <p:cNvPr id="284" name="Google Shape;284;g39fbb9a373c_0_24"/>
+            <p:cNvPr id="327" name="Google Shape;327;g39fbb9a373c_0_24"/>
             <p:cNvSpPr/>
             <p:nvPr/>
           </p:nvSpPr>
@@ -21379,7 +24936,7 @@
         </p:sp>
         <p:sp>
           <p:nvSpPr>
-            <p:cNvPr id="285" name="Google Shape;285;g39fbb9a373c_0_24"/>
+            <p:cNvPr id="328" name="Google Shape;328;g39fbb9a373c_0_24"/>
             <p:cNvSpPr txBox="1"/>
             <p:nvPr/>
           </p:nvSpPr>
@@ -21437,7 +24994,7 @@
       </p:grpSp>
       <p:grpSp>
         <p:nvGrpSpPr>
-          <p:cNvPr id="286" name="Google Shape;286;g39fbb9a373c_0_24"/>
+          <p:cNvPr id="329" name="Google Shape;329;g39fbb9a373c_0_24"/>
           <p:cNvGrpSpPr/>
           <p:nvPr/>
         </p:nvGrpSpPr>
@@ -21451,7 +25008,7 @@
         </p:grpSpPr>
         <p:sp>
           <p:nvSpPr>
-            <p:cNvPr id="287" name="Google Shape;287;g39fbb9a373c_0_24"/>
+            <p:cNvPr id="330" name="Google Shape;330;g39fbb9a373c_0_24"/>
             <p:cNvSpPr/>
             <p:nvPr/>
           </p:nvSpPr>
@@ -21490,7 +25047,7 @@
         </p:sp>
         <p:sp>
           <p:nvSpPr>
-            <p:cNvPr id="288" name="Google Shape;288;g39fbb9a373c_0_24"/>
+            <p:cNvPr id="331" name="Google Shape;331;g39fbb9a373c_0_24"/>
             <p:cNvSpPr txBox="1"/>
             <p:nvPr/>
           </p:nvSpPr>
@@ -21548,14 +25105,14 @@
       </p:grpSp>
       <p:sp>
         <p:nvSpPr>
-          <p:cNvPr id="289" name="Google Shape;289;g39fbb9a373c_0_24"/>
+          <p:cNvPr id="332" name="Google Shape;332;g39fbb9a373c_0_24"/>
           <p:cNvSpPr txBox="1"/>
           <p:nvPr/>
         </p:nvSpPr>
         <p:spPr>
           <a:xfrm>
-            <a:off x="1096174" y="5155375"/>
-            <a:ext cx="5912100" cy="793500"/>
+            <a:off x="1096175" y="5155375"/>
+            <a:ext cx="5712900" cy="793500"/>
           </a:xfrm>
           <a:prstGeom prst="rect">
             <a:avLst/>
@@ -21614,13 +25171,13 @@
       </p:sp>
       <p:sp>
         <p:nvSpPr>
-          <p:cNvPr id="290" name="Google Shape;290;g39fbb9a373c_0_24"/>
+          <p:cNvPr id="333" name="Google Shape;333;g39fbb9a373c_0_24"/>
           <p:cNvSpPr txBox="1"/>
           <p:nvPr/>
         </p:nvSpPr>
         <p:spPr>
           <a:xfrm>
-            <a:off x="6809125" y="380350"/>
+            <a:off x="5795850" y="350975"/>
             <a:ext cx="6696300" cy="793500"/>
           </a:xfrm>
           <a:prstGeom prst="rect">
@@ -21680,7 +25237,7 @@
       </p:sp>
       <p:pic>
         <p:nvPicPr>
-          <p:cNvPr id="291" name="Google Shape;291;g39fbb9a373c_0_24"/>
+          <p:cNvPr id="334" name="Google Shape;334;g39fbb9a373c_0_24"/>
           <p:cNvPicPr preferRelativeResize="0"/>
           <p:nvPr/>
         </p:nvPicPr>
@@ -21713,12 +25270,12 @@
 </p:sld>
 </file>
 
-<file path=ppt/slides/slide15.xml><?xml version="1.0" encoding="utf-8"?>
+<file path=ppt/slides/slide18.xml><?xml version="1.0" encoding="utf-8"?>
 <p:sld xmlns:a="http://schemas.openxmlformats.org/drawingml/2006/main" xmlns:r="http://schemas.openxmlformats.org/officeDocument/2006/relationships" xmlns:mc="http://schemas.openxmlformats.org/markup-compatibility/2006" xmlns:mv="urn:schemas-microsoft-com:mac:vml" xmlns:p="http://schemas.openxmlformats.org/presentationml/2006/main" xmlns:c="http://schemas.openxmlformats.org/drawingml/2006/chart" xmlns:dgm="http://schemas.openxmlformats.org/drawingml/2006/diagram" xmlns:o="urn:schemas-microsoft-com:office:office" xmlns:v="urn:schemas-microsoft-com:vml" xmlns:pvml="urn:schemas-microsoft-com:office:powerpoint" xmlns:com="http://schemas.openxmlformats.org/drawingml/2006/compatibility" xmlns:p14="http://schemas.microsoft.com/office/powerpoint/2010/main" xmlns:p15="http://schemas.microsoft.com/office/powerpoint/2012/main" xmlns:ahyp="http://schemas.microsoft.com/office/drawing/2018/hyperlinkcolor">
   <p:cSld>
     <p:spTree>
       <p:nvGrpSpPr>
-        <p:cNvPr id="295" name="Shape 295"/>
+        <p:cNvPr id="338" name="Shape 338"/>
         <p:cNvGrpSpPr/>
         <p:nvPr/>
       </p:nvGrpSpPr>
@@ -21732,14 +25289,14 @@
       </p:grpSpPr>
       <p:sp>
         <p:nvSpPr>
-          <p:cNvPr id="296" name="Google Shape;296;p20"/>
+          <p:cNvPr id="339" name="Google Shape;339;p25"/>
           <p:cNvSpPr/>
           <p:nvPr/>
         </p:nvSpPr>
         <p:spPr>
           <a:xfrm>
-            <a:off x="14268725" y="7309176"/>
-            <a:ext cx="8163089" cy="4223758"/>
+            <a:off x="13017500" y="5859324"/>
+            <a:ext cx="9202028" cy="5500708"/>
           </a:xfrm>
           <a:custGeom>
             <a:rect b="b" l="l" r="r" t="t"/>
@@ -21779,13 +25336,13 @@
       </p:sp>
       <p:grpSp>
         <p:nvGrpSpPr>
-          <p:cNvPr id="297" name="Google Shape;297;p20"/>
+          <p:cNvPr id="340" name="Google Shape;340;p25"/>
           <p:cNvGrpSpPr/>
           <p:nvPr/>
         </p:nvGrpSpPr>
         <p:grpSpPr>
           <a:xfrm>
-            <a:off x="919199" y="-915527"/>
+            <a:off x="1234634" y="-915527"/>
             <a:ext cx="1660787" cy="1650512"/>
             <a:chOff x="0" y="-47625"/>
             <a:chExt cx="437406" cy="434700"/>
@@ -21793,7 +25350,7 @@
         </p:grpSpPr>
         <p:sp>
           <p:nvSpPr>
-            <p:cNvPr id="298" name="Google Shape;298;p20"/>
+            <p:cNvPr id="341" name="Google Shape;341;p25"/>
             <p:cNvSpPr/>
             <p:nvPr/>
           </p:nvSpPr>
@@ -21832,7 +25389,7 @@
         </p:sp>
         <p:sp>
           <p:nvSpPr>
-            <p:cNvPr id="299" name="Google Shape;299;p20"/>
+            <p:cNvPr id="342" name="Google Shape;342;p25"/>
             <p:cNvSpPr txBox="1"/>
             <p:nvPr/>
           </p:nvSpPr>
@@ -21890,13 +25447,13 @@
       </p:grpSp>
       <p:grpSp>
         <p:nvGrpSpPr>
-          <p:cNvPr id="300" name="Google Shape;300;p20"/>
+          <p:cNvPr id="343" name="Google Shape;343;p25"/>
           <p:cNvGrpSpPr/>
           <p:nvPr/>
         </p:nvGrpSpPr>
         <p:grpSpPr>
           <a:xfrm>
-            <a:off x="2664518" y="-915527"/>
+            <a:off x="2895428" y="-915527"/>
             <a:ext cx="489800" cy="1650512"/>
             <a:chOff x="0" y="-47625"/>
             <a:chExt cx="129000" cy="434700"/>
@@ -21904,7 +25461,7 @@
         </p:grpSpPr>
         <p:sp>
           <p:nvSpPr>
-            <p:cNvPr id="301" name="Google Shape;301;p20"/>
+            <p:cNvPr id="344" name="Google Shape;344;p25"/>
             <p:cNvSpPr/>
             <p:nvPr/>
           </p:nvSpPr>
@@ -21943,7 +25500,7 @@
         </p:sp>
         <p:sp>
           <p:nvSpPr>
-            <p:cNvPr id="302" name="Google Shape;302;p20"/>
+            <p:cNvPr id="345" name="Google Shape;345;p25"/>
             <p:cNvSpPr txBox="1"/>
             <p:nvPr/>
           </p:nvSpPr>
@@ -22001,14 +25558,14 @@
       </p:grpSp>
       <p:sp>
         <p:nvSpPr>
-          <p:cNvPr id="303" name="Google Shape;303;p20"/>
+          <p:cNvPr id="346" name="Google Shape;346;p25"/>
           <p:cNvSpPr txBox="1"/>
           <p:nvPr/>
         </p:nvSpPr>
         <p:spPr>
           <a:xfrm>
-            <a:off x="6110713" y="167800"/>
-            <a:ext cx="5100600" cy="815700"/>
+            <a:off x="4853100" y="257300"/>
+            <a:ext cx="8581800" cy="916800"/>
           </a:xfrm>
           <a:prstGeom prst="rect">
             <a:avLst/>
@@ -22037,12 +25594,12 @@
               <a:buClr>
                 <a:srgbClr val="000000"/>
               </a:buClr>
-              <a:buSzPts val="5300"/>
+              <a:buSzPts val="5956"/>
               <a:buFont typeface="Arial"/>
               <a:buNone/>
             </a:pPr>
             <a:r>
-              <a:rPr b="1" i="0" lang="en-US" sz="5300" u="none" cap="none" strike="noStrike">
+              <a:rPr b="1" i="0" lang="en-US" sz="5956" u="none" cap="none" strike="noStrike">
                 <a:solidFill>
                   <a:srgbClr val="7ED957"/>
                 </a:solidFill>
@@ -22051,9 +25608,9 @@
                 <a:cs typeface="Proxima Nova"/>
                 <a:sym typeface="Proxima Nova"/>
               </a:rPr>
-              <a:t>MOBILE -  Telas</a:t>
+              <a:t>PI - 4° Semestre -  DSM</a:t>
             </a:r>
-            <a:endParaRPr b="0" i="0" sz="5300" u="none" cap="none" strike="noStrike">
+            <a:endParaRPr b="0" i="0" sz="2900" u="none" cap="none" strike="noStrike">
               <a:solidFill>
                 <a:srgbClr val="000000"/>
               </a:solidFill>
@@ -22067,409 +25624,14 @@
       </p:sp>
       <p:sp>
         <p:nvSpPr>
-          <p:cNvPr id="304" name="Google Shape;304;p20"/>
-          <p:cNvSpPr/>
-          <p:nvPr/>
-        </p:nvSpPr>
-        <p:spPr>
-          <a:xfrm>
-            <a:off x="16127512" y="0"/>
-            <a:ext cx="1956256" cy="2936219"/>
-          </a:xfrm>
-          <a:custGeom>
-            <a:rect b="b" l="l" r="r" t="t"/>
-            <a:pathLst>
-              <a:path extrusionOk="0" h="2936219" w="1956256">
-                <a:moveTo>
-                  <a:pt x="0" y="0"/>
-                </a:moveTo>
-                <a:lnTo>
-                  <a:pt x="1956256" y="0"/>
-                </a:lnTo>
-                <a:lnTo>
-                  <a:pt x="1956256" y="2936219"/>
-                </a:lnTo>
-                <a:lnTo>
-                  <a:pt x="0" y="2936219"/>
-                </a:lnTo>
-                <a:lnTo>
-                  <a:pt x="0" y="0"/>
-                </a:lnTo>
-                <a:close/>
-              </a:path>
-            </a:pathLst>
-          </a:custGeom>
-          <a:blipFill rotWithShape="1">
-            <a:blip r:embed="rId4">
-              <a:alphaModFix/>
-            </a:blip>
-            <a:stretch>
-              <a:fillRect b="0" l="0" r="0" t="0"/>
-            </a:stretch>
-          </a:blipFill>
-          <a:ln>
-            <a:noFill/>
-          </a:ln>
-        </p:spPr>
-      </p:sp>
-      <p:pic>
-        <p:nvPicPr>
-          <p:cNvPr id="305" name="Google Shape;305;p20"/>
-          <p:cNvPicPr preferRelativeResize="0"/>
-          <p:nvPr/>
-        </p:nvPicPr>
-        <p:blipFill rotWithShape="1">
-          <a:blip r:embed="rId5">
-            <a:alphaModFix/>
-          </a:blip>
-          <a:srcRect b="0" l="0" r="0" t="2884"/>
-          <a:stretch/>
-        </p:blipFill>
-        <p:spPr>
-          <a:xfrm>
-            <a:off x="2829875" y="1216213"/>
-            <a:ext cx="5100600" cy="8779090"/>
-          </a:xfrm>
-          <a:prstGeom prst="rect">
-            <a:avLst/>
-          </a:prstGeom>
-          <a:noFill/>
-          <a:ln>
-            <a:noFill/>
-          </a:ln>
-        </p:spPr>
-      </p:pic>
-      <p:pic>
-        <p:nvPicPr>
-          <p:cNvPr id="306" name="Google Shape;306;p20"/>
-          <p:cNvPicPr preferRelativeResize="0"/>
-          <p:nvPr/>
-        </p:nvPicPr>
-        <p:blipFill rotWithShape="1">
-          <a:blip r:embed="rId6">
-            <a:alphaModFix/>
-          </a:blip>
-          <a:srcRect b="0" l="0" r="0" t="2572"/>
-          <a:stretch/>
-        </p:blipFill>
-        <p:spPr>
-          <a:xfrm>
-            <a:off x="9168125" y="1232517"/>
-            <a:ext cx="5100600" cy="8779089"/>
-          </a:xfrm>
-          <a:prstGeom prst="rect">
-            <a:avLst/>
-          </a:prstGeom>
-          <a:noFill/>
-          <a:ln>
-            <a:noFill/>
-          </a:ln>
-        </p:spPr>
-      </p:pic>
-    </p:spTree>
-  </p:cSld>
-  <p:clrMapOvr>
-    <a:masterClrMapping/>
-  </p:clrMapOvr>
-</p:sld>
-</file>
-
-<file path=ppt/slides/slide16.xml><?xml version="1.0" encoding="utf-8"?>
-<p:sld xmlns:a="http://schemas.openxmlformats.org/drawingml/2006/main" xmlns:r="http://schemas.openxmlformats.org/officeDocument/2006/relationships" xmlns:mc="http://schemas.openxmlformats.org/markup-compatibility/2006" xmlns:mv="urn:schemas-microsoft-com:mac:vml" xmlns:p="http://schemas.openxmlformats.org/presentationml/2006/main" xmlns:c="http://schemas.openxmlformats.org/drawingml/2006/chart" xmlns:dgm="http://schemas.openxmlformats.org/drawingml/2006/diagram" xmlns:o="urn:schemas-microsoft-com:office:office" xmlns:v="urn:schemas-microsoft-com:vml" xmlns:pvml="urn:schemas-microsoft-com:office:powerpoint" xmlns:com="http://schemas.openxmlformats.org/drawingml/2006/compatibility" xmlns:p14="http://schemas.microsoft.com/office/powerpoint/2010/main" xmlns:p15="http://schemas.microsoft.com/office/powerpoint/2012/main" xmlns:ahyp="http://schemas.microsoft.com/office/drawing/2018/hyperlinkcolor">
-  <p:cSld>
-    <p:spTree>
-      <p:nvGrpSpPr>
-        <p:cNvPr id="310" name="Shape 310"/>
-        <p:cNvGrpSpPr/>
-        <p:nvPr/>
-      </p:nvGrpSpPr>
-      <p:grpSpPr>
-        <a:xfrm>
-          <a:off x="0" y="0"/>
-          <a:ext cx="0" cy="0"/>
-          <a:chOff x="0" y="0"/>
-          <a:chExt cx="0" cy="0"/>
-        </a:xfrm>
-      </p:grpSpPr>
-      <p:sp>
-        <p:nvSpPr>
-          <p:cNvPr id="311" name="Google Shape;311;p21"/>
-          <p:cNvSpPr/>
-          <p:nvPr/>
-        </p:nvSpPr>
-        <p:spPr>
-          <a:xfrm>
-            <a:off x="13421598" y="6778974"/>
-            <a:ext cx="9023924" cy="4754183"/>
-          </a:xfrm>
-          <a:custGeom>
-            <a:rect b="b" l="l" r="r" t="t"/>
-            <a:pathLst>
-              <a:path extrusionOk="0" h="7858154" w="11873584">
-                <a:moveTo>
-                  <a:pt x="0" y="0"/>
-                </a:moveTo>
-                <a:lnTo>
-                  <a:pt x="11873584" y="0"/>
-                </a:lnTo>
-                <a:lnTo>
-                  <a:pt x="11873584" y="7858154"/>
-                </a:lnTo>
-                <a:lnTo>
-                  <a:pt x="0" y="7858154"/>
-                </a:lnTo>
-                <a:lnTo>
-                  <a:pt x="0" y="0"/>
-                </a:lnTo>
-                <a:close/>
-              </a:path>
-            </a:pathLst>
-          </a:custGeom>
-          <a:blipFill rotWithShape="1">
-            <a:blip r:embed="rId3">
-              <a:alphaModFix/>
-            </a:blip>
-            <a:stretch>
-              <a:fillRect b="0" l="0" r="0" t="0"/>
-            </a:stretch>
-          </a:blipFill>
-          <a:ln>
-            <a:noFill/>
-          </a:ln>
-        </p:spPr>
-      </p:sp>
-      <p:grpSp>
-        <p:nvGrpSpPr>
-          <p:cNvPr id="312" name="Google Shape;312;p21"/>
-          <p:cNvGrpSpPr/>
-          <p:nvPr/>
-        </p:nvGrpSpPr>
-        <p:grpSpPr>
-          <a:xfrm>
-            <a:off x="919199" y="-915527"/>
-            <a:ext cx="1660787" cy="1650512"/>
-            <a:chOff x="0" y="-47625"/>
-            <a:chExt cx="437406" cy="434700"/>
-          </a:xfrm>
-        </p:grpSpPr>
-        <p:sp>
-          <p:nvSpPr>
-            <p:cNvPr id="313" name="Google Shape;313;p21"/>
-            <p:cNvSpPr/>
-            <p:nvPr/>
-          </p:nvSpPr>
-          <p:spPr>
-            <a:xfrm>
-              <a:off x="0" y="0"/>
-              <a:ext cx="437406" cy="387002"/>
-            </a:xfrm>
-            <a:custGeom>
-              <a:rect b="b" l="l" r="r" t="t"/>
-              <a:pathLst>
-                <a:path extrusionOk="0" h="387002" w="437406">
-                  <a:moveTo>
-                    <a:pt x="0" y="0"/>
-                  </a:moveTo>
-                  <a:lnTo>
-                    <a:pt x="437406" y="0"/>
-                  </a:lnTo>
-                  <a:lnTo>
-                    <a:pt x="437406" y="387002"/>
-                  </a:lnTo>
-                  <a:lnTo>
-                    <a:pt x="0" y="387002"/>
-                  </a:lnTo>
-                  <a:close/>
-                </a:path>
-              </a:pathLst>
-            </a:custGeom>
-            <a:solidFill>
-              <a:srgbClr val="7ED957"/>
-            </a:solidFill>
-            <a:ln>
-              <a:noFill/>
-            </a:ln>
-          </p:spPr>
-        </p:sp>
-        <p:sp>
-          <p:nvSpPr>
-            <p:cNvPr id="314" name="Google Shape;314;p21"/>
-            <p:cNvSpPr txBox="1"/>
-            <p:nvPr/>
-          </p:nvSpPr>
-          <p:spPr>
-            <a:xfrm>
-              <a:off x="0" y="-47625"/>
-              <a:ext cx="437400" cy="434700"/>
-            </a:xfrm>
-            <a:prstGeom prst="rect">
-              <a:avLst/>
-            </a:prstGeom>
-            <a:noFill/>
-            <a:ln>
-              <a:noFill/>
-            </a:ln>
-          </p:spPr>
-          <p:txBody>
-            <a:bodyPr anchorCtr="0" anchor="ctr" bIns="50800" lIns="50800" spcFirstLastPara="1" rIns="50800" wrap="square" tIns="50800">
-              <a:noAutofit/>
-            </a:bodyPr>
-            <a:lstStyle/>
-            <a:p>
-              <a:pPr indent="0" lvl="0" marL="0" marR="0" rtl="0" algn="ctr">
-                <a:lnSpc>
-                  <a:spcPct val="147722"/>
-                </a:lnSpc>
-                <a:spcBef>
-                  <a:spcPts val="0"/>
-                </a:spcBef>
-                <a:spcAft>
-                  <a:spcPts val="0"/>
-                </a:spcAft>
-                <a:buClr>
-                  <a:srgbClr val="000000"/>
-                </a:buClr>
-                <a:buSzPts val="1800"/>
-                <a:buFont typeface="Arial"/>
-                <a:buNone/>
-              </a:pPr>
-              <a:r>
-                <a:t/>
-              </a:r>
-              <a:endParaRPr b="0" i="0" sz="1800" u="none" cap="none" strike="noStrike">
-                <a:solidFill>
-                  <a:schemeClr val="dk1"/>
-                </a:solidFill>
-                <a:latin typeface="Calibri"/>
-                <a:ea typeface="Calibri"/>
-                <a:cs typeface="Calibri"/>
-                <a:sym typeface="Calibri"/>
-              </a:endParaRPr>
-            </a:p>
-          </p:txBody>
-        </p:sp>
-      </p:grpSp>
-      <p:grpSp>
-        <p:nvGrpSpPr>
-          <p:cNvPr id="315" name="Google Shape;315;p21"/>
-          <p:cNvGrpSpPr/>
-          <p:nvPr/>
-        </p:nvGrpSpPr>
-        <p:grpSpPr>
-          <a:xfrm>
-            <a:off x="2664518" y="-915527"/>
-            <a:ext cx="489800" cy="1650512"/>
-            <a:chOff x="0" y="-47625"/>
-            <a:chExt cx="129000" cy="434700"/>
-          </a:xfrm>
-        </p:grpSpPr>
-        <p:sp>
-          <p:nvSpPr>
-            <p:cNvPr id="316" name="Google Shape;316;p21"/>
-            <p:cNvSpPr/>
-            <p:nvPr/>
-          </p:nvSpPr>
-          <p:spPr>
-            <a:xfrm>
-              <a:off x="0" y="0"/>
-              <a:ext cx="128975" cy="387002"/>
-            </a:xfrm>
-            <a:custGeom>
-              <a:rect b="b" l="l" r="r" t="t"/>
-              <a:pathLst>
-                <a:path extrusionOk="0" h="387002" w="128975">
-                  <a:moveTo>
-                    <a:pt x="0" y="0"/>
-                  </a:moveTo>
-                  <a:lnTo>
-                    <a:pt x="128975" y="0"/>
-                  </a:lnTo>
-                  <a:lnTo>
-                    <a:pt x="128975" y="387002"/>
-                  </a:lnTo>
-                  <a:lnTo>
-                    <a:pt x="0" y="387002"/>
-                  </a:lnTo>
-                  <a:close/>
-                </a:path>
-              </a:pathLst>
-            </a:custGeom>
-            <a:solidFill>
-              <a:srgbClr val="00BF63"/>
-            </a:solidFill>
-            <a:ln>
-              <a:noFill/>
-            </a:ln>
-          </p:spPr>
-        </p:sp>
-        <p:sp>
-          <p:nvSpPr>
-            <p:cNvPr id="317" name="Google Shape;317;p21"/>
-            <p:cNvSpPr txBox="1"/>
-            <p:nvPr/>
-          </p:nvSpPr>
-          <p:spPr>
-            <a:xfrm>
-              <a:off x="0" y="-47625"/>
-              <a:ext cx="129000" cy="434700"/>
-            </a:xfrm>
-            <a:prstGeom prst="rect">
-              <a:avLst/>
-            </a:prstGeom>
-            <a:noFill/>
-            <a:ln>
-              <a:noFill/>
-            </a:ln>
-          </p:spPr>
-          <p:txBody>
-            <a:bodyPr anchorCtr="0" anchor="ctr" bIns="50800" lIns="50800" spcFirstLastPara="1" rIns="50800" wrap="square" tIns="50800">
-              <a:noAutofit/>
-            </a:bodyPr>
-            <a:lstStyle/>
-            <a:p>
-              <a:pPr indent="0" lvl="0" marL="0" marR="0" rtl="0" algn="ctr">
-                <a:lnSpc>
-                  <a:spcPct val="147722"/>
-                </a:lnSpc>
-                <a:spcBef>
-                  <a:spcPts val="0"/>
-                </a:spcBef>
-                <a:spcAft>
-                  <a:spcPts val="0"/>
-                </a:spcAft>
-                <a:buClr>
-                  <a:srgbClr val="000000"/>
-                </a:buClr>
-                <a:buSzPts val="1800"/>
-                <a:buFont typeface="Arial"/>
-                <a:buNone/>
-              </a:pPr>
-              <a:r>
-                <a:t/>
-              </a:r>
-              <a:endParaRPr b="0" i="0" sz="1800" u="none" cap="none" strike="noStrike">
-                <a:solidFill>
-                  <a:schemeClr val="dk1"/>
-                </a:solidFill>
-                <a:latin typeface="Calibri"/>
-                <a:ea typeface="Calibri"/>
-                <a:cs typeface="Calibri"/>
-                <a:sym typeface="Calibri"/>
-              </a:endParaRPr>
-            </a:p>
-          </p:txBody>
-        </p:sp>
-      </p:grpSp>
-      <p:sp>
-        <p:nvSpPr>
-          <p:cNvPr id="318" name="Google Shape;318;p21"/>
+          <p:cNvPr id="347" name="Google Shape;347;p25"/>
           <p:cNvSpPr txBox="1"/>
           <p:nvPr/>
         </p:nvSpPr>
         <p:spPr>
           <a:xfrm>
-            <a:off x="8321000" y="340975"/>
-            <a:ext cx="1781400" cy="793500"/>
+            <a:off x="5459425" y="1318418"/>
+            <a:ext cx="6605700" cy="685800"/>
           </a:xfrm>
           <a:prstGeom prst="rect">
             <a:avLst/>
@@ -22498,12 +25660,12 @@
               <a:buClr>
                 <a:srgbClr val="000000"/>
               </a:buClr>
-              <a:buSzPts val="5156"/>
+              <a:buSzPts val="4456"/>
               <a:buFont typeface="Arial"/>
               <a:buNone/>
             </a:pPr>
             <a:r>
-              <a:rPr b="1" i="0" lang="en-US" sz="5156" u="none" cap="none" strike="noStrike">
+              <a:rPr b="1" i="0" lang="en-US" sz="4456" u="none" cap="none" strike="noStrike">
                 <a:solidFill>
                   <a:srgbClr val="7ED957"/>
                 </a:solidFill>
@@ -22512,9 +25674,9 @@
                 <a:cs typeface="Proxima Nova"/>
                 <a:sym typeface="Proxima Nova"/>
               </a:rPr>
-              <a:t>WEB</a:t>
+              <a:t>MOCHILA INTELIGENTE</a:t>
             </a:r>
-            <a:endParaRPr b="0" i="0" sz="2100" u="none" cap="none" strike="noStrike">
+            <a:endParaRPr b="0" i="0" sz="1400" u="none" cap="none" strike="noStrike">
               <a:solidFill>
                 <a:srgbClr val="000000"/>
               </a:solidFill>
@@ -22528,14 +25690,14 @@
       </p:sp>
       <p:sp>
         <p:nvSpPr>
-          <p:cNvPr id="319" name="Google Shape;319;p21"/>
+          <p:cNvPr id="348" name="Google Shape;348;p25"/>
           <p:cNvSpPr txBox="1"/>
           <p:nvPr/>
         </p:nvSpPr>
         <p:spPr>
           <a:xfrm>
-            <a:off x="919200" y="1520400"/>
-            <a:ext cx="15208200" cy="9138300"/>
+            <a:off x="1234625" y="3429000"/>
+            <a:ext cx="9523500" cy="4184400"/>
           </a:xfrm>
           <a:prstGeom prst="rect">
             <a:avLst/>
@@ -22551,900 +25713,209 @@
           </a:bodyPr>
           <a:lstStyle/>
           <a:p>
-            <a:pPr indent="0" lvl="0" marL="0" marR="0" rtl="0" algn="l">
-              <a:lnSpc>
-                <a:spcPct val="105008"/>
-              </a:lnSpc>
-              <a:spcBef>
-                <a:spcPts val="0"/>
-              </a:spcBef>
-              <a:spcAft>
-                <a:spcPts val="0"/>
-              </a:spcAft>
-              <a:buClr>
-                <a:srgbClr val="000000"/>
-              </a:buClr>
-              <a:buSzPts val="1100"/>
-              <a:buFont typeface="Arial"/>
-              <a:buNone/>
+            <a:pPr indent="-457200" lvl="0" marL="457200" marR="0" rtl="0" algn="l">
+              <a:lnSpc>
+                <a:spcPct val="104994"/>
+              </a:lnSpc>
+              <a:spcBef>
+                <a:spcPts val="0"/>
+              </a:spcBef>
+              <a:spcAft>
+                <a:spcPts val="0"/>
+              </a:spcAft>
+              <a:buClr>
+                <a:srgbClr val="00BF63"/>
+              </a:buClr>
+              <a:buSzPts val="4664"/>
+              <a:buFont typeface="Proxima Nova"/>
+              <a:buChar char="-"/>
             </a:pPr>
             <a:r>
-              <a:rPr b="1" i="0" lang="en-US" sz="3000" u="none" cap="none" strike="noStrike">
+              <a:rPr b="1" i="0" lang="en-US" sz="4664" u="none" cap="none" strike="noStrike">
                 <a:solidFill>
                   <a:srgbClr val="00BF63"/>
-                </a:solidFill>
-                <a:latin typeface="Raleway"/>
-                <a:ea typeface="Raleway"/>
-                <a:cs typeface="Raleway"/>
-                <a:sym typeface="Raleway"/>
-              </a:rPr>
-              <a:t>Quando se fala do desenvolvimento web, o framework utilizado é o Next.js (um framework JavaScript), que torna fácil a integração com a API, que é  baseada em Node.js. </a:t>
-            </a:r>
-            <a:endParaRPr b="1" i="0" sz="3000" u="none" cap="none" strike="noStrike">
-              <a:solidFill>
-                <a:srgbClr val="00BF63"/>
-              </a:solidFill>
-              <a:latin typeface="Raleway"/>
-              <a:ea typeface="Raleway"/>
-              <a:cs typeface="Raleway"/>
-              <a:sym typeface="Raleway"/>
-            </a:endParaRPr>
-          </a:p>
-          <a:p>
-            <a:pPr indent="0" lvl="0" marL="0" marR="0" rtl="0" algn="l">
-              <a:lnSpc>
-                <a:spcPct val="105008"/>
-              </a:lnSpc>
-              <a:spcBef>
-                <a:spcPts val="0"/>
-              </a:spcBef>
-              <a:spcAft>
-                <a:spcPts val="0"/>
-              </a:spcAft>
-              <a:buClr>
-                <a:srgbClr val="000000"/>
-              </a:buClr>
-              <a:buSzPts val="1100"/>
-              <a:buFont typeface="Arial"/>
-              <a:buNone/>
-            </a:pPr>
-            <a:r>
-              <a:t/>
-            </a:r>
-            <a:endParaRPr b="1" i="0" sz="3000" u="none" cap="none" strike="noStrike">
-              <a:solidFill>
-                <a:srgbClr val="00BF63"/>
-              </a:solidFill>
-              <a:latin typeface="Raleway"/>
-              <a:ea typeface="Raleway"/>
-              <a:cs typeface="Raleway"/>
-              <a:sym typeface="Raleway"/>
-            </a:endParaRPr>
-          </a:p>
-          <a:p>
-            <a:pPr indent="0" lvl="0" marL="0" marR="0" rtl="0" algn="l">
-              <a:lnSpc>
-                <a:spcPct val="105008"/>
-              </a:lnSpc>
-              <a:spcBef>
-                <a:spcPts val="0"/>
-              </a:spcBef>
-              <a:spcAft>
-                <a:spcPts val="0"/>
-              </a:spcAft>
-              <a:buClr>
-                <a:schemeClr val="dk1"/>
-              </a:buClr>
-              <a:buSzPts val="1100"/>
-              <a:buFont typeface="Arial"/>
-              <a:buNone/>
-            </a:pPr>
-            <a:r>
-              <a:rPr b="1" i="0" lang="en-US" sz="3000" u="none" cap="none" strike="noStrike">
-                <a:solidFill>
-                  <a:srgbClr val="00BF63"/>
-                </a:solidFill>
-                <a:latin typeface="Raleway"/>
-                <a:ea typeface="Raleway"/>
-                <a:cs typeface="Raleway"/>
-                <a:sym typeface="Raleway"/>
-              </a:rPr>
-              <a:t>Ele foi escolhido principalmente pela facilidade em criar rotas, componentes reutilizáveis, ter renderização flexível, fora já ser otimizado para fontes, scripts e imagens, além de tornar todo o software web escalável, em caso de expansão. </a:t>
-            </a:r>
-            <a:endParaRPr b="1" i="0" sz="3000" u="none" cap="none" strike="noStrike">
-              <a:solidFill>
-                <a:srgbClr val="00BF63"/>
-              </a:solidFill>
-              <a:latin typeface="Raleway"/>
-              <a:ea typeface="Raleway"/>
-              <a:cs typeface="Raleway"/>
-              <a:sym typeface="Raleway"/>
-            </a:endParaRPr>
-          </a:p>
-          <a:p>
-            <a:pPr indent="0" lvl="0" marL="0" marR="0" rtl="0" algn="l">
-              <a:lnSpc>
-                <a:spcPct val="105008"/>
-              </a:lnSpc>
-              <a:spcBef>
-                <a:spcPts val="0"/>
-              </a:spcBef>
-              <a:spcAft>
-                <a:spcPts val="0"/>
-              </a:spcAft>
-              <a:buClr>
-                <a:schemeClr val="dk1"/>
-              </a:buClr>
-              <a:buSzPts val="1100"/>
-              <a:buFont typeface="Arial"/>
-              <a:buNone/>
-            </a:pPr>
-            <a:r>
-              <a:t/>
-            </a:r>
-            <a:endParaRPr b="1" i="0" sz="3000" u="none" cap="none" strike="noStrike">
-              <a:solidFill>
-                <a:srgbClr val="00BF63"/>
-              </a:solidFill>
-              <a:latin typeface="Raleway"/>
-              <a:ea typeface="Raleway"/>
-              <a:cs typeface="Raleway"/>
-              <a:sym typeface="Raleway"/>
-            </a:endParaRPr>
-          </a:p>
-          <a:p>
-            <a:pPr indent="0" lvl="0" marL="0" marR="0" rtl="0" algn="l">
-              <a:lnSpc>
-                <a:spcPct val="105008"/>
-              </a:lnSpc>
-              <a:spcBef>
-                <a:spcPts val="0"/>
-              </a:spcBef>
-              <a:spcAft>
-                <a:spcPts val="0"/>
-              </a:spcAft>
-              <a:buClr>
-                <a:srgbClr val="000000"/>
-              </a:buClr>
-              <a:buSzPts val="1100"/>
-              <a:buFont typeface="Arial"/>
-              <a:buNone/>
-            </a:pPr>
-            <a:r>
-              <a:rPr b="1" i="0" lang="en-US" sz="3000" u="none" cap="none" strike="noStrike">
-                <a:solidFill>
-                  <a:srgbClr val="00BF63"/>
-                </a:solidFill>
-                <a:latin typeface="Raleway"/>
-                <a:ea typeface="Raleway"/>
-                <a:cs typeface="Raleway"/>
-                <a:sym typeface="Raleway"/>
-              </a:rPr>
-              <a:t>Para alcançar nossos objetivos e melhorar a qualidade do programa web foram usadas algumas bibliotecas e dependências:</a:t>
-            </a:r>
-            <a:endParaRPr b="1" i="0" sz="3000" u="none" cap="none" strike="noStrike">
-              <a:solidFill>
-                <a:srgbClr val="00BF63"/>
-              </a:solidFill>
-              <a:latin typeface="Raleway"/>
-              <a:ea typeface="Raleway"/>
-              <a:cs typeface="Raleway"/>
-              <a:sym typeface="Raleway"/>
-            </a:endParaRPr>
-          </a:p>
-          <a:p>
-            <a:pPr indent="0" lvl="0" marL="0" marR="0" rtl="0" algn="l">
-              <a:lnSpc>
-                <a:spcPct val="105008"/>
-              </a:lnSpc>
-              <a:spcBef>
-                <a:spcPts val="0"/>
-              </a:spcBef>
-              <a:spcAft>
-                <a:spcPts val="0"/>
-              </a:spcAft>
-              <a:buClr>
-                <a:schemeClr val="dk1"/>
-              </a:buClr>
-              <a:buSzPts val="1100"/>
-              <a:buFont typeface="Arial"/>
-              <a:buNone/>
-            </a:pPr>
-            <a:r>
-              <a:t/>
-            </a:r>
-            <a:endParaRPr b="1" i="0" sz="3000" u="none" cap="none" strike="noStrike">
-              <a:solidFill>
-                <a:srgbClr val="00BF63"/>
-              </a:solidFill>
-              <a:latin typeface="Raleway"/>
-              <a:ea typeface="Raleway"/>
-              <a:cs typeface="Raleway"/>
-              <a:sym typeface="Raleway"/>
-            </a:endParaRPr>
-          </a:p>
-          <a:p>
-            <a:pPr indent="0" lvl="0" marL="0" marR="0" rtl="0" algn="l">
-              <a:lnSpc>
-                <a:spcPct val="105008"/>
-              </a:lnSpc>
-              <a:spcBef>
-                <a:spcPts val="0"/>
-              </a:spcBef>
-              <a:spcAft>
-                <a:spcPts val="0"/>
-              </a:spcAft>
-              <a:buClr>
-                <a:srgbClr val="000000"/>
-              </a:buClr>
-              <a:buSzPts val="1100"/>
-              <a:buFont typeface="Arial"/>
-              <a:buNone/>
-            </a:pPr>
-            <a:r>
-              <a:rPr b="1" i="0" lang="en-US" sz="2900" u="none" cap="none" strike="noStrike">
-                <a:solidFill>
-                  <a:srgbClr val="00BF63"/>
-                </a:solidFill>
-                <a:latin typeface="Raleway"/>
-                <a:ea typeface="Raleway"/>
-                <a:cs typeface="Raleway"/>
-                <a:sym typeface="Raleway"/>
-              </a:rPr>
-              <a:t>- Framer-motion (para gerar animações dinâmicas);</a:t>
-            </a:r>
-            <a:endParaRPr b="1" i="0" sz="2900" u="none" cap="none" strike="noStrike">
-              <a:solidFill>
-                <a:srgbClr val="00BF63"/>
-              </a:solidFill>
-              <a:latin typeface="Raleway"/>
-              <a:ea typeface="Raleway"/>
-              <a:cs typeface="Raleway"/>
-              <a:sym typeface="Raleway"/>
-            </a:endParaRPr>
-          </a:p>
-          <a:p>
-            <a:pPr indent="0" lvl="0" marL="0" marR="0" rtl="0" algn="l">
-              <a:lnSpc>
-                <a:spcPct val="105008"/>
-              </a:lnSpc>
-              <a:spcBef>
-                <a:spcPts val="0"/>
-              </a:spcBef>
-              <a:spcAft>
-                <a:spcPts val="0"/>
-              </a:spcAft>
-              <a:buClr>
-                <a:schemeClr val="dk1"/>
-              </a:buClr>
-              <a:buSzPts val="1100"/>
-              <a:buFont typeface="Arial"/>
-              <a:buNone/>
-            </a:pPr>
-            <a:r>
-              <a:t/>
-            </a:r>
-            <a:endParaRPr b="1" i="0" sz="2900" u="none" cap="none" strike="noStrike">
-              <a:solidFill>
-                <a:srgbClr val="00BF63"/>
-              </a:solidFill>
-              <a:latin typeface="Raleway"/>
-              <a:ea typeface="Raleway"/>
-              <a:cs typeface="Raleway"/>
-              <a:sym typeface="Raleway"/>
-            </a:endParaRPr>
-          </a:p>
-          <a:p>
-            <a:pPr indent="0" lvl="0" marL="0" marR="0" rtl="0" algn="l">
-              <a:lnSpc>
-                <a:spcPct val="105008"/>
-              </a:lnSpc>
-              <a:spcBef>
-                <a:spcPts val="0"/>
-              </a:spcBef>
-              <a:spcAft>
-                <a:spcPts val="0"/>
-              </a:spcAft>
-              <a:buClr>
-                <a:srgbClr val="000000"/>
-              </a:buClr>
-              <a:buSzPts val="1100"/>
-              <a:buFont typeface="Arial"/>
-              <a:buNone/>
-            </a:pPr>
-            <a:r>
-              <a:rPr b="1" i="0" lang="en-US" sz="2900" u="none" cap="none" strike="noStrike">
-                <a:solidFill>
-                  <a:srgbClr val="00BF63"/>
-                </a:solidFill>
-                <a:latin typeface="Raleway"/>
-                <a:ea typeface="Raleway"/>
-                <a:cs typeface="Raleway"/>
-                <a:sym typeface="Raleway"/>
-              </a:rPr>
-              <a:t>- Tailwind (framework de utilidades CSS);</a:t>
-            </a:r>
-            <a:endParaRPr b="1" i="0" sz="2900" u="none" cap="none" strike="noStrike">
-              <a:solidFill>
-                <a:srgbClr val="00BF63"/>
-              </a:solidFill>
-              <a:latin typeface="Raleway"/>
-              <a:ea typeface="Raleway"/>
-              <a:cs typeface="Raleway"/>
-              <a:sym typeface="Raleway"/>
-            </a:endParaRPr>
-          </a:p>
-          <a:p>
-            <a:pPr indent="0" lvl="0" marL="0" marR="0" rtl="0" algn="l">
-              <a:lnSpc>
-                <a:spcPct val="105008"/>
-              </a:lnSpc>
-              <a:spcBef>
-                <a:spcPts val="0"/>
-              </a:spcBef>
-              <a:spcAft>
-                <a:spcPts val="0"/>
-              </a:spcAft>
-              <a:buClr>
-                <a:schemeClr val="dk1"/>
-              </a:buClr>
-              <a:buSzPts val="1100"/>
-              <a:buFont typeface="Arial"/>
-              <a:buNone/>
-            </a:pPr>
-            <a:r>
-              <a:t/>
-            </a:r>
-            <a:endParaRPr b="1" i="0" sz="2900" u="none" cap="none" strike="noStrike">
-              <a:solidFill>
-                <a:srgbClr val="00BF63"/>
-              </a:solidFill>
-              <a:latin typeface="Raleway"/>
-              <a:ea typeface="Raleway"/>
-              <a:cs typeface="Raleway"/>
-              <a:sym typeface="Raleway"/>
-            </a:endParaRPr>
-          </a:p>
-          <a:p>
-            <a:pPr indent="0" lvl="0" marL="0" marR="0" rtl="0" algn="l">
-              <a:lnSpc>
-                <a:spcPct val="105008"/>
-              </a:lnSpc>
-              <a:spcBef>
-                <a:spcPts val="0"/>
-              </a:spcBef>
-              <a:spcAft>
-                <a:spcPts val="0"/>
-              </a:spcAft>
-              <a:buClr>
-                <a:srgbClr val="000000"/>
-              </a:buClr>
-              <a:buSzPts val="1100"/>
-              <a:buFont typeface="Arial"/>
-              <a:buNone/>
-            </a:pPr>
-            <a:r>
-              <a:rPr b="1" i="0" lang="en-US" sz="2900" u="none" cap="none" strike="noStrike">
-                <a:solidFill>
-                  <a:srgbClr val="00BF63"/>
-                </a:solidFill>
-                <a:latin typeface="Raleway"/>
-                <a:ea typeface="Raleway"/>
-                <a:cs typeface="Raleway"/>
-                <a:sym typeface="Raleway"/>
-              </a:rPr>
-              <a:t>- ESLint (usado para encontrar erros no código);</a:t>
-            </a:r>
-            <a:endParaRPr b="1" i="0" sz="2900" u="none" cap="none" strike="noStrike">
-              <a:solidFill>
-                <a:srgbClr val="00BF63"/>
-              </a:solidFill>
-              <a:latin typeface="Raleway"/>
-              <a:ea typeface="Raleway"/>
-              <a:cs typeface="Raleway"/>
-              <a:sym typeface="Raleway"/>
-            </a:endParaRPr>
-          </a:p>
-          <a:p>
-            <a:pPr indent="0" lvl="0" marL="0" marR="0" rtl="0" algn="l">
-              <a:lnSpc>
-                <a:spcPct val="105008"/>
-              </a:lnSpc>
-              <a:spcBef>
-                <a:spcPts val="0"/>
-              </a:spcBef>
-              <a:spcAft>
-                <a:spcPts val="0"/>
-              </a:spcAft>
-              <a:buClr>
-                <a:schemeClr val="dk1"/>
-              </a:buClr>
-              <a:buSzPts val="1100"/>
-              <a:buFont typeface="Arial"/>
-              <a:buNone/>
-            </a:pPr>
-            <a:r>
-              <a:t/>
-            </a:r>
-            <a:endParaRPr b="1" i="0" sz="2900" u="none" cap="none" strike="noStrike">
-              <a:solidFill>
-                <a:srgbClr val="00BF63"/>
-              </a:solidFill>
-              <a:latin typeface="Raleway"/>
-              <a:ea typeface="Raleway"/>
-              <a:cs typeface="Raleway"/>
-              <a:sym typeface="Raleway"/>
-            </a:endParaRPr>
-          </a:p>
-          <a:p>
-            <a:pPr indent="0" lvl="0" marL="0" marR="0" rtl="0" algn="l">
-              <a:lnSpc>
-                <a:spcPct val="105008"/>
-              </a:lnSpc>
-              <a:spcBef>
-                <a:spcPts val="0"/>
-              </a:spcBef>
-              <a:spcAft>
-                <a:spcPts val="0"/>
-              </a:spcAft>
-              <a:buClr>
-                <a:schemeClr val="dk1"/>
-              </a:buClr>
-              <a:buSzPts val="1100"/>
-              <a:buFont typeface="Arial"/>
-              <a:buNone/>
-            </a:pPr>
-            <a:r>
-              <a:rPr b="1" i="0" lang="en-US" sz="2900" u="none" cap="none" strike="noStrike">
-                <a:solidFill>
-                  <a:srgbClr val="00BF63"/>
-                </a:solidFill>
-                <a:latin typeface="Raleway"/>
-                <a:ea typeface="Raleway"/>
-                <a:cs typeface="Raleway"/>
-                <a:sym typeface="Raleway"/>
-              </a:rPr>
-              <a:t>- Entre outras;</a:t>
-            </a:r>
-            <a:endParaRPr b="1" i="0" sz="2900" u="none" cap="none" strike="noStrike">
-              <a:solidFill>
-                <a:srgbClr val="00BF63"/>
-              </a:solidFill>
-              <a:latin typeface="Raleway"/>
-              <a:ea typeface="Raleway"/>
-              <a:cs typeface="Raleway"/>
-              <a:sym typeface="Raleway"/>
-            </a:endParaRPr>
-          </a:p>
-          <a:p>
-            <a:pPr indent="0" lvl="0" marL="0" marR="0" rtl="0" algn="l">
-              <a:lnSpc>
-                <a:spcPct val="105008"/>
-              </a:lnSpc>
-              <a:spcBef>
-                <a:spcPts val="0"/>
-              </a:spcBef>
-              <a:spcAft>
-                <a:spcPts val="0"/>
-              </a:spcAft>
-              <a:buClr>
-                <a:srgbClr val="000000"/>
-              </a:buClr>
-              <a:buSzPts val="3400"/>
-              <a:buFont typeface="Arial"/>
-              <a:buNone/>
-            </a:pPr>
-            <a:r>
-              <a:t/>
-            </a:r>
-            <a:endParaRPr b="1" i="0" sz="3400" u="none" cap="none" strike="noStrike">
-              <a:solidFill>
-                <a:srgbClr val="00BF63"/>
-              </a:solidFill>
-              <a:latin typeface="Raleway"/>
-              <a:ea typeface="Raleway"/>
-              <a:cs typeface="Raleway"/>
-              <a:sym typeface="Raleway"/>
-            </a:endParaRPr>
-          </a:p>
-        </p:txBody>
-      </p:sp>
-      <p:sp>
-        <p:nvSpPr>
-          <p:cNvPr id="320" name="Google Shape;320;p21"/>
-          <p:cNvSpPr/>
-          <p:nvPr/>
-        </p:nvSpPr>
-        <p:spPr>
-          <a:xfrm>
-            <a:off x="16127512" y="0"/>
-            <a:ext cx="1956256" cy="2936219"/>
-          </a:xfrm>
-          <a:custGeom>
-            <a:rect b="b" l="l" r="r" t="t"/>
-            <a:pathLst>
-              <a:path extrusionOk="0" h="2936219" w="1956256">
-                <a:moveTo>
-                  <a:pt x="0" y="0"/>
-                </a:moveTo>
-                <a:lnTo>
-                  <a:pt x="1956256" y="0"/>
-                </a:lnTo>
-                <a:lnTo>
-                  <a:pt x="1956256" y="2936219"/>
-                </a:lnTo>
-                <a:lnTo>
-                  <a:pt x="0" y="2936219"/>
-                </a:lnTo>
-                <a:lnTo>
-                  <a:pt x="0" y="0"/>
-                </a:lnTo>
-                <a:close/>
-              </a:path>
-            </a:pathLst>
-          </a:custGeom>
-          <a:blipFill rotWithShape="1">
-            <a:blip r:embed="rId4">
-              <a:alphaModFix/>
-            </a:blip>
-            <a:stretch>
-              <a:fillRect b="0" l="0" r="0" t="0"/>
-            </a:stretch>
-          </a:blipFill>
-          <a:ln>
-            <a:noFill/>
-          </a:ln>
-        </p:spPr>
-      </p:sp>
-    </p:spTree>
-  </p:cSld>
-  <p:clrMapOvr>
-    <a:masterClrMapping/>
-  </p:clrMapOvr>
-</p:sld>
-</file>
-
-<file path=ppt/slides/slide17.xml><?xml version="1.0" encoding="utf-8"?>
-<p:sld xmlns:a="http://schemas.openxmlformats.org/drawingml/2006/main" xmlns:r="http://schemas.openxmlformats.org/officeDocument/2006/relationships" xmlns:mc="http://schemas.openxmlformats.org/markup-compatibility/2006" xmlns:mv="urn:schemas-microsoft-com:mac:vml" xmlns:p="http://schemas.openxmlformats.org/presentationml/2006/main" xmlns:c="http://schemas.openxmlformats.org/drawingml/2006/chart" xmlns:dgm="http://schemas.openxmlformats.org/drawingml/2006/diagram" xmlns:o="urn:schemas-microsoft-com:office:office" xmlns:v="urn:schemas-microsoft-com:vml" xmlns:pvml="urn:schemas-microsoft-com:office:powerpoint" xmlns:com="http://schemas.openxmlformats.org/drawingml/2006/compatibility" xmlns:p14="http://schemas.microsoft.com/office/powerpoint/2010/main" xmlns:p15="http://schemas.microsoft.com/office/powerpoint/2012/main" xmlns:ahyp="http://schemas.microsoft.com/office/drawing/2018/hyperlinkcolor">
-  <p:cSld>
-    <p:spTree>
-      <p:nvGrpSpPr>
-        <p:cNvPr id="324" name="Shape 324"/>
-        <p:cNvGrpSpPr/>
-        <p:nvPr/>
-      </p:nvGrpSpPr>
-      <p:grpSpPr>
-        <a:xfrm>
-          <a:off x="0" y="0"/>
-          <a:ext cx="0" cy="0"/>
-          <a:chOff x="0" y="0"/>
-          <a:chExt cx="0" cy="0"/>
-        </a:xfrm>
-      </p:grpSpPr>
-      <p:sp>
-        <p:nvSpPr>
-          <p:cNvPr id="325" name="Google Shape;325;p22"/>
-          <p:cNvSpPr/>
-          <p:nvPr/>
-        </p:nvSpPr>
-        <p:spPr>
-          <a:xfrm>
-            <a:off x="13421598" y="6778974"/>
-            <a:ext cx="9023924" cy="4754183"/>
-          </a:xfrm>
-          <a:custGeom>
-            <a:rect b="b" l="l" r="r" t="t"/>
-            <a:pathLst>
-              <a:path extrusionOk="0" h="7858154" w="11873584">
-                <a:moveTo>
-                  <a:pt x="0" y="0"/>
-                </a:moveTo>
-                <a:lnTo>
-                  <a:pt x="11873584" y="0"/>
-                </a:lnTo>
-                <a:lnTo>
-                  <a:pt x="11873584" y="7858154"/>
-                </a:lnTo>
-                <a:lnTo>
-                  <a:pt x="0" y="7858154"/>
-                </a:lnTo>
-                <a:lnTo>
-                  <a:pt x="0" y="0"/>
-                </a:lnTo>
-                <a:close/>
-              </a:path>
-            </a:pathLst>
-          </a:custGeom>
-          <a:blipFill rotWithShape="1">
-            <a:blip r:embed="rId3">
-              <a:alphaModFix/>
-            </a:blip>
-            <a:stretch>
-              <a:fillRect b="0" l="0" r="0" t="0"/>
-            </a:stretch>
-          </a:blipFill>
-          <a:ln>
-            <a:noFill/>
-          </a:ln>
-        </p:spPr>
-      </p:sp>
-      <p:grpSp>
-        <p:nvGrpSpPr>
-          <p:cNvPr id="326" name="Google Shape;326;p22"/>
-          <p:cNvGrpSpPr/>
-          <p:nvPr/>
-        </p:nvGrpSpPr>
-        <p:grpSpPr>
-          <a:xfrm>
-            <a:off x="919199" y="-915527"/>
-            <a:ext cx="1660787" cy="1650512"/>
-            <a:chOff x="0" y="-47625"/>
-            <a:chExt cx="437406" cy="434700"/>
-          </a:xfrm>
-        </p:grpSpPr>
-        <p:sp>
-          <p:nvSpPr>
-            <p:cNvPr id="327" name="Google Shape;327;p22"/>
-            <p:cNvSpPr/>
-            <p:nvPr/>
-          </p:nvSpPr>
-          <p:spPr>
-            <a:xfrm>
-              <a:off x="0" y="0"/>
-              <a:ext cx="437406" cy="387002"/>
-            </a:xfrm>
-            <a:custGeom>
-              <a:rect b="b" l="l" r="r" t="t"/>
-              <a:pathLst>
-                <a:path extrusionOk="0" h="387002" w="437406">
-                  <a:moveTo>
-                    <a:pt x="0" y="0"/>
-                  </a:moveTo>
-                  <a:lnTo>
-                    <a:pt x="437406" y="0"/>
-                  </a:lnTo>
-                  <a:lnTo>
-                    <a:pt x="437406" y="387002"/>
-                  </a:lnTo>
-                  <a:lnTo>
-                    <a:pt x="0" y="387002"/>
-                  </a:lnTo>
-                  <a:close/>
-                </a:path>
-              </a:pathLst>
-            </a:custGeom>
-            <a:solidFill>
-              <a:srgbClr val="7ED957"/>
-            </a:solidFill>
-            <a:ln>
-              <a:noFill/>
-            </a:ln>
-          </p:spPr>
-        </p:sp>
-        <p:sp>
-          <p:nvSpPr>
-            <p:cNvPr id="328" name="Google Shape;328;p22"/>
-            <p:cNvSpPr txBox="1"/>
-            <p:nvPr/>
-          </p:nvSpPr>
-          <p:spPr>
-            <a:xfrm>
-              <a:off x="0" y="-47625"/>
-              <a:ext cx="437400" cy="434700"/>
-            </a:xfrm>
-            <a:prstGeom prst="rect">
-              <a:avLst/>
-            </a:prstGeom>
-            <a:noFill/>
-            <a:ln>
-              <a:noFill/>
-            </a:ln>
-          </p:spPr>
-          <p:txBody>
-            <a:bodyPr anchorCtr="0" anchor="ctr" bIns="50800" lIns="50800" spcFirstLastPara="1" rIns="50800" wrap="square" tIns="50800">
-              <a:noAutofit/>
-            </a:bodyPr>
-            <a:lstStyle/>
-            <a:p>
-              <a:pPr indent="0" lvl="0" marL="0" marR="0" rtl="0" algn="ctr">
-                <a:lnSpc>
-                  <a:spcPct val="147722"/>
-                </a:lnSpc>
-                <a:spcBef>
-                  <a:spcPts val="0"/>
-                </a:spcBef>
-                <a:spcAft>
-                  <a:spcPts val="0"/>
-                </a:spcAft>
-                <a:buClr>
-                  <a:srgbClr val="000000"/>
-                </a:buClr>
-                <a:buSzPts val="1800"/>
-                <a:buFont typeface="Arial"/>
-                <a:buNone/>
-              </a:pPr>
-              <a:r>
-                <a:t/>
-              </a:r>
-              <a:endParaRPr b="0" i="0" sz="1800" u="none" cap="none" strike="noStrike">
-                <a:solidFill>
-                  <a:schemeClr val="dk1"/>
-                </a:solidFill>
-                <a:latin typeface="Calibri"/>
-                <a:ea typeface="Calibri"/>
-                <a:cs typeface="Calibri"/>
-                <a:sym typeface="Calibri"/>
-              </a:endParaRPr>
-            </a:p>
-          </p:txBody>
-        </p:sp>
-      </p:grpSp>
-      <p:grpSp>
-        <p:nvGrpSpPr>
-          <p:cNvPr id="329" name="Google Shape;329;p22"/>
-          <p:cNvGrpSpPr/>
-          <p:nvPr/>
-        </p:nvGrpSpPr>
-        <p:grpSpPr>
-          <a:xfrm>
-            <a:off x="2664518" y="-915527"/>
-            <a:ext cx="489800" cy="1650512"/>
-            <a:chOff x="0" y="-47625"/>
-            <a:chExt cx="129000" cy="434700"/>
-          </a:xfrm>
-        </p:grpSpPr>
-        <p:sp>
-          <p:nvSpPr>
-            <p:cNvPr id="330" name="Google Shape;330;p22"/>
-            <p:cNvSpPr/>
-            <p:nvPr/>
-          </p:nvSpPr>
-          <p:spPr>
-            <a:xfrm>
-              <a:off x="0" y="0"/>
-              <a:ext cx="128975" cy="387002"/>
-            </a:xfrm>
-            <a:custGeom>
-              <a:rect b="b" l="l" r="r" t="t"/>
-              <a:pathLst>
-                <a:path extrusionOk="0" h="387002" w="128975">
-                  <a:moveTo>
-                    <a:pt x="0" y="0"/>
-                  </a:moveTo>
-                  <a:lnTo>
-                    <a:pt x="128975" y="0"/>
-                  </a:lnTo>
-                  <a:lnTo>
-                    <a:pt x="128975" y="387002"/>
-                  </a:lnTo>
-                  <a:lnTo>
-                    <a:pt x="0" y="387002"/>
-                  </a:lnTo>
-                  <a:close/>
-                </a:path>
-              </a:pathLst>
-            </a:custGeom>
-            <a:solidFill>
-              <a:srgbClr val="00BF63"/>
-            </a:solidFill>
-            <a:ln>
-              <a:noFill/>
-            </a:ln>
-          </p:spPr>
-        </p:sp>
-        <p:sp>
-          <p:nvSpPr>
-            <p:cNvPr id="331" name="Google Shape;331;p22"/>
-            <p:cNvSpPr txBox="1"/>
-            <p:nvPr/>
-          </p:nvSpPr>
-          <p:spPr>
-            <a:xfrm>
-              <a:off x="0" y="-47625"/>
-              <a:ext cx="129000" cy="434700"/>
-            </a:xfrm>
-            <a:prstGeom prst="rect">
-              <a:avLst/>
-            </a:prstGeom>
-            <a:noFill/>
-            <a:ln>
-              <a:noFill/>
-            </a:ln>
-          </p:spPr>
-          <p:txBody>
-            <a:bodyPr anchorCtr="0" anchor="ctr" bIns="50800" lIns="50800" spcFirstLastPara="1" rIns="50800" wrap="square" tIns="50800">
-              <a:noAutofit/>
-            </a:bodyPr>
-            <a:lstStyle/>
-            <a:p>
-              <a:pPr indent="0" lvl="0" marL="0" marR="0" rtl="0" algn="ctr">
-                <a:lnSpc>
-                  <a:spcPct val="147722"/>
-                </a:lnSpc>
-                <a:spcBef>
-                  <a:spcPts val="0"/>
-                </a:spcBef>
-                <a:spcAft>
-                  <a:spcPts val="0"/>
-                </a:spcAft>
-                <a:buClr>
-                  <a:srgbClr val="000000"/>
-                </a:buClr>
-                <a:buSzPts val="1800"/>
-                <a:buFont typeface="Arial"/>
-                <a:buNone/>
-              </a:pPr>
-              <a:r>
-                <a:t/>
-              </a:r>
-              <a:endParaRPr b="0" i="0" sz="1800" u="none" cap="none" strike="noStrike">
-                <a:solidFill>
-                  <a:schemeClr val="dk1"/>
-                </a:solidFill>
-                <a:latin typeface="Calibri"/>
-                <a:ea typeface="Calibri"/>
-                <a:cs typeface="Calibri"/>
-                <a:sym typeface="Calibri"/>
-              </a:endParaRPr>
-            </a:p>
-          </p:txBody>
-        </p:sp>
-      </p:grpSp>
-      <p:sp>
-        <p:nvSpPr>
-          <p:cNvPr id="332" name="Google Shape;332;p22"/>
-          <p:cNvSpPr txBox="1"/>
-          <p:nvPr/>
-        </p:nvSpPr>
-        <p:spPr>
-          <a:xfrm>
-            <a:off x="7423988" y="254375"/>
-            <a:ext cx="3859500" cy="793500"/>
-          </a:xfrm>
-          <a:prstGeom prst="rect">
-            <a:avLst/>
-          </a:prstGeom>
-          <a:noFill/>
-          <a:ln>
-            <a:noFill/>
-          </a:ln>
-        </p:spPr>
-        <p:txBody>
-          <a:bodyPr anchorCtr="0" anchor="t" bIns="0" lIns="0" spcFirstLastPara="1" rIns="0" wrap="square" tIns="0">
-            <a:spAutoFit/>
-          </a:bodyPr>
-          <a:lstStyle/>
-          <a:p>
-            <a:pPr indent="0" lvl="0" marL="0" marR="0" rtl="0" algn="l">
-              <a:lnSpc>
-                <a:spcPct val="105004"/>
-              </a:lnSpc>
-              <a:spcBef>
-                <a:spcPts val="0"/>
-              </a:spcBef>
-              <a:spcAft>
-                <a:spcPts val="0"/>
-              </a:spcAft>
-              <a:buClr>
-                <a:srgbClr val="000000"/>
-              </a:buClr>
-              <a:buSzPts val="5156"/>
-              <a:buFont typeface="Arial"/>
-              <a:buNone/>
-            </a:pPr>
-            <a:r>
-              <a:rPr b="1" i="0" lang="en-US" sz="5156" u="none" cap="none" strike="noStrike">
-                <a:solidFill>
-                  <a:srgbClr val="7ED957"/>
                 </a:solidFill>
                 <a:latin typeface="Proxima Nova"/>
                 <a:ea typeface="Proxima Nova"/>
                 <a:cs typeface="Proxima Nova"/>
                 <a:sym typeface="Proxima Nova"/>
               </a:rPr>
-              <a:t>WEB - Telas</a:t>
+              <a:t>Claudio de Melo Junior</a:t>
             </a:r>
-            <a:endParaRPr b="0" i="0" sz="2100" u="none" cap="none" strike="noStrike">
+            <a:endParaRPr b="1" i="0" sz="4664" u="none" cap="none" strike="noStrike">
+              <a:solidFill>
+                <a:srgbClr val="00BF63"/>
+              </a:solidFill>
+              <a:latin typeface="Proxima Nova"/>
+              <a:ea typeface="Proxima Nova"/>
+              <a:cs typeface="Proxima Nova"/>
+              <a:sym typeface="Proxima Nova"/>
+            </a:endParaRPr>
+          </a:p>
+          <a:p>
+            <a:pPr indent="0" lvl="0" marL="0" marR="0" rtl="0" algn="l">
+              <a:lnSpc>
+                <a:spcPct val="104994"/>
+              </a:lnSpc>
+              <a:spcBef>
+                <a:spcPts val="0"/>
+              </a:spcBef>
+              <a:spcAft>
+                <a:spcPts val="0"/>
+              </a:spcAft>
+              <a:buClr>
+                <a:srgbClr val="000000"/>
+              </a:buClr>
+              <a:buSzPts val="4664"/>
+              <a:buFont typeface="Arial"/>
+              <a:buNone/>
+            </a:pPr>
+            <a:r>
+              <a:t/>
+            </a:r>
+            <a:endParaRPr b="1" i="0" sz="4664" u="none" cap="none" strike="noStrike">
+              <a:solidFill>
+                <a:srgbClr val="00BF63"/>
+              </a:solidFill>
+              <a:latin typeface="Proxima Nova"/>
+              <a:ea typeface="Proxima Nova"/>
+              <a:cs typeface="Proxima Nova"/>
+              <a:sym typeface="Proxima Nova"/>
+            </a:endParaRPr>
+          </a:p>
+          <a:p>
+            <a:pPr indent="-457200" lvl="0" marL="457200" marR="0" rtl="0" algn="l">
+              <a:lnSpc>
+                <a:spcPct val="104994"/>
+              </a:lnSpc>
+              <a:spcBef>
+                <a:spcPts val="0"/>
+              </a:spcBef>
+              <a:spcAft>
+                <a:spcPts val="0"/>
+              </a:spcAft>
+              <a:buClr>
+                <a:srgbClr val="00BF63"/>
+              </a:buClr>
+              <a:buSzPts val="4664"/>
+              <a:buFont typeface="Proxima Nova"/>
+              <a:buChar char="-"/>
+            </a:pPr>
+            <a:r>
+              <a:rPr b="1" i="0" lang="en-US" sz="4664" u="none" cap="none" strike="noStrike">
+                <a:solidFill>
+                  <a:srgbClr val="00BF63"/>
+                </a:solidFill>
+                <a:latin typeface="Proxima Nova"/>
+                <a:ea typeface="Proxima Nova"/>
+                <a:cs typeface="Proxima Nova"/>
+                <a:sym typeface="Proxima Nova"/>
+              </a:rPr>
+              <a:t>João Vitor Nicolau dos Santos</a:t>
+            </a:r>
+            <a:endParaRPr b="1" i="0" sz="4664" u="none" cap="none" strike="noStrike">
+              <a:solidFill>
+                <a:srgbClr val="00BF63"/>
+              </a:solidFill>
+              <a:latin typeface="Proxima Nova"/>
+              <a:ea typeface="Proxima Nova"/>
+              <a:cs typeface="Proxima Nova"/>
+              <a:sym typeface="Proxima Nova"/>
+            </a:endParaRPr>
+          </a:p>
+          <a:p>
+            <a:pPr indent="0" lvl="0" marL="0" marR="0" rtl="0" algn="l">
+              <a:lnSpc>
+                <a:spcPct val="104994"/>
+              </a:lnSpc>
+              <a:spcBef>
+                <a:spcPts val="0"/>
+              </a:spcBef>
+              <a:spcAft>
+                <a:spcPts val="0"/>
+              </a:spcAft>
+              <a:buClr>
+                <a:srgbClr val="000000"/>
+              </a:buClr>
+              <a:buSzPts val="4664"/>
+              <a:buFont typeface="Arial"/>
+              <a:buNone/>
+            </a:pPr>
+            <a:r>
+              <a:t/>
+            </a:r>
+            <a:endParaRPr b="1" i="0" sz="4664" u="none" cap="none" strike="noStrike">
+              <a:solidFill>
+                <a:srgbClr val="00BF63"/>
+              </a:solidFill>
+              <a:latin typeface="Proxima Nova"/>
+              <a:ea typeface="Proxima Nova"/>
+              <a:cs typeface="Proxima Nova"/>
+              <a:sym typeface="Proxima Nova"/>
+            </a:endParaRPr>
+          </a:p>
+          <a:p>
+            <a:pPr indent="-457200" lvl="0" marL="457200" marR="0" rtl="0" algn="l">
+              <a:lnSpc>
+                <a:spcPct val="104994"/>
+              </a:lnSpc>
+              <a:spcBef>
+                <a:spcPts val="0"/>
+              </a:spcBef>
+              <a:spcAft>
+                <a:spcPts val="0"/>
+              </a:spcAft>
+              <a:buClr>
+                <a:srgbClr val="00BF63"/>
+              </a:buClr>
+              <a:buSzPts val="4664"/>
+              <a:buFont typeface="Proxima Nova"/>
+              <a:buChar char="-"/>
+            </a:pPr>
+            <a:r>
+              <a:rPr b="1" i="0" lang="en-US" sz="4664" u="none" cap="none" strike="noStrike">
+                <a:solidFill>
+                  <a:srgbClr val="00BF63"/>
+                </a:solidFill>
+                <a:latin typeface="Proxima Nova"/>
+                <a:ea typeface="Proxima Nova"/>
+                <a:cs typeface="Proxima Nova"/>
+                <a:sym typeface="Proxima Nova"/>
+              </a:rPr>
+              <a:t>Luís Pedro Dutra Carrocini</a:t>
+            </a:r>
+            <a:endParaRPr b="0" i="0" sz="2700" u="none" cap="none" strike="noStrike">
+              <a:solidFill>
+                <a:srgbClr val="000000"/>
+              </a:solidFill>
+              <a:latin typeface="Arial"/>
+              <a:ea typeface="Arial"/>
+              <a:cs typeface="Arial"/>
+              <a:sym typeface="Arial"/>
+            </a:endParaRPr>
+          </a:p>
+          <a:p>
+            <a:pPr indent="0" lvl="0" marL="0" marR="0" rtl="0" algn="l">
+              <a:lnSpc>
+                <a:spcPct val="104994"/>
+              </a:lnSpc>
+              <a:spcBef>
+                <a:spcPts val="0"/>
+              </a:spcBef>
+              <a:spcAft>
+                <a:spcPts val="0"/>
+              </a:spcAft>
+              <a:buClr>
+                <a:srgbClr val="000000"/>
+              </a:buClr>
+              <a:buSzPts val="2700"/>
+              <a:buFont typeface="Arial"/>
+              <a:buNone/>
+            </a:pPr>
+            <a:r>
+              <a:t/>
+            </a:r>
+            <a:endParaRPr b="0" i="0" sz="2700" u="none" cap="none" strike="noStrike">
               <a:solidFill>
                 <a:srgbClr val="000000"/>
               </a:solidFill>
@@ -23456,70 +25927,23 @@
           </a:p>
         </p:txBody>
       </p:sp>
-      <p:sp>
-        <p:nvSpPr>
-          <p:cNvPr id="333" name="Google Shape;333;p22"/>
-          <p:cNvSpPr/>
-          <p:nvPr/>
-        </p:nvSpPr>
-        <p:spPr>
-          <a:xfrm>
-            <a:off x="16127512" y="0"/>
-            <a:ext cx="1956256" cy="2936219"/>
-          </a:xfrm>
-          <a:custGeom>
-            <a:rect b="b" l="l" r="r" t="t"/>
-            <a:pathLst>
-              <a:path extrusionOk="0" h="2936219" w="1956256">
-                <a:moveTo>
-                  <a:pt x="0" y="0"/>
-                </a:moveTo>
-                <a:lnTo>
-                  <a:pt x="1956256" y="0"/>
-                </a:lnTo>
-                <a:lnTo>
-                  <a:pt x="1956256" y="2936219"/>
-                </a:lnTo>
-                <a:lnTo>
-                  <a:pt x="0" y="2936219"/>
-                </a:lnTo>
-                <a:lnTo>
-                  <a:pt x="0" y="0"/>
-                </a:lnTo>
-                <a:close/>
-              </a:path>
-            </a:pathLst>
-          </a:custGeom>
-          <a:blipFill rotWithShape="1">
-            <a:blip r:embed="rId4">
-              <a:alphaModFix/>
-            </a:blip>
-            <a:stretch>
-              <a:fillRect b="0" l="0" r="0" t="0"/>
-            </a:stretch>
-          </a:blipFill>
-          <a:ln>
-            <a:noFill/>
-          </a:ln>
-        </p:spPr>
-      </p:sp>
       <p:pic>
         <p:nvPicPr>
-          <p:cNvPr id="334" name="Google Shape;334;p22"/>
+          <p:cNvPr id="349" name="Google Shape;349;p25"/>
           <p:cNvPicPr preferRelativeResize="0"/>
           <p:nvPr/>
         </p:nvPicPr>
         <p:blipFill rotWithShape="1">
-          <a:blip r:embed="rId5">
+          <a:blip r:embed="rId4">
             <a:alphaModFix/>
           </a:blip>
-          <a:srcRect b="0" l="0" r="0" t="0"/>
+          <a:srcRect b="11260" l="19519" r="19501" t="9775"/>
           <a:stretch/>
         </p:blipFill>
         <p:spPr>
           <a:xfrm>
-            <a:off x="209975" y="1353550"/>
-            <a:ext cx="8845951" cy="4961050"/>
+            <a:off x="11588875" y="2864000"/>
+            <a:ext cx="4327649" cy="5603871"/>
           </a:xfrm>
           <a:prstGeom prst="rect">
             <a:avLst/>
@@ -23530,1436 +25954,6 @@
           </a:ln>
         </p:spPr>
       </p:pic>
-      <p:pic>
-        <p:nvPicPr>
-          <p:cNvPr id="335" name="Google Shape;335;p22"/>
-          <p:cNvPicPr preferRelativeResize="0"/>
-          <p:nvPr/>
-        </p:nvPicPr>
-        <p:blipFill rotWithShape="1">
-          <a:blip r:embed="rId6">
-            <a:alphaModFix/>
-          </a:blip>
-          <a:srcRect b="0" l="0" r="0" t="921"/>
-          <a:stretch/>
-        </p:blipFill>
-        <p:spPr>
-          <a:xfrm>
-            <a:off x="9281000" y="4952220"/>
-            <a:ext cx="8845949" cy="4961055"/>
-          </a:xfrm>
-          <a:prstGeom prst="rect">
-            <a:avLst/>
-          </a:prstGeom>
-          <a:noFill/>
-          <a:ln>
-            <a:noFill/>
-          </a:ln>
-        </p:spPr>
-      </p:pic>
-    </p:spTree>
-  </p:cSld>
-  <p:clrMapOvr>
-    <a:masterClrMapping/>
-  </p:clrMapOvr>
-</p:sld>
-</file>
-
-<file path=ppt/slides/slide18.xml><?xml version="1.0" encoding="utf-8"?>
-<p:sld xmlns:a="http://schemas.openxmlformats.org/drawingml/2006/main" xmlns:r="http://schemas.openxmlformats.org/officeDocument/2006/relationships" xmlns:mc="http://schemas.openxmlformats.org/markup-compatibility/2006" xmlns:mv="urn:schemas-microsoft-com:mac:vml" xmlns:p="http://schemas.openxmlformats.org/presentationml/2006/main" xmlns:c="http://schemas.openxmlformats.org/drawingml/2006/chart" xmlns:dgm="http://schemas.openxmlformats.org/drawingml/2006/diagram" xmlns:o="urn:schemas-microsoft-com:office:office" xmlns:v="urn:schemas-microsoft-com:vml" xmlns:pvml="urn:schemas-microsoft-com:office:powerpoint" xmlns:com="http://schemas.openxmlformats.org/drawingml/2006/compatibility" xmlns:p14="http://schemas.microsoft.com/office/powerpoint/2010/main" xmlns:p15="http://schemas.microsoft.com/office/powerpoint/2012/main" xmlns:ahyp="http://schemas.microsoft.com/office/drawing/2018/hyperlinkcolor">
-  <p:cSld>
-    <p:spTree>
-      <p:nvGrpSpPr>
-        <p:cNvPr id="339" name="Shape 339"/>
-        <p:cNvGrpSpPr/>
-        <p:nvPr/>
-      </p:nvGrpSpPr>
-      <p:grpSpPr>
-        <a:xfrm>
-          <a:off x="0" y="0"/>
-          <a:ext cx="0" cy="0"/>
-          <a:chOff x="0" y="0"/>
-          <a:chExt cx="0" cy="0"/>
-        </a:xfrm>
-      </p:grpSpPr>
-      <p:sp>
-        <p:nvSpPr>
-          <p:cNvPr id="340" name="Google Shape;340;p23"/>
-          <p:cNvSpPr/>
-          <p:nvPr/>
-        </p:nvSpPr>
-        <p:spPr>
-          <a:xfrm>
-            <a:off x="14167175" y="7322051"/>
-            <a:ext cx="8281825" cy="4204112"/>
-          </a:xfrm>
-          <a:custGeom>
-            <a:rect b="b" l="l" r="r" t="t"/>
-            <a:pathLst>
-              <a:path extrusionOk="0" h="7858154" w="11873584">
-                <a:moveTo>
-                  <a:pt x="0" y="0"/>
-                </a:moveTo>
-                <a:lnTo>
-                  <a:pt x="11873584" y="0"/>
-                </a:lnTo>
-                <a:lnTo>
-                  <a:pt x="11873584" y="7858154"/>
-                </a:lnTo>
-                <a:lnTo>
-                  <a:pt x="0" y="7858154"/>
-                </a:lnTo>
-                <a:lnTo>
-                  <a:pt x="0" y="0"/>
-                </a:lnTo>
-                <a:close/>
-              </a:path>
-            </a:pathLst>
-          </a:custGeom>
-          <a:blipFill rotWithShape="1">
-            <a:blip r:embed="rId3">
-              <a:alphaModFix/>
-            </a:blip>
-            <a:stretch>
-              <a:fillRect b="0" l="0" r="0" t="0"/>
-            </a:stretch>
-          </a:blipFill>
-          <a:ln>
-            <a:noFill/>
-          </a:ln>
-        </p:spPr>
-      </p:sp>
-      <p:grpSp>
-        <p:nvGrpSpPr>
-          <p:cNvPr id="341" name="Google Shape;341;p23"/>
-          <p:cNvGrpSpPr/>
-          <p:nvPr/>
-        </p:nvGrpSpPr>
-        <p:grpSpPr>
-          <a:xfrm>
-            <a:off x="919199" y="-915527"/>
-            <a:ext cx="1660787" cy="1650512"/>
-            <a:chOff x="0" y="-47625"/>
-            <a:chExt cx="437406" cy="434700"/>
-          </a:xfrm>
-        </p:grpSpPr>
-        <p:sp>
-          <p:nvSpPr>
-            <p:cNvPr id="342" name="Google Shape;342;p23"/>
-            <p:cNvSpPr/>
-            <p:nvPr/>
-          </p:nvSpPr>
-          <p:spPr>
-            <a:xfrm>
-              <a:off x="0" y="0"/>
-              <a:ext cx="437406" cy="387002"/>
-            </a:xfrm>
-            <a:custGeom>
-              <a:rect b="b" l="l" r="r" t="t"/>
-              <a:pathLst>
-                <a:path extrusionOk="0" h="387002" w="437406">
-                  <a:moveTo>
-                    <a:pt x="0" y="0"/>
-                  </a:moveTo>
-                  <a:lnTo>
-                    <a:pt x="437406" y="0"/>
-                  </a:lnTo>
-                  <a:lnTo>
-                    <a:pt x="437406" y="387002"/>
-                  </a:lnTo>
-                  <a:lnTo>
-                    <a:pt x="0" y="387002"/>
-                  </a:lnTo>
-                  <a:close/>
-                </a:path>
-              </a:pathLst>
-            </a:custGeom>
-            <a:solidFill>
-              <a:srgbClr val="7ED957"/>
-            </a:solidFill>
-            <a:ln>
-              <a:noFill/>
-            </a:ln>
-          </p:spPr>
-        </p:sp>
-        <p:sp>
-          <p:nvSpPr>
-            <p:cNvPr id="343" name="Google Shape;343;p23"/>
-            <p:cNvSpPr txBox="1"/>
-            <p:nvPr/>
-          </p:nvSpPr>
-          <p:spPr>
-            <a:xfrm>
-              <a:off x="0" y="-47625"/>
-              <a:ext cx="437400" cy="434700"/>
-            </a:xfrm>
-            <a:prstGeom prst="rect">
-              <a:avLst/>
-            </a:prstGeom>
-            <a:noFill/>
-            <a:ln>
-              <a:noFill/>
-            </a:ln>
-          </p:spPr>
-          <p:txBody>
-            <a:bodyPr anchorCtr="0" anchor="ctr" bIns="50800" lIns="50800" spcFirstLastPara="1" rIns="50800" wrap="square" tIns="50800">
-              <a:noAutofit/>
-            </a:bodyPr>
-            <a:lstStyle/>
-            <a:p>
-              <a:pPr indent="0" lvl="0" marL="0" marR="0" rtl="0" algn="ctr">
-                <a:lnSpc>
-                  <a:spcPct val="147722"/>
-                </a:lnSpc>
-                <a:spcBef>
-                  <a:spcPts val="0"/>
-                </a:spcBef>
-                <a:spcAft>
-                  <a:spcPts val="0"/>
-                </a:spcAft>
-                <a:buClr>
-                  <a:srgbClr val="000000"/>
-                </a:buClr>
-                <a:buSzPts val="1800"/>
-                <a:buFont typeface="Arial"/>
-                <a:buNone/>
-              </a:pPr>
-              <a:r>
-                <a:t/>
-              </a:r>
-              <a:endParaRPr b="0" i="0" sz="1800" u="none" cap="none" strike="noStrike">
-                <a:solidFill>
-                  <a:schemeClr val="dk1"/>
-                </a:solidFill>
-                <a:latin typeface="Calibri"/>
-                <a:ea typeface="Calibri"/>
-                <a:cs typeface="Calibri"/>
-                <a:sym typeface="Calibri"/>
-              </a:endParaRPr>
-            </a:p>
-          </p:txBody>
-        </p:sp>
-      </p:grpSp>
-      <p:grpSp>
-        <p:nvGrpSpPr>
-          <p:cNvPr id="344" name="Google Shape;344;p23"/>
-          <p:cNvGrpSpPr/>
-          <p:nvPr/>
-        </p:nvGrpSpPr>
-        <p:grpSpPr>
-          <a:xfrm>
-            <a:off x="2664518" y="-915527"/>
-            <a:ext cx="489800" cy="1650512"/>
-            <a:chOff x="0" y="-47625"/>
-            <a:chExt cx="129000" cy="434700"/>
-          </a:xfrm>
-        </p:grpSpPr>
-        <p:sp>
-          <p:nvSpPr>
-            <p:cNvPr id="345" name="Google Shape;345;p23"/>
-            <p:cNvSpPr/>
-            <p:nvPr/>
-          </p:nvSpPr>
-          <p:spPr>
-            <a:xfrm>
-              <a:off x="0" y="0"/>
-              <a:ext cx="128975" cy="387002"/>
-            </a:xfrm>
-            <a:custGeom>
-              <a:rect b="b" l="l" r="r" t="t"/>
-              <a:pathLst>
-                <a:path extrusionOk="0" h="387002" w="128975">
-                  <a:moveTo>
-                    <a:pt x="0" y="0"/>
-                  </a:moveTo>
-                  <a:lnTo>
-                    <a:pt x="128975" y="0"/>
-                  </a:lnTo>
-                  <a:lnTo>
-                    <a:pt x="128975" y="387002"/>
-                  </a:lnTo>
-                  <a:lnTo>
-                    <a:pt x="0" y="387002"/>
-                  </a:lnTo>
-                  <a:close/>
-                </a:path>
-              </a:pathLst>
-            </a:custGeom>
-            <a:solidFill>
-              <a:srgbClr val="00BF63"/>
-            </a:solidFill>
-            <a:ln>
-              <a:noFill/>
-            </a:ln>
-          </p:spPr>
-        </p:sp>
-        <p:sp>
-          <p:nvSpPr>
-            <p:cNvPr id="346" name="Google Shape;346;p23"/>
-            <p:cNvSpPr txBox="1"/>
-            <p:nvPr/>
-          </p:nvSpPr>
-          <p:spPr>
-            <a:xfrm>
-              <a:off x="0" y="-47625"/>
-              <a:ext cx="129000" cy="434700"/>
-            </a:xfrm>
-            <a:prstGeom prst="rect">
-              <a:avLst/>
-            </a:prstGeom>
-            <a:noFill/>
-            <a:ln>
-              <a:noFill/>
-            </a:ln>
-          </p:spPr>
-          <p:txBody>
-            <a:bodyPr anchorCtr="0" anchor="ctr" bIns="50800" lIns="50800" spcFirstLastPara="1" rIns="50800" wrap="square" tIns="50800">
-              <a:noAutofit/>
-            </a:bodyPr>
-            <a:lstStyle/>
-            <a:p>
-              <a:pPr indent="0" lvl="0" marL="0" marR="0" rtl="0" algn="ctr">
-                <a:lnSpc>
-                  <a:spcPct val="147722"/>
-                </a:lnSpc>
-                <a:spcBef>
-                  <a:spcPts val="0"/>
-                </a:spcBef>
-                <a:spcAft>
-                  <a:spcPts val="0"/>
-                </a:spcAft>
-                <a:buClr>
-                  <a:srgbClr val="000000"/>
-                </a:buClr>
-                <a:buSzPts val="1800"/>
-                <a:buFont typeface="Arial"/>
-                <a:buNone/>
-              </a:pPr>
-              <a:r>
-                <a:t/>
-              </a:r>
-              <a:endParaRPr b="0" i="0" sz="1800" u="none" cap="none" strike="noStrike">
-                <a:solidFill>
-                  <a:schemeClr val="dk1"/>
-                </a:solidFill>
-                <a:latin typeface="Calibri"/>
-                <a:ea typeface="Calibri"/>
-                <a:cs typeface="Calibri"/>
-                <a:sym typeface="Calibri"/>
-              </a:endParaRPr>
-            </a:p>
-          </p:txBody>
-        </p:sp>
-      </p:grpSp>
-      <p:sp>
-        <p:nvSpPr>
-          <p:cNvPr id="347" name="Google Shape;347;p23"/>
-          <p:cNvSpPr txBox="1"/>
-          <p:nvPr/>
-        </p:nvSpPr>
-        <p:spPr>
-          <a:xfrm>
-            <a:off x="7423988" y="254375"/>
-            <a:ext cx="3859500" cy="793500"/>
-          </a:xfrm>
-          <a:prstGeom prst="rect">
-            <a:avLst/>
-          </a:prstGeom>
-          <a:noFill/>
-          <a:ln>
-            <a:noFill/>
-          </a:ln>
-        </p:spPr>
-        <p:txBody>
-          <a:bodyPr anchorCtr="0" anchor="t" bIns="0" lIns="0" spcFirstLastPara="1" rIns="0" wrap="square" tIns="0">
-            <a:spAutoFit/>
-          </a:bodyPr>
-          <a:lstStyle/>
-          <a:p>
-            <a:pPr indent="0" lvl="0" marL="0" marR="0" rtl="0" algn="l">
-              <a:lnSpc>
-                <a:spcPct val="105004"/>
-              </a:lnSpc>
-              <a:spcBef>
-                <a:spcPts val="0"/>
-              </a:spcBef>
-              <a:spcAft>
-                <a:spcPts val="0"/>
-              </a:spcAft>
-              <a:buClr>
-                <a:srgbClr val="000000"/>
-              </a:buClr>
-              <a:buSzPts val="5156"/>
-              <a:buFont typeface="Arial"/>
-              <a:buNone/>
-            </a:pPr>
-            <a:r>
-              <a:rPr b="1" i="0" lang="en-US" sz="5156" u="none" cap="none" strike="noStrike">
-                <a:solidFill>
-                  <a:srgbClr val="7ED957"/>
-                </a:solidFill>
-                <a:latin typeface="Proxima Nova"/>
-                <a:ea typeface="Proxima Nova"/>
-                <a:cs typeface="Proxima Nova"/>
-                <a:sym typeface="Proxima Nova"/>
-              </a:rPr>
-              <a:t>WEB - Telas</a:t>
-            </a:r>
-            <a:endParaRPr b="0" i="0" sz="2100" u="none" cap="none" strike="noStrike">
-              <a:solidFill>
-                <a:srgbClr val="000000"/>
-              </a:solidFill>
-              <a:latin typeface="Arial"/>
-              <a:ea typeface="Arial"/>
-              <a:cs typeface="Arial"/>
-              <a:sym typeface="Arial"/>
-            </a:endParaRPr>
-          </a:p>
-        </p:txBody>
-      </p:sp>
-      <p:sp>
-        <p:nvSpPr>
-          <p:cNvPr id="348" name="Google Shape;348;p23"/>
-          <p:cNvSpPr/>
-          <p:nvPr/>
-        </p:nvSpPr>
-        <p:spPr>
-          <a:xfrm>
-            <a:off x="17145003" y="0"/>
-            <a:ext cx="939003" cy="1233212"/>
-          </a:xfrm>
-          <a:custGeom>
-            <a:rect b="b" l="l" r="r" t="t"/>
-            <a:pathLst>
-              <a:path extrusionOk="0" h="2936219" w="1956256">
-                <a:moveTo>
-                  <a:pt x="0" y="0"/>
-                </a:moveTo>
-                <a:lnTo>
-                  <a:pt x="1956256" y="0"/>
-                </a:lnTo>
-                <a:lnTo>
-                  <a:pt x="1956256" y="2936219"/>
-                </a:lnTo>
-                <a:lnTo>
-                  <a:pt x="0" y="2936219"/>
-                </a:lnTo>
-                <a:lnTo>
-                  <a:pt x="0" y="0"/>
-                </a:lnTo>
-                <a:close/>
-              </a:path>
-            </a:pathLst>
-          </a:custGeom>
-          <a:blipFill rotWithShape="1">
-            <a:blip r:embed="rId4">
-              <a:alphaModFix/>
-            </a:blip>
-            <a:stretch>
-              <a:fillRect b="0" l="0" r="0" t="0"/>
-            </a:stretch>
-          </a:blipFill>
-          <a:ln>
-            <a:noFill/>
-          </a:ln>
-        </p:spPr>
-      </p:sp>
-      <p:pic>
-        <p:nvPicPr>
-          <p:cNvPr id="349" name="Google Shape;349;p23"/>
-          <p:cNvPicPr preferRelativeResize="0"/>
-          <p:nvPr/>
-        </p:nvPicPr>
-        <p:blipFill rotWithShape="1">
-          <a:blip r:embed="rId5">
-            <a:alphaModFix/>
-          </a:blip>
-          <a:srcRect b="0" l="0" r="0" t="0"/>
-          <a:stretch/>
-        </p:blipFill>
-        <p:spPr>
-          <a:xfrm>
-            <a:off x="453175" y="1293358"/>
-            <a:ext cx="8715592" cy="4211099"/>
-          </a:xfrm>
-          <a:prstGeom prst="rect">
-            <a:avLst/>
-          </a:prstGeom>
-          <a:noFill/>
-          <a:ln>
-            <a:noFill/>
-          </a:ln>
-        </p:spPr>
-      </p:pic>
-      <p:pic>
-        <p:nvPicPr>
-          <p:cNvPr id="350" name="Google Shape;350;p23"/>
-          <p:cNvPicPr preferRelativeResize="0"/>
-          <p:nvPr/>
-        </p:nvPicPr>
-        <p:blipFill rotWithShape="1">
-          <a:blip r:embed="rId6">
-            <a:alphaModFix/>
-          </a:blip>
-          <a:srcRect b="0" l="0" r="0" t="0"/>
-          <a:stretch/>
-        </p:blipFill>
-        <p:spPr>
-          <a:xfrm>
-            <a:off x="9351349" y="1293358"/>
-            <a:ext cx="8732649" cy="4211101"/>
-          </a:xfrm>
-          <a:prstGeom prst="rect">
-            <a:avLst/>
-          </a:prstGeom>
-          <a:noFill/>
-          <a:ln>
-            <a:noFill/>
-          </a:ln>
-        </p:spPr>
-      </p:pic>
-      <p:pic>
-        <p:nvPicPr>
-          <p:cNvPr id="351" name="Google Shape;351;p23"/>
-          <p:cNvPicPr preferRelativeResize="0"/>
-          <p:nvPr/>
-        </p:nvPicPr>
-        <p:blipFill rotWithShape="1">
-          <a:blip r:embed="rId7">
-            <a:alphaModFix/>
-          </a:blip>
-          <a:srcRect b="0" l="0" r="0" t="0"/>
-          <a:stretch/>
-        </p:blipFill>
-        <p:spPr>
-          <a:xfrm>
-            <a:off x="4841787" y="5719862"/>
-            <a:ext cx="9023926" cy="4373073"/>
-          </a:xfrm>
-          <a:prstGeom prst="rect">
-            <a:avLst/>
-          </a:prstGeom>
-          <a:noFill/>
-          <a:ln>
-            <a:noFill/>
-          </a:ln>
-        </p:spPr>
-      </p:pic>
-    </p:spTree>
-  </p:cSld>
-  <p:clrMapOvr>
-    <a:masterClrMapping/>
-  </p:clrMapOvr>
-</p:sld>
-</file>
-
-<file path=ppt/slides/slide19.xml><?xml version="1.0" encoding="utf-8"?>
-<p:sld xmlns:a="http://schemas.openxmlformats.org/drawingml/2006/main" xmlns:r="http://schemas.openxmlformats.org/officeDocument/2006/relationships" xmlns:mc="http://schemas.openxmlformats.org/markup-compatibility/2006" xmlns:mv="urn:schemas-microsoft-com:mac:vml" xmlns:p="http://schemas.openxmlformats.org/presentationml/2006/main" xmlns:c="http://schemas.openxmlformats.org/drawingml/2006/chart" xmlns:dgm="http://schemas.openxmlformats.org/drawingml/2006/diagram" xmlns:o="urn:schemas-microsoft-com:office:office" xmlns:v="urn:schemas-microsoft-com:vml" xmlns:pvml="urn:schemas-microsoft-com:office:powerpoint" xmlns:com="http://schemas.openxmlformats.org/drawingml/2006/compatibility" xmlns:p14="http://schemas.microsoft.com/office/powerpoint/2010/main" xmlns:p15="http://schemas.microsoft.com/office/powerpoint/2012/main" xmlns:ahyp="http://schemas.microsoft.com/office/drawing/2018/hyperlinkcolor">
-  <p:cSld>
-    <p:spTree>
-      <p:nvGrpSpPr>
-        <p:cNvPr id="355" name="Shape 355"/>
-        <p:cNvGrpSpPr/>
-        <p:nvPr/>
-      </p:nvGrpSpPr>
-      <p:grpSpPr>
-        <a:xfrm>
-          <a:off x="0" y="0"/>
-          <a:ext cx="0" cy="0"/>
-          <a:chOff x="0" y="0"/>
-          <a:chExt cx="0" cy="0"/>
-        </a:xfrm>
-      </p:grpSpPr>
-      <p:grpSp>
-        <p:nvGrpSpPr>
-          <p:cNvPr id="356" name="Google Shape;356;p24"/>
-          <p:cNvGrpSpPr/>
-          <p:nvPr/>
-        </p:nvGrpSpPr>
-        <p:grpSpPr>
-          <a:xfrm>
-            <a:off x="1234634" y="-915527"/>
-            <a:ext cx="1660787" cy="1650512"/>
-            <a:chOff x="0" y="-47625"/>
-            <a:chExt cx="437406" cy="434700"/>
-          </a:xfrm>
-        </p:grpSpPr>
-        <p:sp>
-          <p:nvSpPr>
-            <p:cNvPr id="357" name="Google Shape;357;p24"/>
-            <p:cNvSpPr/>
-            <p:nvPr/>
-          </p:nvSpPr>
-          <p:spPr>
-            <a:xfrm>
-              <a:off x="0" y="0"/>
-              <a:ext cx="437406" cy="387002"/>
-            </a:xfrm>
-            <a:custGeom>
-              <a:rect b="b" l="l" r="r" t="t"/>
-              <a:pathLst>
-                <a:path extrusionOk="0" h="387002" w="437406">
-                  <a:moveTo>
-                    <a:pt x="0" y="0"/>
-                  </a:moveTo>
-                  <a:lnTo>
-                    <a:pt x="437406" y="0"/>
-                  </a:lnTo>
-                  <a:lnTo>
-                    <a:pt x="437406" y="387002"/>
-                  </a:lnTo>
-                  <a:lnTo>
-                    <a:pt x="0" y="387002"/>
-                  </a:lnTo>
-                  <a:close/>
-                </a:path>
-              </a:pathLst>
-            </a:custGeom>
-            <a:solidFill>
-              <a:srgbClr val="7ED957"/>
-            </a:solidFill>
-            <a:ln>
-              <a:noFill/>
-            </a:ln>
-          </p:spPr>
-        </p:sp>
-        <p:sp>
-          <p:nvSpPr>
-            <p:cNvPr id="358" name="Google Shape;358;p24"/>
-            <p:cNvSpPr txBox="1"/>
-            <p:nvPr/>
-          </p:nvSpPr>
-          <p:spPr>
-            <a:xfrm>
-              <a:off x="0" y="-47625"/>
-              <a:ext cx="437400" cy="434700"/>
-            </a:xfrm>
-            <a:prstGeom prst="rect">
-              <a:avLst/>
-            </a:prstGeom>
-            <a:noFill/>
-            <a:ln>
-              <a:noFill/>
-            </a:ln>
-          </p:spPr>
-          <p:txBody>
-            <a:bodyPr anchorCtr="0" anchor="ctr" bIns="50800" lIns="50800" spcFirstLastPara="1" rIns="50800" wrap="square" tIns="50800">
-              <a:noAutofit/>
-            </a:bodyPr>
-            <a:lstStyle/>
-            <a:p>
-              <a:pPr indent="0" lvl="0" marL="0" marR="0" rtl="0" algn="ctr">
-                <a:lnSpc>
-                  <a:spcPct val="147722"/>
-                </a:lnSpc>
-                <a:spcBef>
-                  <a:spcPts val="0"/>
-                </a:spcBef>
-                <a:spcAft>
-                  <a:spcPts val="0"/>
-                </a:spcAft>
-                <a:buClr>
-                  <a:srgbClr val="000000"/>
-                </a:buClr>
-                <a:buSzPts val="1800"/>
-                <a:buFont typeface="Arial"/>
-                <a:buNone/>
-              </a:pPr>
-              <a:r>
-                <a:t/>
-              </a:r>
-              <a:endParaRPr b="0" i="0" sz="1800" u="none" cap="none" strike="noStrike">
-                <a:solidFill>
-                  <a:schemeClr val="dk1"/>
-                </a:solidFill>
-                <a:latin typeface="Calibri"/>
-                <a:ea typeface="Calibri"/>
-                <a:cs typeface="Calibri"/>
-                <a:sym typeface="Calibri"/>
-              </a:endParaRPr>
-            </a:p>
-          </p:txBody>
-        </p:sp>
-      </p:grpSp>
-      <p:grpSp>
-        <p:nvGrpSpPr>
-          <p:cNvPr id="359" name="Google Shape;359;p24"/>
-          <p:cNvGrpSpPr/>
-          <p:nvPr/>
-        </p:nvGrpSpPr>
-        <p:grpSpPr>
-          <a:xfrm>
-            <a:off x="2895428" y="-915527"/>
-            <a:ext cx="489800" cy="1650512"/>
-            <a:chOff x="0" y="-47625"/>
-            <a:chExt cx="129000" cy="434700"/>
-          </a:xfrm>
-        </p:grpSpPr>
-        <p:sp>
-          <p:nvSpPr>
-            <p:cNvPr id="360" name="Google Shape;360;p24"/>
-            <p:cNvSpPr/>
-            <p:nvPr/>
-          </p:nvSpPr>
-          <p:spPr>
-            <a:xfrm>
-              <a:off x="0" y="0"/>
-              <a:ext cx="128975" cy="387002"/>
-            </a:xfrm>
-            <a:custGeom>
-              <a:rect b="b" l="l" r="r" t="t"/>
-              <a:pathLst>
-                <a:path extrusionOk="0" h="387002" w="128975">
-                  <a:moveTo>
-                    <a:pt x="0" y="0"/>
-                  </a:moveTo>
-                  <a:lnTo>
-                    <a:pt x="128975" y="0"/>
-                  </a:lnTo>
-                  <a:lnTo>
-                    <a:pt x="128975" y="387002"/>
-                  </a:lnTo>
-                  <a:lnTo>
-                    <a:pt x="0" y="387002"/>
-                  </a:lnTo>
-                  <a:close/>
-                </a:path>
-              </a:pathLst>
-            </a:custGeom>
-            <a:solidFill>
-              <a:srgbClr val="00BF63"/>
-            </a:solidFill>
-            <a:ln>
-              <a:noFill/>
-            </a:ln>
-          </p:spPr>
-        </p:sp>
-        <p:sp>
-          <p:nvSpPr>
-            <p:cNvPr id="361" name="Google Shape;361;p24"/>
-            <p:cNvSpPr txBox="1"/>
-            <p:nvPr/>
-          </p:nvSpPr>
-          <p:spPr>
-            <a:xfrm>
-              <a:off x="0" y="-47625"/>
-              <a:ext cx="129000" cy="434700"/>
-            </a:xfrm>
-            <a:prstGeom prst="rect">
-              <a:avLst/>
-            </a:prstGeom>
-            <a:noFill/>
-            <a:ln>
-              <a:noFill/>
-            </a:ln>
-          </p:spPr>
-          <p:txBody>
-            <a:bodyPr anchorCtr="0" anchor="ctr" bIns="50800" lIns="50800" spcFirstLastPara="1" rIns="50800" wrap="square" tIns="50800">
-              <a:noAutofit/>
-            </a:bodyPr>
-            <a:lstStyle/>
-            <a:p>
-              <a:pPr indent="0" lvl="0" marL="0" marR="0" rtl="0" algn="ctr">
-                <a:lnSpc>
-                  <a:spcPct val="147722"/>
-                </a:lnSpc>
-                <a:spcBef>
-                  <a:spcPts val="0"/>
-                </a:spcBef>
-                <a:spcAft>
-                  <a:spcPts val="0"/>
-                </a:spcAft>
-                <a:buClr>
-                  <a:srgbClr val="000000"/>
-                </a:buClr>
-                <a:buSzPts val="1800"/>
-                <a:buFont typeface="Arial"/>
-                <a:buNone/>
-              </a:pPr>
-              <a:r>
-                <a:t/>
-              </a:r>
-              <a:endParaRPr b="0" i="0" sz="1800" u="none" cap="none" strike="noStrike">
-                <a:solidFill>
-                  <a:schemeClr val="dk1"/>
-                </a:solidFill>
-                <a:latin typeface="Calibri"/>
-                <a:ea typeface="Calibri"/>
-                <a:cs typeface="Calibri"/>
-                <a:sym typeface="Calibri"/>
-              </a:endParaRPr>
-            </a:p>
-          </p:txBody>
-        </p:sp>
-      </p:grpSp>
-      <p:sp>
-        <p:nvSpPr>
-          <p:cNvPr id="362" name="Google Shape;362;p24"/>
-          <p:cNvSpPr/>
-          <p:nvPr/>
-        </p:nvSpPr>
-        <p:spPr>
-          <a:xfrm>
-            <a:off x="767037" y="386475"/>
-            <a:ext cx="16753932" cy="9514044"/>
-          </a:xfrm>
-          <a:prstGeom prst="cloud">
-            <a:avLst/>
-          </a:prstGeom>
-          <a:solidFill>
-            <a:schemeClr val="lt2"/>
-          </a:solidFill>
-          <a:ln cap="flat" cmpd="sng" w="9525">
-            <a:solidFill>
-              <a:schemeClr val="dk2"/>
-            </a:solidFill>
-            <a:prstDash val="solid"/>
-            <a:round/>
-            <a:headEnd len="sm" w="sm" type="none"/>
-            <a:tailEnd len="sm" w="sm" type="none"/>
-          </a:ln>
-        </p:spPr>
-        <p:txBody>
-          <a:bodyPr anchorCtr="0" anchor="ctr" bIns="91425" lIns="91425" spcFirstLastPara="1" rIns="91425" wrap="square" tIns="91425">
-            <a:noAutofit/>
-          </a:bodyPr>
-          <a:lstStyle/>
-          <a:p>
-            <a:pPr indent="0" lvl="0" marL="0" marR="0" rtl="0" algn="ctr">
-              <a:lnSpc>
-                <a:spcPct val="100000"/>
-              </a:lnSpc>
-              <a:spcBef>
-                <a:spcPts val="0"/>
-              </a:spcBef>
-              <a:spcAft>
-                <a:spcPts val="0"/>
-              </a:spcAft>
-              <a:buClr>
-                <a:srgbClr val="000000"/>
-              </a:buClr>
-              <a:buSzPts val="13500"/>
-              <a:buFont typeface="Arial"/>
-              <a:buNone/>
-            </a:pPr>
-            <a:r>
-              <a:rPr b="0" i="0" lang="en-US" sz="13500" u="none" cap="none" strike="noStrike">
-                <a:solidFill>
-                  <a:srgbClr val="00BF63"/>
-                </a:solidFill>
-                <a:latin typeface="Calibri"/>
-                <a:ea typeface="Calibri"/>
-                <a:cs typeface="Calibri"/>
-                <a:sym typeface="Calibri"/>
-              </a:rPr>
-              <a:t>DÚVIDAS</a:t>
-            </a:r>
-            <a:endParaRPr b="0" i="0" sz="13500" u="none" cap="none" strike="noStrike">
-              <a:solidFill>
-                <a:srgbClr val="00BF63"/>
-              </a:solidFill>
-              <a:latin typeface="Calibri"/>
-              <a:ea typeface="Calibri"/>
-              <a:cs typeface="Calibri"/>
-              <a:sym typeface="Calibri"/>
-            </a:endParaRPr>
-          </a:p>
-        </p:txBody>
-      </p:sp>
-      <p:sp>
-        <p:nvSpPr>
-          <p:cNvPr id="363" name="Google Shape;363;p24"/>
-          <p:cNvSpPr txBox="1"/>
-          <p:nvPr/>
-        </p:nvSpPr>
-        <p:spPr>
-          <a:xfrm>
-            <a:off x="12154198" y="5973850"/>
-            <a:ext cx="1032900" cy="2001000"/>
-          </a:xfrm>
-          <a:prstGeom prst="rect">
-            <a:avLst/>
-          </a:prstGeom>
-          <a:noFill/>
-          <a:ln>
-            <a:noFill/>
-          </a:ln>
-        </p:spPr>
-        <p:txBody>
-          <a:bodyPr anchorCtr="0" anchor="t" bIns="0" lIns="0" spcFirstLastPara="1" rIns="0" wrap="square" tIns="0">
-            <a:spAutoFit/>
-          </a:bodyPr>
-          <a:lstStyle/>
-          <a:p>
-            <a:pPr indent="0" lvl="0" marL="0" marR="0" rtl="0" algn="l">
-              <a:lnSpc>
-                <a:spcPct val="105004"/>
-              </a:lnSpc>
-              <a:spcBef>
-                <a:spcPts val="0"/>
-              </a:spcBef>
-              <a:spcAft>
-                <a:spcPts val="0"/>
-              </a:spcAft>
-              <a:buClr>
-                <a:srgbClr val="000000"/>
-              </a:buClr>
-              <a:buSzPts val="13000"/>
-              <a:buFont typeface="Arial"/>
-              <a:buNone/>
-            </a:pPr>
-            <a:r>
-              <a:rPr b="1" i="0" lang="en-US" sz="13000" u="none" cap="none" strike="noStrike">
-                <a:solidFill>
-                  <a:srgbClr val="7ED957"/>
-                </a:solidFill>
-                <a:latin typeface="Proxima Nova"/>
-                <a:ea typeface="Proxima Nova"/>
-                <a:cs typeface="Proxima Nova"/>
-                <a:sym typeface="Proxima Nova"/>
-              </a:rPr>
-              <a:t>?</a:t>
-            </a:r>
-            <a:endParaRPr b="0" i="0" sz="13000" u="none" cap="none" strike="noStrike">
-              <a:solidFill>
-                <a:srgbClr val="000000"/>
-              </a:solidFill>
-              <a:latin typeface="Arial"/>
-              <a:ea typeface="Arial"/>
-              <a:cs typeface="Arial"/>
-              <a:sym typeface="Arial"/>
-            </a:endParaRPr>
-          </a:p>
-        </p:txBody>
-      </p:sp>
-      <p:sp>
-        <p:nvSpPr>
-          <p:cNvPr id="364" name="Google Shape;364;p24"/>
-          <p:cNvSpPr txBox="1"/>
-          <p:nvPr/>
-        </p:nvSpPr>
-        <p:spPr>
-          <a:xfrm>
-            <a:off x="9742673" y="1301300"/>
-            <a:ext cx="1032900" cy="2001000"/>
-          </a:xfrm>
-          <a:prstGeom prst="rect">
-            <a:avLst/>
-          </a:prstGeom>
-          <a:noFill/>
-          <a:ln>
-            <a:noFill/>
-          </a:ln>
-        </p:spPr>
-        <p:txBody>
-          <a:bodyPr anchorCtr="0" anchor="t" bIns="0" lIns="0" spcFirstLastPara="1" rIns="0" wrap="square" tIns="0">
-            <a:spAutoFit/>
-          </a:bodyPr>
-          <a:lstStyle/>
-          <a:p>
-            <a:pPr indent="0" lvl="0" marL="0" marR="0" rtl="0" algn="l">
-              <a:lnSpc>
-                <a:spcPct val="105004"/>
-              </a:lnSpc>
-              <a:spcBef>
-                <a:spcPts val="0"/>
-              </a:spcBef>
-              <a:spcAft>
-                <a:spcPts val="0"/>
-              </a:spcAft>
-              <a:buClr>
-                <a:srgbClr val="000000"/>
-              </a:buClr>
-              <a:buSzPts val="13000"/>
-              <a:buFont typeface="Arial"/>
-              <a:buNone/>
-            </a:pPr>
-            <a:r>
-              <a:rPr b="1" i="0" lang="en-US" sz="13000" u="none" cap="none" strike="noStrike">
-                <a:solidFill>
-                  <a:srgbClr val="7ED957"/>
-                </a:solidFill>
-                <a:latin typeface="Proxima Nova"/>
-                <a:ea typeface="Proxima Nova"/>
-                <a:cs typeface="Proxima Nova"/>
-                <a:sym typeface="Proxima Nova"/>
-              </a:rPr>
-              <a:t>?</a:t>
-            </a:r>
-            <a:endParaRPr b="0" i="0" sz="13000" u="none" cap="none" strike="noStrike">
-              <a:solidFill>
-                <a:srgbClr val="000000"/>
-              </a:solidFill>
-              <a:latin typeface="Arial"/>
-              <a:ea typeface="Arial"/>
-              <a:cs typeface="Arial"/>
-              <a:sym typeface="Arial"/>
-            </a:endParaRPr>
-          </a:p>
-        </p:txBody>
-      </p:sp>
-      <p:sp>
-        <p:nvSpPr>
-          <p:cNvPr id="365" name="Google Shape;365;p24"/>
-          <p:cNvSpPr txBox="1"/>
-          <p:nvPr/>
-        </p:nvSpPr>
-        <p:spPr>
-          <a:xfrm>
-            <a:off x="8815573" y="7058275"/>
-            <a:ext cx="1032900" cy="2001000"/>
-          </a:xfrm>
-          <a:prstGeom prst="rect">
-            <a:avLst/>
-          </a:prstGeom>
-          <a:noFill/>
-          <a:ln>
-            <a:noFill/>
-          </a:ln>
-        </p:spPr>
-        <p:txBody>
-          <a:bodyPr anchorCtr="0" anchor="t" bIns="0" lIns="0" spcFirstLastPara="1" rIns="0" wrap="square" tIns="0">
-            <a:spAutoFit/>
-          </a:bodyPr>
-          <a:lstStyle/>
-          <a:p>
-            <a:pPr indent="0" lvl="0" marL="0" marR="0" rtl="0" algn="l">
-              <a:lnSpc>
-                <a:spcPct val="105004"/>
-              </a:lnSpc>
-              <a:spcBef>
-                <a:spcPts val="0"/>
-              </a:spcBef>
-              <a:spcAft>
-                <a:spcPts val="0"/>
-              </a:spcAft>
-              <a:buClr>
-                <a:srgbClr val="000000"/>
-              </a:buClr>
-              <a:buSzPts val="13000"/>
-              <a:buFont typeface="Arial"/>
-              <a:buNone/>
-            </a:pPr>
-            <a:r>
-              <a:rPr b="1" i="0" lang="en-US" sz="13000" u="none" cap="none" strike="noStrike">
-                <a:solidFill>
-                  <a:srgbClr val="7ED957"/>
-                </a:solidFill>
-                <a:latin typeface="Proxima Nova"/>
-                <a:ea typeface="Proxima Nova"/>
-                <a:cs typeface="Proxima Nova"/>
-                <a:sym typeface="Proxima Nova"/>
-              </a:rPr>
-              <a:t>?</a:t>
-            </a:r>
-            <a:endParaRPr b="0" i="0" sz="13000" u="none" cap="none" strike="noStrike">
-              <a:solidFill>
-                <a:srgbClr val="000000"/>
-              </a:solidFill>
-              <a:latin typeface="Arial"/>
-              <a:ea typeface="Arial"/>
-              <a:cs typeface="Arial"/>
-              <a:sym typeface="Arial"/>
-            </a:endParaRPr>
-          </a:p>
-        </p:txBody>
-      </p:sp>
-      <p:sp>
-        <p:nvSpPr>
-          <p:cNvPr id="366" name="Google Shape;366;p24"/>
-          <p:cNvSpPr txBox="1"/>
-          <p:nvPr/>
-        </p:nvSpPr>
-        <p:spPr>
-          <a:xfrm>
-            <a:off x="4571998" y="6599750"/>
-            <a:ext cx="1032900" cy="2001000"/>
-          </a:xfrm>
-          <a:prstGeom prst="rect">
-            <a:avLst/>
-          </a:prstGeom>
-          <a:noFill/>
-          <a:ln>
-            <a:noFill/>
-          </a:ln>
-        </p:spPr>
-        <p:txBody>
-          <a:bodyPr anchorCtr="0" anchor="t" bIns="0" lIns="0" spcFirstLastPara="1" rIns="0" wrap="square" tIns="0">
-            <a:spAutoFit/>
-          </a:bodyPr>
-          <a:lstStyle/>
-          <a:p>
-            <a:pPr indent="0" lvl="0" marL="0" marR="0" rtl="0" algn="l">
-              <a:lnSpc>
-                <a:spcPct val="105004"/>
-              </a:lnSpc>
-              <a:spcBef>
-                <a:spcPts val="0"/>
-              </a:spcBef>
-              <a:spcAft>
-                <a:spcPts val="0"/>
-              </a:spcAft>
-              <a:buClr>
-                <a:srgbClr val="000000"/>
-              </a:buClr>
-              <a:buSzPts val="13000"/>
-              <a:buFont typeface="Arial"/>
-              <a:buNone/>
-            </a:pPr>
-            <a:r>
-              <a:rPr b="1" i="0" lang="en-US" sz="13000" u="none" cap="none" strike="noStrike">
-                <a:solidFill>
-                  <a:srgbClr val="7ED957"/>
-                </a:solidFill>
-                <a:latin typeface="Proxima Nova"/>
-                <a:ea typeface="Proxima Nova"/>
-                <a:cs typeface="Proxima Nova"/>
-                <a:sym typeface="Proxima Nova"/>
-              </a:rPr>
-              <a:t>?</a:t>
-            </a:r>
-            <a:endParaRPr b="0" i="0" sz="13000" u="none" cap="none" strike="noStrike">
-              <a:solidFill>
-                <a:srgbClr val="000000"/>
-              </a:solidFill>
-              <a:latin typeface="Arial"/>
-              <a:ea typeface="Arial"/>
-              <a:cs typeface="Arial"/>
-              <a:sym typeface="Arial"/>
-            </a:endParaRPr>
-          </a:p>
-        </p:txBody>
-      </p:sp>
-      <p:sp>
-        <p:nvSpPr>
-          <p:cNvPr id="367" name="Google Shape;367;p24"/>
-          <p:cNvSpPr txBox="1"/>
-          <p:nvPr/>
-        </p:nvSpPr>
-        <p:spPr>
-          <a:xfrm>
-            <a:off x="3761798" y="2428500"/>
-            <a:ext cx="1032900" cy="2001000"/>
-          </a:xfrm>
-          <a:prstGeom prst="rect">
-            <a:avLst/>
-          </a:prstGeom>
-          <a:noFill/>
-          <a:ln>
-            <a:noFill/>
-          </a:ln>
-        </p:spPr>
-        <p:txBody>
-          <a:bodyPr anchorCtr="0" anchor="t" bIns="0" lIns="0" spcFirstLastPara="1" rIns="0" wrap="square" tIns="0">
-            <a:spAutoFit/>
-          </a:bodyPr>
-          <a:lstStyle/>
-          <a:p>
-            <a:pPr indent="0" lvl="0" marL="0" marR="0" rtl="0" algn="l">
-              <a:lnSpc>
-                <a:spcPct val="105004"/>
-              </a:lnSpc>
-              <a:spcBef>
-                <a:spcPts val="0"/>
-              </a:spcBef>
-              <a:spcAft>
-                <a:spcPts val="0"/>
-              </a:spcAft>
-              <a:buClr>
-                <a:srgbClr val="000000"/>
-              </a:buClr>
-              <a:buSzPts val="13000"/>
-              <a:buFont typeface="Arial"/>
-              <a:buNone/>
-            </a:pPr>
-            <a:r>
-              <a:rPr b="1" i="0" lang="en-US" sz="13000" u="none" cap="none" strike="noStrike">
-                <a:solidFill>
-                  <a:srgbClr val="7ED957"/>
-                </a:solidFill>
-                <a:latin typeface="Proxima Nova"/>
-                <a:ea typeface="Proxima Nova"/>
-                <a:cs typeface="Proxima Nova"/>
-                <a:sym typeface="Proxima Nova"/>
-              </a:rPr>
-              <a:t>?</a:t>
-            </a:r>
-            <a:endParaRPr b="0" i="0" sz="13000" u="none" cap="none" strike="noStrike">
-              <a:solidFill>
-                <a:srgbClr val="000000"/>
-              </a:solidFill>
-              <a:latin typeface="Arial"/>
-              <a:ea typeface="Arial"/>
-              <a:cs typeface="Arial"/>
-              <a:sym typeface="Arial"/>
-            </a:endParaRPr>
-          </a:p>
-        </p:txBody>
-      </p:sp>
-      <p:sp>
-        <p:nvSpPr>
-          <p:cNvPr id="368" name="Google Shape;368;p24"/>
-          <p:cNvSpPr txBox="1"/>
-          <p:nvPr/>
-        </p:nvSpPr>
-        <p:spPr>
-          <a:xfrm>
-            <a:off x="3077148" y="5057275"/>
-            <a:ext cx="1032900" cy="2001000"/>
-          </a:xfrm>
-          <a:prstGeom prst="rect">
-            <a:avLst/>
-          </a:prstGeom>
-          <a:noFill/>
-          <a:ln>
-            <a:noFill/>
-          </a:ln>
-        </p:spPr>
-        <p:txBody>
-          <a:bodyPr anchorCtr="0" anchor="t" bIns="0" lIns="0" spcFirstLastPara="1" rIns="0" wrap="square" tIns="0">
-            <a:spAutoFit/>
-          </a:bodyPr>
-          <a:lstStyle/>
-          <a:p>
-            <a:pPr indent="0" lvl="0" marL="0" marR="0" rtl="0" algn="l">
-              <a:lnSpc>
-                <a:spcPct val="105004"/>
-              </a:lnSpc>
-              <a:spcBef>
-                <a:spcPts val="0"/>
-              </a:spcBef>
-              <a:spcAft>
-                <a:spcPts val="0"/>
-              </a:spcAft>
-              <a:buClr>
-                <a:srgbClr val="000000"/>
-              </a:buClr>
-              <a:buSzPts val="13000"/>
-              <a:buFont typeface="Arial"/>
-              <a:buNone/>
-            </a:pPr>
-            <a:r>
-              <a:rPr b="1" i="0" lang="en-US" sz="13000" u="none" cap="none" strike="noStrike">
-                <a:solidFill>
-                  <a:srgbClr val="7ED957"/>
-                </a:solidFill>
-                <a:latin typeface="Proxima Nova"/>
-                <a:ea typeface="Proxima Nova"/>
-                <a:cs typeface="Proxima Nova"/>
-                <a:sym typeface="Proxima Nova"/>
-              </a:rPr>
-              <a:t>?</a:t>
-            </a:r>
-            <a:endParaRPr b="0" i="0" sz="13000" u="none" cap="none" strike="noStrike">
-              <a:solidFill>
-                <a:srgbClr val="000000"/>
-              </a:solidFill>
-              <a:latin typeface="Arial"/>
-              <a:ea typeface="Arial"/>
-              <a:cs typeface="Arial"/>
-              <a:sym typeface="Arial"/>
-            </a:endParaRPr>
-          </a:p>
-        </p:txBody>
-      </p:sp>
-      <p:sp>
-        <p:nvSpPr>
-          <p:cNvPr id="369" name="Google Shape;369;p24"/>
-          <p:cNvSpPr txBox="1"/>
-          <p:nvPr/>
-        </p:nvSpPr>
-        <p:spPr>
-          <a:xfrm>
-            <a:off x="13332773" y="924875"/>
-            <a:ext cx="1032900" cy="2001000"/>
-          </a:xfrm>
-          <a:prstGeom prst="rect">
-            <a:avLst/>
-          </a:prstGeom>
-          <a:noFill/>
-          <a:ln>
-            <a:noFill/>
-          </a:ln>
-        </p:spPr>
-        <p:txBody>
-          <a:bodyPr anchorCtr="0" anchor="t" bIns="0" lIns="0" spcFirstLastPara="1" rIns="0" wrap="square" tIns="0">
-            <a:spAutoFit/>
-          </a:bodyPr>
-          <a:lstStyle/>
-          <a:p>
-            <a:pPr indent="0" lvl="0" marL="0" marR="0" rtl="0" algn="l">
-              <a:lnSpc>
-                <a:spcPct val="105004"/>
-              </a:lnSpc>
-              <a:spcBef>
-                <a:spcPts val="0"/>
-              </a:spcBef>
-              <a:spcAft>
-                <a:spcPts val="0"/>
-              </a:spcAft>
-              <a:buClr>
-                <a:srgbClr val="000000"/>
-              </a:buClr>
-              <a:buSzPts val="13000"/>
-              <a:buFont typeface="Arial"/>
-              <a:buNone/>
-            </a:pPr>
-            <a:r>
-              <a:rPr b="1" i="0" lang="en-US" sz="13000" u="none" cap="none" strike="noStrike">
-                <a:solidFill>
-                  <a:srgbClr val="7ED957"/>
-                </a:solidFill>
-                <a:latin typeface="Proxima Nova"/>
-                <a:ea typeface="Proxima Nova"/>
-                <a:cs typeface="Proxima Nova"/>
-                <a:sym typeface="Proxima Nova"/>
-              </a:rPr>
-              <a:t>?</a:t>
-            </a:r>
-            <a:endParaRPr b="0" i="0" sz="13000" u="none" cap="none" strike="noStrike">
-              <a:solidFill>
-                <a:srgbClr val="000000"/>
-              </a:solidFill>
-              <a:latin typeface="Arial"/>
-              <a:ea typeface="Arial"/>
-              <a:cs typeface="Arial"/>
-              <a:sym typeface="Arial"/>
-            </a:endParaRPr>
-          </a:p>
-        </p:txBody>
-      </p:sp>
-      <p:sp>
-        <p:nvSpPr>
-          <p:cNvPr id="370" name="Google Shape;370;p24"/>
-          <p:cNvSpPr txBox="1"/>
-          <p:nvPr/>
-        </p:nvSpPr>
-        <p:spPr>
-          <a:xfrm>
-            <a:off x="7302273" y="1531300"/>
-            <a:ext cx="1032900" cy="2001000"/>
-          </a:xfrm>
-          <a:prstGeom prst="rect">
-            <a:avLst/>
-          </a:prstGeom>
-          <a:noFill/>
-          <a:ln>
-            <a:noFill/>
-          </a:ln>
-        </p:spPr>
-        <p:txBody>
-          <a:bodyPr anchorCtr="0" anchor="t" bIns="0" lIns="0" spcFirstLastPara="1" rIns="0" wrap="square" tIns="0">
-            <a:spAutoFit/>
-          </a:bodyPr>
-          <a:lstStyle/>
-          <a:p>
-            <a:pPr indent="0" lvl="0" marL="0" marR="0" rtl="0" algn="l">
-              <a:lnSpc>
-                <a:spcPct val="105004"/>
-              </a:lnSpc>
-              <a:spcBef>
-                <a:spcPts val="0"/>
-              </a:spcBef>
-              <a:spcAft>
-                <a:spcPts val="0"/>
-              </a:spcAft>
-              <a:buClr>
-                <a:srgbClr val="000000"/>
-              </a:buClr>
-              <a:buSzPts val="13000"/>
-              <a:buFont typeface="Arial"/>
-              <a:buNone/>
-            </a:pPr>
-            <a:r>
-              <a:rPr b="1" i="0" lang="en-US" sz="13000" u="none" cap="none" strike="noStrike">
-                <a:solidFill>
-                  <a:srgbClr val="7ED957"/>
-                </a:solidFill>
-                <a:latin typeface="Proxima Nova"/>
-                <a:ea typeface="Proxima Nova"/>
-                <a:cs typeface="Proxima Nova"/>
-                <a:sym typeface="Proxima Nova"/>
-              </a:rPr>
-              <a:t>?</a:t>
-            </a:r>
-            <a:endParaRPr b="0" i="0" sz="13000" u="none" cap="none" strike="noStrike">
-              <a:solidFill>
-                <a:srgbClr val="000000"/>
-              </a:solidFill>
-              <a:latin typeface="Arial"/>
-              <a:ea typeface="Arial"/>
-              <a:cs typeface="Arial"/>
-              <a:sym typeface="Arial"/>
-            </a:endParaRPr>
-          </a:p>
-        </p:txBody>
-      </p:sp>
-      <p:sp>
-        <p:nvSpPr>
-          <p:cNvPr id="371" name="Google Shape;371;p24"/>
-          <p:cNvSpPr txBox="1"/>
-          <p:nvPr/>
-        </p:nvSpPr>
-        <p:spPr>
-          <a:xfrm>
-            <a:off x="14365673" y="2925875"/>
-            <a:ext cx="1032900" cy="2001000"/>
-          </a:xfrm>
-          <a:prstGeom prst="rect">
-            <a:avLst/>
-          </a:prstGeom>
-          <a:noFill/>
-          <a:ln>
-            <a:noFill/>
-          </a:ln>
-        </p:spPr>
-        <p:txBody>
-          <a:bodyPr anchorCtr="0" anchor="t" bIns="0" lIns="0" spcFirstLastPara="1" rIns="0" wrap="square" tIns="0">
-            <a:spAutoFit/>
-          </a:bodyPr>
-          <a:lstStyle/>
-          <a:p>
-            <a:pPr indent="0" lvl="0" marL="0" marR="0" rtl="0" algn="l">
-              <a:lnSpc>
-                <a:spcPct val="105004"/>
-              </a:lnSpc>
-              <a:spcBef>
-                <a:spcPts val="0"/>
-              </a:spcBef>
-              <a:spcAft>
-                <a:spcPts val="0"/>
-              </a:spcAft>
-              <a:buClr>
-                <a:srgbClr val="000000"/>
-              </a:buClr>
-              <a:buSzPts val="13000"/>
-              <a:buFont typeface="Arial"/>
-              <a:buNone/>
-            </a:pPr>
-            <a:r>
-              <a:rPr b="1" i="0" lang="en-US" sz="13000" u="none" cap="none" strike="noStrike">
-                <a:solidFill>
-                  <a:srgbClr val="7ED957"/>
-                </a:solidFill>
-                <a:latin typeface="Proxima Nova"/>
-                <a:ea typeface="Proxima Nova"/>
-                <a:cs typeface="Proxima Nova"/>
-                <a:sym typeface="Proxima Nova"/>
-              </a:rPr>
-              <a:t>?</a:t>
-            </a:r>
-            <a:endParaRPr b="0" i="0" sz="13000" u="none" cap="none" strike="noStrike">
-              <a:solidFill>
-                <a:srgbClr val="000000"/>
-              </a:solidFill>
-              <a:latin typeface="Arial"/>
-              <a:ea typeface="Arial"/>
-              <a:cs typeface="Arial"/>
-              <a:sym typeface="Arial"/>
-            </a:endParaRPr>
-          </a:p>
-        </p:txBody>
-      </p:sp>
     </p:spTree>
   </p:cSld>
   <p:clrMapOvr>
@@ -25562,718 +26556,6 @@
           </a:ln>
         </p:spPr>
       </p:pic>
-    </p:spTree>
-  </p:cSld>
-  <p:clrMapOvr>
-    <a:masterClrMapping/>
-  </p:clrMapOvr>
-</p:sld>
-</file>
-
-<file path=ppt/slides/slide20.xml><?xml version="1.0" encoding="utf-8"?>
-<p:sld xmlns:a="http://schemas.openxmlformats.org/drawingml/2006/main" xmlns:r="http://schemas.openxmlformats.org/officeDocument/2006/relationships" xmlns:mc="http://schemas.openxmlformats.org/markup-compatibility/2006" xmlns:mv="urn:schemas-microsoft-com:mac:vml" xmlns:p="http://schemas.openxmlformats.org/presentationml/2006/main" xmlns:c="http://schemas.openxmlformats.org/drawingml/2006/chart" xmlns:dgm="http://schemas.openxmlformats.org/drawingml/2006/diagram" xmlns:o="urn:schemas-microsoft-com:office:office" xmlns:v="urn:schemas-microsoft-com:vml" xmlns:pvml="urn:schemas-microsoft-com:office:powerpoint" xmlns:com="http://schemas.openxmlformats.org/drawingml/2006/compatibility" xmlns:p14="http://schemas.microsoft.com/office/powerpoint/2010/main" xmlns:p15="http://schemas.microsoft.com/office/powerpoint/2012/main" xmlns:ahyp="http://schemas.microsoft.com/office/drawing/2018/hyperlinkcolor">
-  <p:cSld>
-    <p:spTree>
-      <p:nvGrpSpPr>
-        <p:cNvPr id="375" name="Shape 375"/>
-        <p:cNvGrpSpPr/>
-        <p:nvPr/>
-      </p:nvGrpSpPr>
-      <p:grpSpPr>
-        <a:xfrm>
-          <a:off x="0" y="0"/>
-          <a:ext cx="0" cy="0"/>
-          <a:chOff x="0" y="0"/>
-          <a:chExt cx="0" cy="0"/>
-        </a:xfrm>
-      </p:grpSpPr>
-      <p:sp>
-        <p:nvSpPr>
-          <p:cNvPr id="376" name="Google Shape;376;p25"/>
-          <p:cNvSpPr/>
-          <p:nvPr/>
-        </p:nvSpPr>
-        <p:spPr>
-          <a:xfrm>
-            <a:off x="12065128" y="1903981"/>
-            <a:ext cx="4316658" cy="6479036"/>
-          </a:xfrm>
-          <a:custGeom>
-            <a:rect b="b" l="l" r="r" t="t"/>
-            <a:pathLst>
-              <a:path extrusionOk="0" h="6479036" w="4316658">
-                <a:moveTo>
-                  <a:pt x="0" y="0"/>
-                </a:moveTo>
-                <a:lnTo>
-                  <a:pt x="4316658" y="0"/>
-                </a:lnTo>
-                <a:lnTo>
-                  <a:pt x="4316658" y="6479036"/>
-                </a:lnTo>
-                <a:lnTo>
-                  <a:pt x="0" y="6479036"/>
-                </a:lnTo>
-                <a:lnTo>
-                  <a:pt x="0" y="0"/>
-                </a:lnTo>
-                <a:close/>
-              </a:path>
-            </a:pathLst>
-          </a:custGeom>
-          <a:blipFill rotWithShape="1">
-            <a:blip r:embed="rId3">
-              <a:alphaModFix/>
-            </a:blip>
-            <a:stretch>
-              <a:fillRect b="0" l="0" r="0" t="0"/>
-            </a:stretch>
-          </a:blipFill>
-          <a:ln>
-            <a:noFill/>
-          </a:ln>
-        </p:spPr>
-      </p:sp>
-      <p:sp>
-        <p:nvSpPr>
-          <p:cNvPr id="377" name="Google Shape;377;p25"/>
-          <p:cNvSpPr/>
-          <p:nvPr/>
-        </p:nvSpPr>
-        <p:spPr>
-          <a:xfrm>
-            <a:off x="13017500" y="5859324"/>
-            <a:ext cx="9202028" cy="5500708"/>
-          </a:xfrm>
-          <a:custGeom>
-            <a:rect b="b" l="l" r="r" t="t"/>
-            <a:pathLst>
-              <a:path extrusionOk="0" h="7858154" w="11873584">
-                <a:moveTo>
-                  <a:pt x="0" y="0"/>
-                </a:moveTo>
-                <a:lnTo>
-                  <a:pt x="11873584" y="0"/>
-                </a:lnTo>
-                <a:lnTo>
-                  <a:pt x="11873584" y="7858154"/>
-                </a:lnTo>
-                <a:lnTo>
-                  <a:pt x="0" y="7858154"/>
-                </a:lnTo>
-                <a:lnTo>
-                  <a:pt x="0" y="0"/>
-                </a:lnTo>
-                <a:close/>
-              </a:path>
-            </a:pathLst>
-          </a:custGeom>
-          <a:blipFill rotWithShape="1">
-            <a:blip r:embed="rId4">
-              <a:alphaModFix/>
-            </a:blip>
-            <a:stretch>
-              <a:fillRect b="0" l="0" r="0" t="0"/>
-            </a:stretch>
-          </a:blipFill>
-          <a:ln>
-            <a:noFill/>
-          </a:ln>
-        </p:spPr>
-      </p:sp>
-      <p:grpSp>
-        <p:nvGrpSpPr>
-          <p:cNvPr id="378" name="Google Shape;378;p25"/>
-          <p:cNvGrpSpPr/>
-          <p:nvPr/>
-        </p:nvGrpSpPr>
-        <p:grpSpPr>
-          <a:xfrm>
-            <a:off x="1234634" y="-915527"/>
-            <a:ext cx="1660787" cy="1650512"/>
-            <a:chOff x="0" y="-47625"/>
-            <a:chExt cx="437406" cy="434700"/>
-          </a:xfrm>
-        </p:grpSpPr>
-        <p:sp>
-          <p:nvSpPr>
-            <p:cNvPr id="379" name="Google Shape;379;p25"/>
-            <p:cNvSpPr/>
-            <p:nvPr/>
-          </p:nvSpPr>
-          <p:spPr>
-            <a:xfrm>
-              <a:off x="0" y="0"/>
-              <a:ext cx="437406" cy="387002"/>
-            </a:xfrm>
-            <a:custGeom>
-              <a:rect b="b" l="l" r="r" t="t"/>
-              <a:pathLst>
-                <a:path extrusionOk="0" h="387002" w="437406">
-                  <a:moveTo>
-                    <a:pt x="0" y="0"/>
-                  </a:moveTo>
-                  <a:lnTo>
-                    <a:pt x="437406" y="0"/>
-                  </a:lnTo>
-                  <a:lnTo>
-                    <a:pt x="437406" y="387002"/>
-                  </a:lnTo>
-                  <a:lnTo>
-                    <a:pt x="0" y="387002"/>
-                  </a:lnTo>
-                  <a:close/>
-                </a:path>
-              </a:pathLst>
-            </a:custGeom>
-            <a:solidFill>
-              <a:srgbClr val="7ED957"/>
-            </a:solidFill>
-            <a:ln>
-              <a:noFill/>
-            </a:ln>
-          </p:spPr>
-        </p:sp>
-        <p:sp>
-          <p:nvSpPr>
-            <p:cNvPr id="380" name="Google Shape;380;p25"/>
-            <p:cNvSpPr txBox="1"/>
-            <p:nvPr/>
-          </p:nvSpPr>
-          <p:spPr>
-            <a:xfrm>
-              <a:off x="0" y="-47625"/>
-              <a:ext cx="437400" cy="434700"/>
-            </a:xfrm>
-            <a:prstGeom prst="rect">
-              <a:avLst/>
-            </a:prstGeom>
-            <a:noFill/>
-            <a:ln>
-              <a:noFill/>
-            </a:ln>
-          </p:spPr>
-          <p:txBody>
-            <a:bodyPr anchorCtr="0" anchor="ctr" bIns="50800" lIns="50800" spcFirstLastPara="1" rIns="50800" wrap="square" tIns="50800">
-              <a:noAutofit/>
-            </a:bodyPr>
-            <a:lstStyle/>
-            <a:p>
-              <a:pPr indent="0" lvl="0" marL="0" marR="0" rtl="0" algn="ctr">
-                <a:lnSpc>
-                  <a:spcPct val="147722"/>
-                </a:lnSpc>
-                <a:spcBef>
-                  <a:spcPts val="0"/>
-                </a:spcBef>
-                <a:spcAft>
-                  <a:spcPts val="0"/>
-                </a:spcAft>
-                <a:buClr>
-                  <a:srgbClr val="000000"/>
-                </a:buClr>
-                <a:buSzPts val="1800"/>
-                <a:buFont typeface="Arial"/>
-                <a:buNone/>
-              </a:pPr>
-              <a:r>
-                <a:t/>
-              </a:r>
-              <a:endParaRPr b="0" i="0" sz="1800" u="none" cap="none" strike="noStrike">
-                <a:solidFill>
-                  <a:schemeClr val="dk1"/>
-                </a:solidFill>
-                <a:latin typeface="Calibri"/>
-                <a:ea typeface="Calibri"/>
-                <a:cs typeface="Calibri"/>
-                <a:sym typeface="Calibri"/>
-              </a:endParaRPr>
-            </a:p>
-          </p:txBody>
-        </p:sp>
-      </p:grpSp>
-      <p:grpSp>
-        <p:nvGrpSpPr>
-          <p:cNvPr id="381" name="Google Shape;381;p25"/>
-          <p:cNvGrpSpPr/>
-          <p:nvPr/>
-        </p:nvGrpSpPr>
-        <p:grpSpPr>
-          <a:xfrm>
-            <a:off x="2895428" y="-915527"/>
-            <a:ext cx="489800" cy="1650512"/>
-            <a:chOff x="0" y="-47625"/>
-            <a:chExt cx="129000" cy="434700"/>
-          </a:xfrm>
-        </p:grpSpPr>
-        <p:sp>
-          <p:nvSpPr>
-            <p:cNvPr id="382" name="Google Shape;382;p25"/>
-            <p:cNvSpPr/>
-            <p:nvPr/>
-          </p:nvSpPr>
-          <p:spPr>
-            <a:xfrm>
-              <a:off x="0" y="0"/>
-              <a:ext cx="128975" cy="387002"/>
-            </a:xfrm>
-            <a:custGeom>
-              <a:rect b="b" l="l" r="r" t="t"/>
-              <a:pathLst>
-                <a:path extrusionOk="0" h="387002" w="128975">
-                  <a:moveTo>
-                    <a:pt x="0" y="0"/>
-                  </a:moveTo>
-                  <a:lnTo>
-                    <a:pt x="128975" y="0"/>
-                  </a:lnTo>
-                  <a:lnTo>
-                    <a:pt x="128975" y="387002"/>
-                  </a:lnTo>
-                  <a:lnTo>
-                    <a:pt x="0" y="387002"/>
-                  </a:lnTo>
-                  <a:close/>
-                </a:path>
-              </a:pathLst>
-            </a:custGeom>
-            <a:solidFill>
-              <a:srgbClr val="00BF63"/>
-            </a:solidFill>
-            <a:ln>
-              <a:noFill/>
-            </a:ln>
-          </p:spPr>
-        </p:sp>
-        <p:sp>
-          <p:nvSpPr>
-            <p:cNvPr id="383" name="Google Shape;383;p25"/>
-            <p:cNvSpPr txBox="1"/>
-            <p:nvPr/>
-          </p:nvSpPr>
-          <p:spPr>
-            <a:xfrm>
-              <a:off x="0" y="-47625"/>
-              <a:ext cx="129000" cy="434700"/>
-            </a:xfrm>
-            <a:prstGeom prst="rect">
-              <a:avLst/>
-            </a:prstGeom>
-            <a:noFill/>
-            <a:ln>
-              <a:noFill/>
-            </a:ln>
-          </p:spPr>
-          <p:txBody>
-            <a:bodyPr anchorCtr="0" anchor="ctr" bIns="50800" lIns="50800" spcFirstLastPara="1" rIns="50800" wrap="square" tIns="50800">
-              <a:noAutofit/>
-            </a:bodyPr>
-            <a:lstStyle/>
-            <a:p>
-              <a:pPr indent="0" lvl="0" marL="0" marR="0" rtl="0" algn="ctr">
-                <a:lnSpc>
-                  <a:spcPct val="147722"/>
-                </a:lnSpc>
-                <a:spcBef>
-                  <a:spcPts val="0"/>
-                </a:spcBef>
-                <a:spcAft>
-                  <a:spcPts val="0"/>
-                </a:spcAft>
-                <a:buClr>
-                  <a:srgbClr val="000000"/>
-                </a:buClr>
-                <a:buSzPts val="1800"/>
-                <a:buFont typeface="Arial"/>
-                <a:buNone/>
-              </a:pPr>
-              <a:r>
-                <a:t/>
-              </a:r>
-              <a:endParaRPr b="0" i="0" sz="1800" u="none" cap="none" strike="noStrike">
-                <a:solidFill>
-                  <a:schemeClr val="dk1"/>
-                </a:solidFill>
-                <a:latin typeface="Calibri"/>
-                <a:ea typeface="Calibri"/>
-                <a:cs typeface="Calibri"/>
-                <a:sym typeface="Calibri"/>
-              </a:endParaRPr>
-            </a:p>
-          </p:txBody>
-        </p:sp>
-      </p:grpSp>
-      <p:sp>
-        <p:nvSpPr>
-          <p:cNvPr id="384" name="Google Shape;384;p25"/>
-          <p:cNvSpPr txBox="1"/>
-          <p:nvPr/>
-        </p:nvSpPr>
-        <p:spPr>
-          <a:xfrm>
-            <a:off x="4853100" y="257300"/>
-            <a:ext cx="8581800" cy="916800"/>
-          </a:xfrm>
-          <a:prstGeom prst="rect">
-            <a:avLst/>
-          </a:prstGeom>
-          <a:noFill/>
-          <a:ln>
-            <a:noFill/>
-          </a:ln>
-        </p:spPr>
-        <p:txBody>
-          <a:bodyPr anchorCtr="0" anchor="t" bIns="0" lIns="0" spcFirstLastPara="1" rIns="0" wrap="square" tIns="0">
-            <a:spAutoFit/>
-          </a:bodyPr>
-          <a:lstStyle/>
-          <a:p>
-            <a:pPr indent="0" lvl="0" marL="0" marR="0" rtl="0" algn="l">
-              <a:lnSpc>
-                <a:spcPct val="105004"/>
-              </a:lnSpc>
-              <a:spcBef>
-                <a:spcPts val="0"/>
-              </a:spcBef>
-              <a:spcAft>
-                <a:spcPts val="0"/>
-              </a:spcAft>
-              <a:buClr>
-                <a:srgbClr val="000000"/>
-              </a:buClr>
-              <a:buSzPts val="5956"/>
-              <a:buFont typeface="Arial"/>
-              <a:buNone/>
-            </a:pPr>
-            <a:r>
-              <a:rPr b="1" i="0" lang="en-US" sz="5956" u="none" cap="none" strike="noStrike">
-                <a:solidFill>
-                  <a:srgbClr val="7ED957"/>
-                </a:solidFill>
-                <a:latin typeface="Proxima Nova"/>
-                <a:ea typeface="Proxima Nova"/>
-                <a:cs typeface="Proxima Nova"/>
-                <a:sym typeface="Proxima Nova"/>
-              </a:rPr>
-              <a:t>PI - 4° Semestre -  DSM</a:t>
-            </a:r>
-            <a:endParaRPr b="0" i="0" sz="2900" u="none" cap="none" strike="noStrike">
-              <a:solidFill>
-                <a:srgbClr val="000000"/>
-              </a:solidFill>
-              <a:latin typeface="Arial"/>
-              <a:ea typeface="Arial"/>
-              <a:cs typeface="Arial"/>
-              <a:sym typeface="Arial"/>
-            </a:endParaRPr>
-          </a:p>
-        </p:txBody>
-      </p:sp>
-      <p:sp>
-        <p:nvSpPr>
-          <p:cNvPr id="385" name="Google Shape;385;p25"/>
-          <p:cNvSpPr txBox="1"/>
-          <p:nvPr/>
-        </p:nvSpPr>
-        <p:spPr>
-          <a:xfrm>
-            <a:off x="5459425" y="1318418"/>
-            <a:ext cx="6605700" cy="685800"/>
-          </a:xfrm>
-          <a:prstGeom prst="rect">
-            <a:avLst/>
-          </a:prstGeom>
-          <a:noFill/>
-          <a:ln>
-            <a:noFill/>
-          </a:ln>
-        </p:spPr>
-        <p:txBody>
-          <a:bodyPr anchorCtr="0" anchor="t" bIns="0" lIns="0" spcFirstLastPara="1" rIns="0" wrap="square" tIns="0">
-            <a:spAutoFit/>
-          </a:bodyPr>
-          <a:lstStyle/>
-          <a:p>
-            <a:pPr indent="0" lvl="0" marL="0" marR="0" rtl="0" algn="l">
-              <a:lnSpc>
-                <a:spcPct val="105004"/>
-              </a:lnSpc>
-              <a:spcBef>
-                <a:spcPts val="0"/>
-              </a:spcBef>
-              <a:spcAft>
-                <a:spcPts val="0"/>
-              </a:spcAft>
-              <a:buClr>
-                <a:srgbClr val="000000"/>
-              </a:buClr>
-              <a:buSzPts val="4456"/>
-              <a:buFont typeface="Arial"/>
-              <a:buNone/>
-            </a:pPr>
-            <a:r>
-              <a:rPr b="1" i="0" lang="en-US" sz="4456" u="none" cap="none" strike="noStrike">
-                <a:solidFill>
-                  <a:srgbClr val="7ED957"/>
-                </a:solidFill>
-                <a:latin typeface="Proxima Nova"/>
-                <a:ea typeface="Proxima Nova"/>
-                <a:cs typeface="Proxima Nova"/>
-                <a:sym typeface="Proxima Nova"/>
-              </a:rPr>
-              <a:t>MOCHILA INTELIGENTE</a:t>
-            </a:r>
-            <a:endParaRPr b="0" i="0" sz="1400" u="none" cap="none" strike="noStrike">
-              <a:solidFill>
-                <a:srgbClr val="000000"/>
-              </a:solidFill>
-              <a:latin typeface="Arial"/>
-              <a:ea typeface="Arial"/>
-              <a:cs typeface="Arial"/>
-              <a:sym typeface="Arial"/>
-            </a:endParaRPr>
-          </a:p>
-        </p:txBody>
-      </p:sp>
-      <p:sp>
-        <p:nvSpPr>
-          <p:cNvPr id="386" name="Google Shape;386;p25"/>
-          <p:cNvSpPr txBox="1"/>
-          <p:nvPr/>
-        </p:nvSpPr>
-        <p:spPr>
-          <a:xfrm>
-            <a:off x="1234625" y="3429000"/>
-            <a:ext cx="9523500" cy="4184400"/>
-          </a:xfrm>
-          <a:prstGeom prst="rect">
-            <a:avLst/>
-          </a:prstGeom>
-          <a:noFill/>
-          <a:ln>
-            <a:noFill/>
-          </a:ln>
-        </p:spPr>
-        <p:txBody>
-          <a:bodyPr anchorCtr="0" anchor="t" bIns="0" lIns="0" spcFirstLastPara="1" rIns="0" wrap="square" tIns="0">
-            <a:spAutoFit/>
-          </a:bodyPr>
-          <a:lstStyle/>
-          <a:p>
-            <a:pPr indent="-457200" lvl="0" marL="457200" marR="0" rtl="0" algn="l">
-              <a:lnSpc>
-                <a:spcPct val="104994"/>
-              </a:lnSpc>
-              <a:spcBef>
-                <a:spcPts val="0"/>
-              </a:spcBef>
-              <a:spcAft>
-                <a:spcPts val="0"/>
-              </a:spcAft>
-              <a:buClr>
-                <a:srgbClr val="00BF63"/>
-              </a:buClr>
-              <a:buSzPts val="4664"/>
-              <a:buFont typeface="Proxima Nova"/>
-              <a:buChar char="-"/>
-            </a:pPr>
-            <a:r>
-              <a:rPr b="1" i="0" lang="en-US" sz="4664" u="none" cap="none" strike="noStrike">
-                <a:solidFill>
-                  <a:srgbClr val="00BF63"/>
-                </a:solidFill>
-                <a:latin typeface="Proxima Nova"/>
-                <a:ea typeface="Proxima Nova"/>
-                <a:cs typeface="Proxima Nova"/>
-                <a:sym typeface="Proxima Nova"/>
-              </a:rPr>
-              <a:t>Claudio de Melo Junior</a:t>
-            </a:r>
-            <a:endParaRPr b="1" i="0" sz="4664" u="none" cap="none" strike="noStrike">
-              <a:solidFill>
-                <a:srgbClr val="00BF63"/>
-              </a:solidFill>
-              <a:latin typeface="Proxima Nova"/>
-              <a:ea typeface="Proxima Nova"/>
-              <a:cs typeface="Proxima Nova"/>
-              <a:sym typeface="Proxima Nova"/>
-            </a:endParaRPr>
-          </a:p>
-          <a:p>
-            <a:pPr indent="0" lvl="0" marL="0" marR="0" rtl="0" algn="l">
-              <a:lnSpc>
-                <a:spcPct val="104994"/>
-              </a:lnSpc>
-              <a:spcBef>
-                <a:spcPts val="0"/>
-              </a:spcBef>
-              <a:spcAft>
-                <a:spcPts val="0"/>
-              </a:spcAft>
-              <a:buClr>
-                <a:srgbClr val="000000"/>
-              </a:buClr>
-              <a:buSzPts val="4664"/>
-              <a:buFont typeface="Arial"/>
-              <a:buNone/>
-            </a:pPr>
-            <a:r>
-              <a:t/>
-            </a:r>
-            <a:endParaRPr b="1" i="0" sz="4664" u="none" cap="none" strike="noStrike">
-              <a:solidFill>
-                <a:srgbClr val="00BF63"/>
-              </a:solidFill>
-              <a:latin typeface="Proxima Nova"/>
-              <a:ea typeface="Proxima Nova"/>
-              <a:cs typeface="Proxima Nova"/>
-              <a:sym typeface="Proxima Nova"/>
-            </a:endParaRPr>
-          </a:p>
-          <a:p>
-            <a:pPr indent="-457200" lvl="0" marL="457200" marR="0" rtl="0" algn="l">
-              <a:lnSpc>
-                <a:spcPct val="104994"/>
-              </a:lnSpc>
-              <a:spcBef>
-                <a:spcPts val="0"/>
-              </a:spcBef>
-              <a:spcAft>
-                <a:spcPts val="0"/>
-              </a:spcAft>
-              <a:buClr>
-                <a:srgbClr val="00BF63"/>
-              </a:buClr>
-              <a:buSzPts val="4664"/>
-              <a:buFont typeface="Proxima Nova"/>
-              <a:buChar char="-"/>
-            </a:pPr>
-            <a:r>
-              <a:rPr b="1" i="0" lang="en-US" sz="4664" u="none" cap="none" strike="noStrike">
-                <a:solidFill>
-                  <a:srgbClr val="00BF63"/>
-                </a:solidFill>
-                <a:latin typeface="Proxima Nova"/>
-                <a:ea typeface="Proxima Nova"/>
-                <a:cs typeface="Proxima Nova"/>
-                <a:sym typeface="Proxima Nova"/>
-              </a:rPr>
-              <a:t>João Vitor Nicolau dos Santos</a:t>
-            </a:r>
-            <a:endParaRPr b="1" i="0" sz="4664" u="none" cap="none" strike="noStrike">
-              <a:solidFill>
-                <a:srgbClr val="00BF63"/>
-              </a:solidFill>
-              <a:latin typeface="Proxima Nova"/>
-              <a:ea typeface="Proxima Nova"/>
-              <a:cs typeface="Proxima Nova"/>
-              <a:sym typeface="Proxima Nova"/>
-            </a:endParaRPr>
-          </a:p>
-          <a:p>
-            <a:pPr indent="0" lvl="0" marL="0" marR="0" rtl="0" algn="l">
-              <a:lnSpc>
-                <a:spcPct val="104994"/>
-              </a:lnSpc>
-              <a:spcBef>
-                <a:spcPts val="0"/>
-              </a:spcBef>
-              <a:spcAft>
-                <a:spcPts val="0"/>
-              </a:spcAft>
-              <a:buClr>
-                <a:srgbClr val="000000"/>
-              </a:buClr>
-              <a:buSzPts val="4664"/>
-              <a:buFont typeface="Arial"/>
-              <a:buNone/>
-            </a:pPr>
-            <a:r>
-              <a:t/>
-            </a:r>
-            <a:endParaRPr b="1" i="0" sz="4664" u="none" cap="none" strike="noStrike">
-              <a:solidFill>
-                <a:srgbClr val="00BF63"/>
-              </a:solidFill>
-              <a:latin typeface="Proxima Nova"/>
-              <a:ea typeface="Proxima Nova"/>
-              <a:cs typeface="Proxima Nova"/>
-              <a:sym typeface="Proxima Nova"/>
-            </a:endParaRPr>
-          </a:p>
-          <a:p>
-            <a:pPr indent="-457200" lvl="0" marL="457200" marR="0" rtl="0" algn="l">
-              <a:lnSpc>
-                <a:spcPct val="104994"/>
-              </a:lnSpc>
-              <a:spcBef>
-                <a:spcPts val="0"/>
-              </a:spcBef>
-              <a:spcAft>
-                <a:spcPts val="0"/>
-              </a:spcAft>
-              <a:buClr>
-                <a:srgbClr val="00BF63"/>
-              </a:buClr>
-              <a:buSzPts val="4664"/>
-              <a:buFont typeface="Proxima Nova"/>
-              <a:buChar char="-"/>
-            </a:pPr>
-            <a:r>
-              <a:rPr b="1" i="0" lang="en-US" sz="4664" u="none" cap="none" strike="noStrike">
-                <a:solidFill>
-                  <a:srgbClr val="00BF63"/>
-                </a:solidFill>
-                <a:latin typeface="Proxima Nova"/>
-                <a:ea typeface="Proxima Nova"/>
-                <a:cs typeface="Proxima Nova"/>
-                <a:sym typeface="Proxima Nova"/>
-              </a:rPr>
-              <a:t>Luís Pedro Dutra Carrocini</a:t>
-            </a:r>
-            <a:endParaRPr b="0" i="0" sz="2700" u="none" cap="none" strike="noStrike">
-              <a:solidFill>
-                <a:srgbClr val="000000"/>
-              </a:solidFill>
-              <a:latin typeface="Arial"/>
-              <a:ea typeface="Arial"/>
-              <a:cs typeface="Arial"/>
-              <a:sym typeface="Arial"/>
-            </a:endParaRPr>
-          </a:p>
-          <a:p>
-            <a:pPr indent="0" lvl="0" marL="0" marR="0" rtl="0" algn="l">
-              <a:lnSpc>
-                <a:spcPct val="104994"/>
-              </a:lnSpc>
-              <a:spcBef>
-                <a:spcPts val="0"/>
-              </a:spcBef>
-              <a:spcAft>
-                <a:spcPts val="0"/>
-              </a:spcAft>
-              <a:buClr>
-                <a:srgbClr val="000000"/>
-              </a:buClr>
-              <a:buSzPts val="2700"/>
-              <a:buFont typeface="Arial"/>
-              <a:buNone/>
-            </a:pPr>
-            <a:r>
-              <a:t/>
-            </a:r>
-            <a:endParaRPr b="0" i="0" sz="2700" u="none" cap="none" strike="noStrike">
-              <a:solidFill>
-                <a:srgbClr val="000000"/>
-              </a:solidFill>
-              <a:latin typeface="Arial"/>
-              <a:ea typeface="Arial"/>
-              <a:cs typeface="Arial"/>
-              <a:sym typeface="Arial"/>
-            </a:endParaRPr>
-          </a:p>
-        </p:txBody>
-      </p:sp>
     </p:spTree>
   </p:cSld>
   <p:clrMapOvr>
@@ -30967,6 +31249,285 @@
 </file>
 
 <file path=ppt/theme/theme1.xml><?xml version="1.0" encoding="utf-8"?>
+<a:theme xmlns:a="http://schemas.openxmlformats.org/drawingml/2006/main" xmlns:r="http://schemas.openxmlformats.org/officeDocument/2006/relationships">
+  <a:themeElements>
+    <a:clrScheme name="Default">
+      <a:dk1>
+        <a:srgbClr val="000000"/>
+      </a:dk1>
+      <a:lt1>
+        <a:srgbClr val="FFFFFF"/>
+      </a:lt1>
+      <a:dk2>
+        <a:srgbClr val="158158"/>
+      </a:dk2>
+      <a:lt2>
+        <a:srgbClr val="F3F3F3"/>
+      </a:lt2>
+      <a:accent1>
+        <a:srgbClr val="058DC7"/>
+      </a:accent1>
+      <a:accent2>
+        <a:srgbClr val="50B432"/>
+      </a:accent2>
+      <a:accent3>
+        <a:srgbClr val="ED561B"/>
+      </a:accent3>
+      <a:accent4>
+        <a:srgbClr val="EDEF00"/>
+      </a:accent4>
+      <a:accent5>
+        <a:srgbClr val="24CBE5"/>
+      </a:accent5>
+      <a:accent6>
+        <a:srgbClr val="64E572"/>
+      </a:accent6>
+      <a:hlink>
+        <a:srgbClr val="2200CC"/>
+      </a:hlink>
+      <a:folHlink>
+        <a:srgbClr val="551A8B"/>
+      </a:folHlink>
+    </a:clrScheme>
+    <a:fontScheme name="Office">
+      <a:majorFont>
+        <a:latin typeface="Arial"/>
+        <a:ea typeface=""/>
+        <a:cs typeface=""/>
+        <a:font script="Jpan" typeface="ＭＳ Ｐゴシック"/>
+        <a:font script="Hang" typeface="맑은 고딕"/>
+        <a:font script="Hans" typeface="宋体"/>
+        <a:font script="Hant" typeface="新細明體"/>
+        <a:font script="Arab" typeface="Times New Roman"/>
+        <a:font script="Hebr" typeface="Times New Roman"/>
+        <a:font script="Thai" typeface="Angsana New"/>
+        <a:font script="Ethi" typeface="Nyala"/>
+        <a:font script="Beng" typeface="Vrinda"/>
+        <a:font script="Gujr" typeface="Shruti"/>
+        <a:font script="Khmr" typeface="MoolBoran"/>
+        <a:font script="Knda" typeface="Tunga"/>
+        <a:font script="Guru" typeface="Raavi"/>
+        <a:font script="Cans" typeface="Euphemia"/>
+        <a:font script="Cher" typeface="Plantagenet Cherokee"/>
+        <a:font script="Yiii" typeface="Microsoft Yi Baiti"/>
+        <a:font script="Tibt" typeface="Microsoft Himalaya"/>
+        <a:font script="Thaa" typeface="MV Boli"/>
+        <a:font script="Deva" typeface="Mangal"/>
+        <a:font script="Telu" typeface="Gautami"/>
+        <a:font script="Taml" typeface="Latha"/>
+        <a:font script="Syrc" typeface="Estrangelo Edessa"/>
+        <a:font script="Orya" typeface="Kalinga"/>
+        <a:font script="Mlym" typeface="Kartika"/>
+        <a:font script="Laoo" typeface="DokChampa"/>
+        <a:font script="Sinh" typeface="Iskoola Pota"/>
+        <a:font script="Mong" typeface="Mongolian Baiti"/>
+        <a:font script="Viet" typeface="Times New Roman"/>
+        <a:font script="Uigh" typeface="Microsoft Uighur"/>
+        <a:font script="Geor" typeface="Sylfaen"/>
+      </a:majorFont>
+      <a:minorFont>
+        <a:latin typeface="Arial"/>
+        <a:ea typeface=""/>
+        <a:cs typeface=""/>
+        <a:font script="Jpan" typeface="ＭＳ Ｐゴシック"/>
+        <a:font script="Hang" typeface="맑은 고딕"/>
+        <a:font script="Hans" typeface="宋体"/>
+        <a:font script="Hant" typeface="新細明體"/>
+        <a:font script="Arab" typeface="Arial"/>
+        <a:font script="Hebr" typeface="Arial"/>
+        <a:font script="Thai" typeface="Cordia New"/>
+        <a:font script="Ethi" typeface="Nyala"/>
+        <a:font script="Beng" typeface="Vrinda"/>
+        <a:font script="Gujr" typeface="Shruti"/>
+        <a:font script="Khmr" typeface="DaunPenh"/>
+        <a:font script="Knda" typeface="Tunga"/>
+        <a:font script="Guru" typeface="Raavi"/>
+        <a:font script="Cans" typeface="Euphemia"/>
+        <a:font script="Cher" typeface="Plantagenet Cherokee"/>
+        <a:font script="Yiii" typeface="Microsoft Yi Baiti"/>
+        <a:font script="Tibt" typeface="Microsoft Himalaya"/>
+        <a:font script="Thaa" typeface="MV Boli"/>
+        <a:font script="Deva" typeface="Mangal"/>
+        <a:font script="Telu" typeface="Gautami"/>
+        <a:font script="Taml" typeface="Latha"/>
+        <a:font script="Syrc" typeface="Estrangelo Edessa"/>
+        <a:font script="Orya" typeface="Kalinga"/>
+        <a:font script="Mlym" typeface="Kartika"/>
+        <a:font script="Laoo" typeface="DokChampa"/>
+        <a:font script="Sinh" typeface="Iskoola Pota"/>
+        <a:font script="Mong" typeface="Mongolian Baiti"/>
+        <a:font script="Viet" typeface="Arial"/>
+        <a:font script="Uigh" typeface="Microsoft Uighur"/>
+        <a:font script="Geor" typeface="Sylfaen"/>
+      </a:minorFont>
+    </a:fontScheme>
+    <a:fmtScheme name="Office">
+      <a:fillStyleLst>
+        <a:solidFill>
+          <a:schemeClr val="phClr"/>
+        </a:solidFill>
+        <a:gradFill rotWithShape="1">
+          <a:gsLst>
+            <a:gs pos="0">
+              <a:schemeClr val="phClr">
+                <a:tint val="50000"/>
+                <a:satMod val="300000"/>
+              </a:schemeClr>
+            </a:gs>
+            <a:gs pos="35000">
+              <a:schemeClr val="phClr">
+                <a:tint val="37000"/>
+                <a:satMod val="300000"/>
+              </a:schemeClr>
+            </a:gs>
+            <a:gs pos="100000">
+              <a:schemeClr val="phClr">
+                <a:tint val="15000"/>
+                <a:satMod val="350000"/>
+              </a:schemeClr>
+            </a:gs>
+          </a:gsLst>
+          <a:lin ang="16200000" scaled="1"/>
+        </a:gradFill>
+        <a:gradFill rotWithShape="1">
+          <a:gsLst>
+            <a:gs pos="0">
+              <a:schemeClr val="phClr">
+                <a:tint val="100000"/>
+                <a:shade val="100000"/>
+                <a:satMod val="130000"/>
+              </a:schemeClr>
+            </a:gs>
+            <a:gs pos="100000">
+              <a:schemeClr val="phClr">
+                <a:tint val="50000"/>
+                <a:shade val="100000"/>
+                <a:satMod val="350000"/>
+              </a:schemeClr>
+            </a:gs>
+          </a:gsLst>
+          <a:lin ang="16200000" scaled="0"/>
+        </a:gradFill>
+      </a:fillStyleLst>
+      <a:lnStyleLst>
+        <a:ln w="9525" cap="flat" cmpd="sng" algn="ctr">
+          <a:solidFill>
+            <a:schemeClr val="phClr">
+              <a:shade val="95000"/>
+              <a:satMod val="105000"/>
+            </a:schemeClr>
+          </a:solidFill>
+          <a:prstDash val="solid"/>
+        </a:ln>
+        <a:ln w="25400" cap="flat" cmpd="sng" algn="ctr">
+          <a:solidFill>
+            <a:schemeClr val="phClr"/>
+          </a:solidFill>
+          <a:prstDash val="solid"/>
+        </a:ln>
+        <a:ln w="38100" cap="flat" cmpd="sng" algn="ctr">
+          <a:solidFill>
+            <a:schemeClr val="phClr"/>
+          </a:solidFill>
+          <a:prstDash val="solid"/>
+        </a:ln>
+      </a:lnStyleLst>
+      <a:effectStyleLst>
+        <a:effectStyle>
+          <a:effectLst>
+            <a:outerShdw blurRad="40000" dist="20000" dir="5400000" rotWithShape="0">
+              <a:srgbClr val="000000">
+                <a:alpha val="38000"/>
+              </a:srgbClr>
+            </a:outerShdw>
+          </a:effectLst>
+        </a:effectStyle>
+        <a:effectStyle>
+          <a:effectLst>
+            <a:outerShdw blurRad="40000" dist="23000" dir="5400000" rotWithShape="0">
+              <a:srgbClr val="000000">
+                <a:alpha val="35000"/>
+              </a:srgbClr>
+            </a:outerShdw>
+          </a:effectLst>
+        </a:effectStyle>
+        <a:effectStyle>
+          <a:effectLst>
+            <a:outerShdw blurRad="40000" dist="23000" dir="5400000" rotWithShape="0">
+              <a:srgbClr val="000000">
+                <a:alpha val="35000"/>
+              </a:srgbClr>
+            </a:outerShdw>
+          </a:effectLst>
+          <a:scene3d>
+            <a:camera prst="orthographicFront">
+              <a:rot lat="0" lon="0" rev="0"/>
+            </a:camera>
+            <a:lightRig rig="threePt" dir="t">
+              <a:rot lat="0" lon="0" rev="1200000"/>
+            </a:lightRig>
+          </a:scene3d>
+          <a:sp3d>
+            <a:bevelT w="63500" h="25400"/>
+          </a:sp3d>
+        </a:effectStyle>
+      </a:effectStyleLst>
+      <a:bgFillStyleLst>
+        <a:solidFill>
+          <a:schemeClr val="phClr"/>
+        </a:solidFill>
+        <a:gradFill rotWithShape="1">
+          <a:gsLst>
+            <a:gs pos="0">
+              <a:schemeClr val="phClr">
+                <a:tint val="40000"/>
+                <a:satMod val="350000"/>
+              </a:schemeClr>
+            </a:gs>
+            <a:gs pos="40000">
+              <a:schemeClr val="phClr">
+                <a:tint val="45000"/>
+                <a:shade val="99000"/>
+                <a:satMod val="350000"/>
+              </a:schemeClr>
+            </a:gs>
+            <a:gs pos="100000">
+              <a:schemeClr val="phClr">
+                <a:shade val="20000"/>
+                <a:satMod val="255000"/>
+              </a:schemeClr>
+            </a:gs>
+          </a:gsLst>
+          <a:path path="circle">
+            <a:fillToRect l="50000" t="-80000" r="50000" b="180000"/>
+          </a:path>
+        </a:gradFill>
+        <a:gradFill rotWithShape="1">
+          <a:gsLst>
+            <a:gs pos="0">
+              <a:schemeClr val="phClr">
+                <a:tint val="80000"/>
+                <a:satMod val="300000"/>
+              </a:schemeClr>
+            </a:gs>
+            <a:gs pos="100000">
+              <a:schemeClr val="phClr">
+                <a:shade val="30000"/>
+                <a:satMod val="200000"/>
+              </a:schemeClr>
+            </a:gs>
+          </a:gsLst>
+          <a:path path="circle">
+            <a:fillToRect l="50000" t="50000" r="50000" b="50000"/>
+          </a:path>
+        </a:gradFill>
+      </a:bgFillStyleLst>
+    </a:fmtScheme>
+  </a:themeElements>
+</a:theme>
+</file>
+
+<file path=ppt/theme/theme2.xml><?xml version="1.0" encoding="utf-8"?>
 <a:theme xmlns:a="http://schemas.openxmlformats.org/drawingml/2006/main" xmlns:r="http://schemas.openxmlformats.org/officeDocument/2006/relationships" name="Office Theme">
   <a:themeElements>
     <a:clrScheme name="Office">
@@ -31243,283 +31804,4 @@
     </a:fmtScheme>
   </a:themeElements>
 </a:theme>
-</file>
-
-<file path=ppt/theme/theme2.xml><?xml version="1.0" encoding="utf-8"?>
-<a:theme xmlns:a="http://schemas.openxmlformats.org/drawingml/2006/main" xmlns:r="http://schemas.openxmlformats.org/officeDocument/2006/relationships">
-  <a:themeElements>
-    <a:clrScheme name="Default">
-      <a:dk1>
-        <a:srgbClr val="000000"/>
-      </a:dk1>
-      <a:lt1>
-        <a:srgbClr val="FFFFFF"/>
-      </a:lt1>
-      <a:dk2>
-        <a:srgbClr val="158158"/>
-      </a:dk2>
-      <a:lt2>
-        <a:srgbClr val="F3F3F3"/>
-      </a:lt2>
-      <a:accent1>
-        <a:srgbClr val="058DC7"/>
-      </a:accent1>
-      <a:accent2>
-        <a:srgbClr val="50B432"/>
-      </a:accent2>
-      <a:accent3>
-        <a:srgbClr val="ED561B"/>
-      </a:accent3>
-      <a:accent4>
-        <a:srgbClr val="EDEF00"/>
-      </a:accent4>
-      <a:accent5>
-        <a:srgbClr val="24CBE5"/>
-      </a:accent5>
-      <a:accent6>
-        <a:srgbClr val="64E572"/>
-      </a:accent6>
-      <a:hlink>
-        <a:srgbClr val="2200CC"/>
-      </a:hlink>
-      <a:folHlink>
-        <a:srgbClr val="551A8B"/>
-      </a:folHlink>
-    </a:clrScheme>
-    <a:fontScheme name="Office">
-      <a:majorFont>
-        <a:latin typeface="Arial"/>
-        <a:ea typeface=""/>
-        <a:cs typeface=""/>
-        <a:font script="Jpan" typeface="ＭＳ Ｐゴシック"/>
-        <a:font script="Hang" typeface="맑은 고딕"/>
-        <a:font script="Hans" typeface="宋体"/>
-        <a:font script="Hant" typeface="新細明體"/>
-        <a:font script="Arab" typeface="Times New Roman"/>
-        <a:font script="Hebr" typeface="Times New Roman"/>
-        <a:font script="Thai" typeface="Angsana New"/>
-        <a:font script="Ethi" typeface="Nyala"/>
-        <a:font script="Beng" typeface="Vrinda"/>
-        <a:font script="Gujr" typeface="Shruti"/>
-        <a:font script="Khmr" typeface="MoolBoran"/>
-        <a:font script="Knda" typeface="Tunga"/>
-        <a:font script="Guru" typeface="Raavi"/>
-        <a:font script="Cans" typeface="Euphemia"/>
-        <a:font script="Cher" typeface="Plantagenet Cherokee"/>
-        <a:font script="Yiii" typeface="Microsoft Yi Baiti"/>
-        <a:font script="Tibt" typeface="Microsoft Himalaya"/>
-        <a:font script="Thaa" typeface="MV Boli"/>
-        <a:font script="Deva" typeface="Mangal"/>
-        <a:font script="Telu" typeface="Gautami"/>
-        <a:font script="Taml" typeface="Latha"/>
-        <a:font script="Syrc" typeface="Estrangelo Edessa"/>
-        <a:font script="Orya" typeface="Kalinga"/>
-        <a:font script="Mlym" typeface="Kartika"/>
-        <a:font script="Laoo" typeface="DokChampa"/>
-        <a:font script="Sinh" typeface="Iskoola Pota"/>
-        <a:font script="Mong" typeface="Mongolian Baiti"/>
-        <a:font script="Viet" typeface="Times New Roman"/>
-        <a:font script="Uigh" typeface="Microsoft Uighur"/>
-        <a:font script="Geor" typeface="Sylfaen"/>
-      </a:majorFont>
-      <a:minorFont>
-        <a:latin typeface="Arial"/>
-        <a:ea typeface=""/>
-        <a:cs typeface=""/>
-        <a:font script="Jpan" typeface="ＭＳ Ｐゴシック"/>
-        <a:font script="Hang" typeface="맑은 고딕"/>
-        <a:font script="Hans" typeface="宋体"/>
-        <a:font script="Hant" typeface="新細明體"/>
-        <a:font script="Arab" typeface="Arial"/>
-        <a:font script="Hebr" typeface="Arial"/>
-        <a:font script="Thai" typeface="Cordia New"/>
-        <a:font script="Ethi" typeface="Nyala"/>
-        <a:font script="Beng" typeface="Vrinda"/>
-        <a:font script="Gujr" typeface="Shruti"/>
-        <a:font script="Khmr" typeface="DaunPenh"/>
-        <a:font script="Knda" typeface="Tunga"/>
-        <a:font script="Guru" typeface="Raavi"/>
-        <a:font script="Cans" typeface="Euphemia"/>
-        <a:font script="Cher" typeface="Plantagenet Cherokee"/>
-        <a:font script="Yiii" typeface="Microsoft Yi Baiti"/>
-        <a:font script="Tibt" typeface="Microsoft Himalaya"/>
-        <a:font script="Thaa" typeface="MV Boli"/>
-        <a:font script="Deva" typeface="Mangal"/>
-        <a:font script="Telu" typeface="Gautami"/>
-        <a:font script="Taml" typeface="Latha"/>
-        <a:font script="Syrc" typeface="Estrangelo Edessa"/>
-        <a:font script="Orya" typeface="Kalinga"/>
-        <a:font script="Mlym" typeface="Kartika"/>
-        <a:font script="Laoo" typeface="DokChampa"/>
-        <a:font script="Sinh" typeface="Iskoola Pota"/>
-        <a:font script="Mong" typeface="Mongolian Baiti"/>
-        <a:font script="Viet" typeface="Arial"/>
-        <a:font script="Uigh" typeface="Microsoft Uighur"/>
-        <a:font script="Geor" typeface="Sylfaen"/>
-      </a:minorFont>
-    </a:fontScheme>
-    <a:fmtScheme name="Office">
-      <a:fillStyleLst>
-        <a:solidFill>
-          <a:schemeClr val="phClr"/>
-        </a:solidFill>
-        <a:gradFill rotWithShape="1">
-          <a:gsLst>
-            <a:gs pos="0">
-              <a:schemeClr val="phClr">
-                <a:tint val="50000"/>
-                <a:satMod val="300000"/>
-              </a:schemeClr>
-            </a:gs>
-            <a:gs pos="35000">
-              <a:schemeClr val="phClr">
-                <a:tint val="37000"/>
-                <a:satMod val="300000"/>
-              </a:schemeClr>
-            </a:gs>
-            <a:gs pos="100000">
-              <a:schemeClr val="phClr">
-                <a:tint val="15000"/>
-                <a:satMod val="350000"/>
-              </a:schemeClr>
-            </a:gs>
-          </a:gsLst>
-          <a:lin ang="16200000" scaled="1"/>
-        </a:gradFill>
-        <a:gradFill rotWithShape="1">
-          <a:gsLst>
-            <a:gs pos="0">
-              <a:schemeClr val="phClr">
-                <a:tint val="100000"/>
-                <a:shade val="100000"/>
-                <a:satMod val="130000"/>
-              </a:schemeClr>
-            </a:gs>
-            <a:gs pos="100000">
-              <a:schemeClr val="phClr">
-                <a:tint val="50000"/>
-                <a:shade val="100000"/>
-                <a:satMod val="350000"/>
-              </a:schemeClr>
-            </a:gs>
-          </a:gsLst>
-          <a:lin ang="16200000" scaled="0"/>
-        </a:gradFill>
-      </a:fillStyleLst>
-      <a:lnStyleLst>
-        <a:ln w="9525" cap="flat" cmpd="sng" algn="ctr">
-          <a:solidFill>
-            <a:schemeClr val="phClr">
-              <a:shade val="95000"/>
-              <a:satMod val="105000"/>
-            </a:schemeClr>
-          </a:solidFill>
-          <a:prstDash val="solid"/>
-        </a:ln>
-        <a:ln w="25400" cap="flat" cmpd="sng" algn="ctr">
-          <a:solidFill>
-            <a:schemeClr val="phClr"/>
-          </a:solidFill>
-          <a:prstDash val="solid"/>
-        </a:ln>
-        <a:ln w="38100" cap="flat" cmpd="sng" algn="ctr">
-          <a:solidFill>
-            <a:schemeClr val="phClr"/>
-          </a:solidFill>
-          <a:prstDash val="solid"/>
-        </a:ln>
-      </a:lnStyleLst>
-      <a:effectStyleLst>
-        <a:effectStyle>
-          <a:effectLst>
-            <a:outerShdw blurRad="40000" dist="20000" dir="5400000" rotWithShape="0">
-              <a:srgbClr val="000000">
-                <a:alpha val="38000"/>
-              </a:srgbClr>
-            </a:outerShdw>
-          </a:effectLst>
-        </a:effectStyle>
-        <a:effectStyle>
-          <a:effectLst>
-            <a:outerShdw blurRad="40000" dist="23000" dir="5400000" rotWithShape="0">
-              <a:srgbClr val="000000">
-                <a:alpha val="35000"/>
-              </a:srgbClr>
-            </a:outerShdw>
-          </a:effectLst>
-        </a:effectStyle>
-        <a:effectStyle>
-          <a:effectLst>
-            <a:outerShdw blurRad="40000" dist="23000" dir="5400000" rotWithShape="0">
-              <a:srgbClr val="000000">
-                <a:alpha val="35000"/>
-              </a:srgbClr>
-            </a:outerShdw>
-          </a:effectLst>
-          <a:scene3d>
-            <a:camera prst="orthographicFront">
-              <a:rot lat="0" lon="0" rev="0"/>
-            </a:camera>
-            <a:lightRig rig="threePt" dir="t">
-              <a:rot lat="0" lon="0" rev="1200000"/>
-            </a:lightRig>
-          </a:scene3d>
-          <a:sp3d>
-            <a:bevelT w="63500" h="25400"/>
-          </a:sp3d>
-        </a:effectStyle>
-      </a:effectStyleLst>
-      <a:bgFillStyleLst>
-        <a:solidFill>
-          <a:schemeClr val="phClr"/>
-        </a:solidFill>
-        <a:gradFill rotWithShape="1">
-          <a:gsLst>
-            <a:gs pos="0">
-              <a:schemeClr val="phClr">
-                <a:tint val="40000"/>
-                <a:satMod val="350000"/>
-              </a:schemeClr>
-            </a:gs>
-            <a:gs pos="40000">
-              <a:schemeClr val="phClr">
-                <a:tint val="45000"/>
-                <a:shade val="99000"/>
-                <a:satMod val="350000"/>
-              </a:schemeClr>
-            </a:gs>
-            <a:gs pos="100000">
-              <a:schemeClr val="phClr">
-                <a:shade val="20000"/>
-                <a:satMod val="255000"/>
-              </a:schemeClr>
-            </a:gs>
-          </a:gsLst>
-          <a:path path="circle">
-            <a:fillToRect l="50000" t="-80000" r="50000" b="180000"/>
-          </a:path>
-        </a:gradFill>
-        <a:gradFill rotWithShape="1">
-          <a:gsLst>
-            <a:gs pos="0">
-              <a:schemeClr val="phClr">
-                <a:tint val="80000"/>
-                <a:satMod val="300000"/>
-              </a:schemeClr>
-            </a:gs>
-            <a:gs pos="100000">
-              <a:schemeClr val="phClr">
-                <a:shade val="30000"/>
-                <a:satMod val="200000"/>
-              </a:schemeClr>
-            </a:gs>
-          </a:gsLst>
-          <a:path path="circle">
-            <a:fillToRect l="50000" t="50000" r="50000" b="50000"/>
-          </a:path>
-        </a:gradFill>
-      </a:bgFillStyleLst>
-    </a:fmtScheme>
-  </a:themeElements>
-</a:theme>
 </file>